--- a/SlideBaoCaoLVTN_NguyenQuocKhanh.pptx
+++ b/SlideBaoCaoLVTN_NguyenQuocKhanh.pptx
@@ -5,7 +5,7 @@
     <p:sldMasterId id="2147483648" r:id="rId1"/>
   </p:sldMasterIdLst>
   <p:notesMasterIdLst>
-    <p:notesMasterId r:id="rId26"/>
+    <p:notesMasterId r:id="rId33"/>
   </p:notesMasterIdLst>
   <p:sldIdLst>
     <p:sldId id="256" r:id="rId2"/>
@@ -25,13 +25,20 @@
     <p:sldId id="300" r:id="rId16"/>
     <p:sldId id="301" r:id="rId17"/>
     <p:sldId id="284" r:id="rId18"/>
-    <p:sldId id="302" r:id="rId19"/>
-    <p:sldId id="303" r:id="rId20"/>
-    <p:sldId id="267" r:id="rId21"/>
-    <p:sldId id="282" r:id="rId22"/>
-    <p:sldId id="265" r:id="rId23"/>
-    <p:sldId id="298" r:id="rId24"/>
-    <p:sldId id="262" r:id="rId25"/>
+    <p:sldId id="306" r:id="rId19"/>
+    <p:sldId id="310" r:id="rId20"/>
+    <p:sldId id="304" r:id="rId21"/>
+    <p:sldId id="302" r:id="rId22"/>
+    <p:sldId id="303" r:id="rId23"/>
+    <p:sldId id="305" r:id="rId24"/>
+    <p:sldId id="307" r:id="rId25"/>
+    <p:sldId id="308" r:id="rId26"/>
+    <p:sldId id="309" r:id="rId27"/>
+    <p:sldId id="267" r:id="rId28"/>
+    <p:sldId id="282" r:id="rId29"/>
+    <p:sldId id="265" r:id="rId30"/>
+    <p:sldId id="298" r:id="rId31"/>
+    <p:sldId id="262" r:id="rId32"/>
   </p:sldIdLst>
   <p:sldSz cx="9144000" cy="6858000" type="screen4x3"/>
   <p:notesSz cx="6858000" cy="9144000"/>
@@ -273,7 +280,7 @@
           <a:p>
             <a:fld id="{5462B960-4A0E-41AE-A608-A9D45591FECC}" type="datetimeFigureOut">
               <a:rPr lang="en-US" smtClean="0"/>
-              <a:t>09-Dec-18</a:t>
+              <a:t>10-Dec-18</a:t>
             </a:fld>
             <a:endParaRPr lang="en-US"/>
           </a:p>
@@ -6131,15 +6138,7 @@
             </a:r>
             <a:r>
               <a:rPr lang="en-US" altLang="en-US" smtClean="0"/>
-              <a:t> </a:t>
-            </a:r>
-            <a:r>
-              <a:rPr lang="en-US" altLang="en-US" smtClean="0"/>
-              <a:t>. </a:t>
-            </a:r>
-            <a:r>
-              <a:rPr lang="en-US" altLang="en-US" smtClean="0"/>
-              <a:t>Sơ đồ thiết kế hệ thống</a:t>
+              <a:t> . Sơ đồ thiết kế hệ thống</a:t>
             </a:r>
             <a:endParaRPr lang="en-US" altLang="en-US"/>
           </a:p>
@@ -8403,7 +8402,7 @@
                   <a:schemeClr val="tx1"/>
                 </a:solidFill>
               </a:rPr>
-              <a:t>1</a:t>
+              <a:t>2</a:t>
             </a:r>
             <a:r>
               <a:rPr lang="en-US" altLang="en-US" smtClean="0">
@@ -8411,7 +8410,15 @@
                   <a:schemeClr val="tx1"/>
                 </a:solidFill>
               </a:rPr>
-              <a:t> . Backend</a:t>
+              <a:t> </a:t>
+            </a:r>
+            <a:r>
+              <a:rPr lang="en-US" altLang="en-US" smtClean="0">
+                <a:solidFill>
+                  <a:schemeClr val="tx1"/>
+                </a:solidFill>
+              </a:rPr>
+              <a:t>. Backend</a:t>
             </a:r>
             <a:endParaRPr lang="en-US" altLang="en-US">
               <a:solidFill>
@@ -10132,7 +10139,7 @@
         </p:nvSpPr>
         <p:spPr>
           <a:xfrm>
-            <a:off x="762000" y="1600200"/>
+            <a:off x="1524000" y="1347572"/>
             <a:ext cx="8077200" cy="652462"/>
           </a:xfrm>
         </p:spPr>
@@ -10149,9 +10156,715 @@
             </a:r>
             <a:r>
               <a:rPr lang="en-US" altLang="en-US" smtClean="0"/>
-              <a:t>. Lưu đồ giải thuật</a:t>
+              <a:t>. </a:t>
+            </a:r>
+            <a:r>
+              <a:rPr lang="en-US" altLang="en-US" smtClean="0"/>
+              <a:t>Sơ đồ luồng dữ liệu</a:t>
             </a:r>
             <a:endParaRPr lang="en-US" altLang="en-US" smtClean="0"/>
+          </a:p>
+        </p:txBody>
+      </p:sp>
+      <p:sp>
+        <p:nvSpPr>
+          <p:cNvPr id="2" name="Rectangle 1"/>
+          <p:cNvSpPr/>
+          <p:nvPr/>
+        </p:nvSpPr>
+        <p:spPr>
+          <a:xfrm>
+            <a:off x="3686372" y="3997356"/>
+            <a:ext cx="1447800" cy="609600"/>
+          </a:xfrm>
+          <a:prstGeom prst="rect">
+            <a:avLst/>
+          </a:prstGeom>
+        </p:spPr>
+        <p:style>
+          <a:lnRef idx="2">
+            <a:schemeClr val="accent6"/>
+          </a:lnRef>
+          <a:fillRef idx="1">
+            <a:schemeClr val="lt1"/>
+          </a:fillRef>
+          <a:effectRef idx="0">
+            <a:schemeClr val="accent6"/>
+          </a:effectRef>
+          <a:fontRef idx="minor">
+            <a:schemeClr val="dk1"/>
+          </a:fontRef>
+        </p:style>
+        <p:txBody>
+          <a:bodyPr rtlCol="0" anchor="ctr"/>
+          <a:lstStyle/>
+          <a:p>
+            <a:pPr algn="ctr"/>
+            <a:r>
+              <a:rPr lang="en-US" smtClean="0"/>
+              <a:t>Khách hàng</a:t>
+            </a:r>
+            <a:endParaRPr lang="en-US"/>
+          </a:p>
+        </p:txBody>
+      </p:sp>
+      <p:sp>
+        <p:nvSpPr>
+          <p:cNvPr id="3" name="Oval 2"/>
+          <p:cNvSpPr/>
+          <p:nvPr/>
+        </p:nvSpPr>
+        <p:spPr>
+          <a:xfrm>
+            <a:off x="3589436" y="1954609"/>
+            <a:ext cx="1641672" cy="647700"/>
+          </a:xfrm>
+          <a:prstGeom prst="ellipse">
+            <a:avLst/>
+          </a:prstGeom>
+        </p:spPr>
+        <p:style>
+          <a:lnRef idx="2">
+            <a:schemeClr val="accent6"/>
+          </a:lnRef>
+          <a:fillRef idx="1">
+            <a:schemeClr val="lt1"/>
+          </a:fillRef>
+          <a:effectRef idx="0">
+            <a:schemeClr val="accent6"/>
+          </a:effectRef>
+          <a:fontRef idx="minor">
+            <a:schemeClr val="dk1"/>
+          </a:fontRef>
+        </p:style>
+        <p:txBody>
+          <a:bodyPr rtlCol="0" anchor="ctr"/>
+          <a:lstStyle/>
+          <a:p>
+            <a:pPr algn="ctr"/>
+            <a:r>
+              <a:rPr lang="en-US" smtClean="0"/>
+              <a:t>Duyệt hóa đơn</a:t>
+            </a:r>
+            <a:endParaRPr lang="en-US"/>
+          </a:p>
+        </p:txBody>
+      </p:sp>
+      <p:sp>
+        <p:nvSpPr>
+          <p:cNvPr id="6" name="Oval 5"/>
+          <p:cNvSpPr/>
+          <p:nvPr/>
+        </p:nvSpPr>
+        <p:spPr>
+          <a:xfrm>
+            <a:off x="519211" y="1859359"/>
+            <a:ext cx="1524000" cy="838200"/>
+          </a:xfrm>
+          <a:prstGeom prst="ellipse">
+            <a:avLst/>
+          </a:prstGeom>
+        </p:spPr>
+        <p:style>
+          <a:lnRef idx="2">
+            <a:schemeClr val="accent6"/>
+          </a:lnRef>
+          <a:fillRef idx="1">
+            <a:schemeClr val="lt1"/>
+          </a:fillRef>
+          <a:effectRef idx="0">
+            <a:schemeClr val="accent6"/>
+          </a:effectRef>
+          <a:fontRef idx="minor">
+            <a:schemeClr val="dk1"/>
+          </a:fontRef>
+        </p:style>
+        <p:txBody>
+          <a:bodyPr rtlCol="0" anchor="ctr"/>
+          <a:lstStyle/>
+          <a:p>
+            <a:pPr algn="ctr"/>
+            <a:r>
+              <a:rPr lang="en-US" smtClean="0"/>
+              <a:t>Giao hàng</a:t>
+            </a:r>
+            <a:endParaRPr lang="en-US"/>
+          </a:p>
+        </p:txBody>
+      </p:sp>
+      <p:cxnSp>
+        <p:nvCxnSpPr>
+          <p:cNvPr id="5" name="Straight Arrow Connector 4"/>
+          <p:cNvCxnSpPr>
+            <a:stCxn id="2" idx="0"/>
+            <a:endCxn id="3" idx="4"/>
+          </p:cNvCxnSpPr>
+          <p:nvPr/>
+        </p:nvCxnSpPr>
+        <p:spPr>
+          <a:xfrm flipV="1">
+            <a:off x="4410272" y="2602309"/>
+            <a:ext cx="0" cy="1395047"/>
+          </a:xfrm>
+          <a:prstGeom prst="straightConnector1">
+            <a:avLst/>
+          </a:prstGeom>
+          <a:ln>
+            <a:tailEnd type="triangle"/>
+          </a:ln>
+        </p:spPr>
+        <p:style>
+          <a:lnRef idx="1">
+            <a:schemeClr val="dk1"/>
+          </a:lnRef>
+          <a:fillRef idx="0">
+            <a:schemeClr val="dk1"/>
+          </a:fillRef>
+          <a:effectRef idx="0">
+            <a:schemeClr val="dk1"/>
+          </a:effectRef>
+          <a:fontRef idx="minor">
+            <a:schemeClr val="tx1"/>
+          </a:fontRef>
+        </p:style>
+      </p:cxnSp>
+      <p:sp>
+        <p:nvSpPr>
+          <p:cNvPr id="9" name="TextBox 8"/>
+          <p:cNvSpPr txBox="1"/>
+          <p:nvPr/>
+        </p:nvSpPr>
+        <p:spPr>
+          <a:xfrm rot="5400000">
+            <a:off x="3919834" y="3222541"/>
+            <a:ext cx="1371600" cy="307777"/>
+          </a:xfrm>
+          <a:prstGeom prst="rect">
+            <a:avLst/>
+          </a:prstGeom>
+          <a:noFill/>
+        </p:spPr>
+        <p:txBody>
+          <a:bodyPr wrap="square" rtlCol="0">
+            <a:spAutoFit/>
+          </a:bodyPr>
+          <a:lstStyle/>
+          <a:p>
+            <a:r>
+              <a:rPr lang="en-US" sz="1400" smtClean="0"/>
+              <a:t>Đơn đặt hàng</a:t>
+            </a:r>
+            <a:endParaRPr lang="en-US" sz="1400"/>
+          </a:p>
+        </p:txBody>
+      </p:sp>
+      <p:sp>
+        <p:nvSpPr>
+          <p:cNvPr id="16" name="TextBox 15"/>
+          <p:cNvSpPr txBox="1"/>
+          <p:nvPr/>
+        </p:nvSpPr>
+        <p:spPr>
+          <a:xfrm rot="5400000">
+            <a:off x="60325" y="3708223"/>
+            <a:ext cx="2000250" cy="307777"/>
+          </a:xfrm>
+          <a:prstGeom prst="rect">
+            <a:avLst/>
+          </a:prstGeom>
+          <a:noFill/>
+        </p:spPr>
+        <p:txBody>
+          <a:bodyPr wrap="square" rtlCol="0">
+            <a:spAutoFit/>
+          </a:bodyPr>
+          <a:lstStyle/>
+          <a:p>
+            <a:r>
+              <a:rPr lang="en-US" sz="1400" smtClean="0"/>
+              <a:t>Giao hàng + hóa đơn</a:t>
+            </a:r>
+            <a:endParaRPr lang="en-US" sz="1400"/>
+          </a:p>
+        </p:txBody>
+      </p:sp>
+      <p:cxnSp>
+        <p:nvCxnSpPr>
+          <p:cNvPr id="14" name="Elbow Connector 13"/>
+          <p:cNvCxnSpPr>
+            <a:stCxn id="2" idx="1"/>
+            <a:endCxn id="6" idx="5"/>
+          </p:cNvCxnSpPr>
+          <p:nvPr/>
+        </p:nvCxnSpPr>
+        <p:spPr>
+          <a:xfrm rot="10800000">
+            <a:off x="1820026" y="2574808"/>
+            <a:ext cx="1866346" cy="1727349"/>
+          </a:xfrm>
+          <a:prstGeom prst="bentConnector2">
+            <a:avLst/>
+          </a:prstGeom>
+          <a:ln>
+            <a:tailEnd type="triangle"/>
+          </a:ln>
+        </p:spPr>
+        <p:style>
+          <a:lnRef idx="1">
+            <a:schemeClr val="dk1"/>
+          </a:lnRef>
+          <a:fillRef idx="0">
+            <a:schemeClr val="dk1"/>
+          </a:fillRef>
+          <a:effectRef idx="0">
+            <a:schemeClr val="dk1"/>
+          </a:effectRef>
+          <a:fontRef idx="minor">
+            <a:schemeClr val="tx1"/>
+          </a:fontRef>
+        </p:style>
+      </p:cxnSp>
+      <p:cxnSp>
+        <p:nvCxnSpPr>
+          <p:cNvPr id="18" name="Straight Arrow Connector 17"/>
+          <p:cNvCxnSpPr>
+            <a:stCxn id="3" idx="2"/>
+            <a:endCxn id="6" idx="6"/>
+          </p:cNvCxnSpPr>
+          <p:nvPr/>
+        </p:nvCxnSpPr>
+        <p:spPr>
+          <a:xfrm flipH="1">
+            <a:off x="2043211" y="2278459"/>
+            <a:ext cx="1546225" cy="0"/>
+          </a:xfrm>
+          <a:prstGeom prst="straightConnector1">
+            <a:avLst/>
+          </a:prstGeom>
+          <a:ln>
+            <a:tailEnd type="triangle"/>
+          </a:ln>
+        </p:spPr>
+        <p:style>
+          <a:lnRef idx="1">
+            <a:schemeClr val="dk1"/>
+          </a:lnRef>
+          <a:fillRef idx="0">
+            <a:schemeClr val="dk1"/>
+          </a:fillRef>
+          <a:effectRef idx="0">
+            <a:schemeClr val="dk1"/>
+          </a:effectRef>
+          <a:fontRef idx="minor">
+            <a:schemeClr val="tx1"/>
+          </a:fontRef>
+        </p:style>
+      </p:cxnSp>
+      <p:sp>
+        <p:nvSpPr>
+          <p:cNvPr id="21" name="TextBox 20"/>
+          <p:cNvSpPr txBox="1"/>
+          <p:nvPr/>
+        </p:nvSpPr>
+        <p:spPr>
+          <a:xfrm>
+            <a:off x="2159941" y="1928122"/>
+            <a:ext cx="1371600" cy="307777"/>
+          </a:xfrm>
+          <a:prstGeom prst="rect">
+            <a:avLst/>
+          </a:prstGeom>
+          <a:noFill/>
+        </p:spPr>
+        <p:txBody>
+          <a:bodyPr wrap="square" rtlCol="0">
+            <a:spAutoFit/>
+          </a:bodyPr>
+          <a:lstStyle/>
+          <a:p>
+            <a:r>
+              <a:rPr lang="en-US" sz="1400" smtClean="0"/>
+              <a:t>Thành công</a:t>
+            </a:r>
+            <a:endParaRPr lang="en-US" sz="1400"/>
+          </a:p>
+        </p:txBody>
+      </p:sp>
+      <p:sp>
+        <p:nvSpPr>
+          <p:cNvPr id="19" name="TextBox 18"/>
+          <p:cNvSpPr txBox="1"/>
+          <p:nvPr/>
+        </p:nvSpPr>
+        <p:spPr>
+          <a:xfrm>
+            <a:off x="2286000" y="6096000"/>
+            <a:ext cx="3889572" cy="369332"/>
+          </a:xfrm>
+          <a:prstGeom prst="rect">
+            <a:avLst/>
+          </a:prstGeom>
+          <a:noFill/>
+        </p:spPr>
+        <p:txBody>
+          <a:bodyPr wrap="square" rtlCol="0">
+            <a:spAutoFit/>
+          </a:bodyPr>
+          <a:lstStyle/>
+          <a:p>
+            <a:r>
+              <a:rPr lang="en-US" smtClean="0"/>
+              <a:t>Sơ đồ luồng dữ liệu khách hàng</a:t>
+            </a:r>
+            <a:endParaRPr lang="en-US"/>
+          </a:p>
+        </p:txBody>
+      </p:sp>
+      <p:sp>
+        <p:nvSpPr>
+          <p:cNvPr id="58" name="TextBox 57"/>
+          <p:cNvSpPr txBox="1"/>
+          <p:nvPr/>
+        </p:nvSpPr>
+        <p:spPr>
+          <a:xfrm>
+            <a:off x="1864750" y="3409864"/>
+            <a:ext cx="1371600" cy="307777"/>
+          </a:xfrm>
+          <a:prstGeom prst="rect">
+            <a:avLst/>
+          </a:prstGeom>
+          <a:noFill/>
+        </p:spPr>
+        <p:txBody>
+          <a:bodyPr wrap="square" rtlCol="0">
+            <a:spAutoFit/>
+          </a:bodyPr>
+          <a:lstStyle/>
+          <a:p>
+            <a:r>
+              <a:rPr lang="en-US" sz="1400" smtClean="0"/>
+              <a:t>Thanh toán</a:t>
+            </a:r>
+            <a:endParaRPr lang="en-US" sz="1400"/>
+          </a:p>
+        </p:txBody>
+      </p:sp>
+      <p:sp>
+        <p:nvSpPr>
+          <p:cNvPr id="59" name="Rectangle 58"/>
+          <p:cNvSpPr/>
+          <p:nvPr/>
+        </p:nvSpPr>
+        <p:spPr>
+          <a:xfrm>
+            <a:off x="6777333" y="2166785"/>
+            <a:ext cx="1447800" cy="609600"/>
+          </a:xfrm>
+          <a:prstGeom prst="rect">
+            <a:avLst/>
+          </a:prstGeom>
+        </p:spPr>
+        <p:style>
+          <a:lnRef idx="2">
+            <a:schemeClr val="accent6"/>
+          </a:lnRef>
+          <a:fillRef idx="1">
+            <a:schemeClr val="lt1"/>
+          </a:fillRef>
+          <a:effectRef idx="0">
+            <a:schemeClr val="accent6"/>
+          </a:effectRef>
+          <a:fontRef idx="minor">
+            <a:schemeClr val="dk1"/>
+          </a:fontRef>
+        </p:style>
+        <p:txBody>
+          <a:bodyPr rtlCol="0" anchor="ctr"/>
+          <a:lstStyle/>
+          <a:p>
+            <a:pPr algn="ctr"/>
+            <a:r>
+              <a:rPr lang="en-US" smtClean="0"/>
+              <a:t>Sổ địa chỉ</a:t>
+            </a:r>
+            <a:endParaRPr lang="en-US"/>
+          </a:p>
+        </p:txBody>
+      </p:sp>
+      <p:sp>
+        <p:nvSpPr>
+          <p:cNvPr id="60" name="Rectangle 59"/>
+          <p:cNvSpPr/>
+          <p:nvPr/>
+        </p:nvSpPr>
+        <p:spPr>
+          <a:xfrm>
+            <a:off x="6934200" y="5486400"/>
+            <a:ext cx="1447800" cy="609600"/>
+          </a:xfrm>
+          <a:prstGeom prst="rect">
+            <a:avLst/>
+          </a:prstGeom>
+        </p:spPr>
+        <p:style>
+          <a:lnRef idx="2">
+            <a:schemeClr val="accent6"/>
+          </a:lnRef>
+          <a:fillRef idx="1">
+            <a:schemeClr val="lt1"/>
+          </a:fillRef>
+          <a:effectRef idx="0">
+            <a:schemeClr val="accent6"/>
+          </a:effectRef>
+          <a:fontRef idx="minor">
+            <a:schemeClr val="dk1"/>
+          </a:fontRef>
+        </p:style>
+        <p:txBody>
+          <a:bodyPr rtlCol="0" anchor="ctr"/>
+          <a:lstStyle/>
+          <a:p>
+            <a:pPr algn="ctr"/>
+            <a:r>
+              <a:rPr lang="en-US" smtClean="0"/>
+              <a:t>Trang cá nhân</a:t>
+            </a:r>
+            <a:endParaRPr lang="en-US"/>
+          </a:p>
+        </p:txBody>
+      </p:sp>
+      <p:cxnSp>
+        <p:nvCxnSpPr>
+          <p:cNvPr id="57" name="Straight Arrow Connector 56"/>
+          <p:cNvCxnSpPr>
+            <a:endCxn id="59" idx="1"/>
+          </p:cNvCxnSpPr>
+          <p:nvPr/>
+        </p:nvCxnSpPr>
+        <p:spPr>
+          <a:xfrm flipV="1">
+            <a:off x="5134172" y="2471585"/>
+            <a:ext cx="1643161" cy="1590645"/>
+          </a:xfrm>
+          <a:prstGeom prst="straightConnector1">
+            <a:avLst/>
+          </a:prstGeom>
+          <a:ln>
+            <a:tailEnd type="triangle"/>
+          </a:ln>
+        </p:spPr>
+        <p:style>
+          <a:lnRef idx="1">
+            <a:schemeClr val="dk1"/>
+          </a:lnRef>
+          <a:fillRef idx="0">
+            <a:schemeClr val="dk1"/>
+          </a:fillRef>
+          <a:effectRef idx="0">
+            <a:schemeClr val="dk1"/>
+          </a:effectRef>
+          <a:fontRef idx="minor">
+            <a:schemeClr val="tx1"/>
+          </a:fontRef>
+        </p:style>
+      </p:cxnSp>
+      <p:sp>
+        <p:nvSpPr>
+          <p:cNvPr id="63" name="TextBox 62"/>
+          <p:cNvSpPr txBox="1"/>
+          <p:nvPr/>
+        </p:nvSpPr>
+        <p:spPr>
+          <a:xfrm rot="18751964">
+            <a:off x="5129704" y="3098833"/>
+            <a:ext cx="1371600" cy="307777"/>
+          </a:xfrm>
+          <a:prstGeom prst="rect">
+            <a:avLst/>
+          </a:prstGeom>
+          <a:noFill/>
+        </p:spPr>
+        <p:txBody>
+          <a:bodyPr wrap="square" rtlCol="0">
+            <a:spAutoFit/>
+          </a:bodyPr>
+          <a:lstStyle/>
+          <a:p>
+            <a:r>
+              <a:rPr lang="en-US" sz="1400" smtClean="0"/>
+              <a:t>Thêm địa chỉ</a:t>
+            </a:r>
+            <a:endParaRPr lang="en-US" sz="1400"/>
+          </a:p>
+        </p:txBody>
+      </p:sp>
+      <p:cxnSp>
+        <p:nvCxnSpPr>
+          <p:cNvPr id="62" name="Straight Arrow Connector 61"/>
+          <p:cNvCxnSpPr>
+            <a:endCxn id="60" idx="1"/>
+          </p:cNvCxnSpPr>
+          <p:nvPr/>
+        </p:nvCxnSpPr>
+        <p:spPr>
+          <a:xfrm>
+            <a:off x="5134172" y="4464368"/>
+            <a:ext cx="1800028" cy="1326832"/>
+          </a:xfrm>
+          <a:prstGeom prst="straightConnector1">
+            <a:avLst/>
+          </a:prstGeom>
+          <a:ln>
+            <a:tailEnd type="triangle"/>
+          </a:ln>
+        </p:spPr>
+        <p:style>
+          <a:lnRef idx="1">
+            <a:schemeClr val="dk1"/>
+          </a:lnRef>
+          <a:fillRef idx="0">
+            <a:schemeClr val="dk1"/>
+          </a:fillRef>
+          <a:effectRef idx="0">
+            <a:schemeClr val="dk1"/>
+          </a:effectRef>
+          <a:fontRef idx="minor">
+            <a:schemeClr val="tx1"/>
+          </a:fontRef>
+        </p:style>
+      </p:cxnSp>
+      <p:sp>
+        <p:nvSpPr>
+          <p:cNvPr id="66" name="TextBox 65"/>
+          <p:cNvSpPr txBox="1"/>
+          <p:nvPr/>
+        </p:nvSpPr>
+        <p:spPr>
+          <a:xfrm rot="2413746">
+            <a:off x="5590819" y="4870890"/>
+            <a:ext cx="1371600" cy="307777"/>
+          </a:xfrm>
+          <a:prstGeom prst="rect">
+            <a:avLst/>
+          </a:prstGeom>
+          <a:noFill/>
+        </p:spPr>
+        <p:txBody>
+          <a:bodyPr wrap="square" rtlCol="0">
+            <a:spAutoFit/>
+          </a:bodyPr>
+          <a:lstStyle/>
+          <a:p>
+            <a:r>
+              <a:rPr lang="en-US" sz="1400" smtClean="0"/>
+              <a:t>Cập nhật</a:t>
+            </a:r>
+            <a:endParaRPr lang="en-US" sz="1400"/>
+          </a:p>
+        </p:txBody>
+      </p:sp>
+      <p:cxnSp>
+        <p:nvCxnSpPr>
+          <p:cNvPr id="25604" name="Elbow Connector 25603"/>
+          <p:cNvCxnSpPr>
+            <a:stCxn id="6" idx="4"/>
+            <a:endCxn id="2" idx="2"/>
+          </p:cNvCxnSpPr>
+          <p:nvPr/>
+        </p:nvCxnSpPr>
+        <p:spPr>
+          <a:xfrm rot="16200000" flipH="1">
+            <a:off x="1891043" y="2087726"/>
+            <a:ext cx="1909397" cy="3129061"/>
+          </a:xfrm>
+          <a:prstGeom prst="bentConnector3">
+            <a:avLst>
+              <a:gd name="adj1" fmla="val 111972"/>
+            </a:avLst>
+          </a:prstGeom>
+          <a:ln>
+            <a:tailEnd type="triangle"/>
+          </a:ln>
+        </p:spPr>
+        <p:style>
+          <a:lnRef idx="1">
+            <a:schemeClr val="dk1"/>
+          </a:lnRef>
+          <a:fillRef idx="0">
+            <a:schemeClr val="dk1"/>
+          </a:fillRef>
+          <a:effectRef idx="0">
+            <a:schemeClr val="dk1"/>
+          </a:effectRef>
+          <a:fontRef idx="minor">
+            <a:schemeClr val="tx1"/>
+          </a:fontRef>
+        </p:style>
+      </p:cxnSp>
+      <p:cxnSp>
+        <p:nvCxnSpPr>
+          <p:cNvPr id="25607" name="Elbow Connector 25606"/>
+          <p:cNvCxnSpPr>
+            <a:stCxn id="2" idx="3"/>
+            <a:endCxn id="59" idx="2"/>
+          </p:cNvCxnSpPr>
+          <p:nvPr/>
+        </p:nvCxnSpPr>
+        <p:spPr>
+          <a:xfrm flipV="1">
+            <a:off x="5134172" y="2776385"/>
+            <a:ext cx="2367061" cy="1525771"/>
+          </a:xfrm>
+          <a:prstGeom prst="bentConnector2">
+            <a:avLst/>
+          </a:prstGeom>
+          <a:ln>
+            <a:tailEnd type="triangle"/>
+          </a:ln>
+        </p:spPr>
+        <p:style>
+          <a:lnRef idx="1">
+            <a:schemeClr val="dk1"/>
+          </a:lnRef>
+          <a:fillRef idx="0">
+            <a:schemeClr val="dk1"/>
+          </a:fillRef>
+          <a:effectRef idx="0">
+            <a:schemeClr val="dk1"/>
+          </a:effectRef>
+          <a:fontRef idx="minor">
+            <a:schemeClr val="tx1"/>
+          </a:fontRef>
+        </p:style>
+      </p:cxnSp>
+      <p:sp>
+        <p:nvSpPr>
+          <p:cNvPr id="74" name="TextBox 73"/>
+          <p:cNvSpPr txBox="1"/>
+          <p:nvPr/>
+        </p:nvSpPr>
+        <p:spPr>
+          <a:xfrm>
+            <a:off x="5955008" y="4020878"/>
+            <a:ext cx="1371600" cy="307777"/>
+          </a:xfrm>
+          <a:prstGeom prst="rect">
+            <a:avLst/>
+          </a:prstGeom>
+          <a:noFill/>
+        </p:spPr>
+        <p:txBody>
+          <a:bodyPr wrap="square" rtlCol="0">
+            <a:spAutoFit/>
+          </a:bodyPr>
+          <a:lstStyle/>
+          <a:p>
+            <a:r>
+              <a:rPr lang="en-US" sz="1400" smtClean="0"/>
+              <a:t>Cập nhật</a:t>
+            </a:r>
+            <a:endParaRPr lang="en-US" sz="1400"/>
           </a:p>
         </p:txBody>
       </p:sp>
@@ -10176,6 +10889,2003 @@
 </file>
 
 <file path=ppt/slides/slide18.xml><?xml version="1.0" encoding="utf-8"?>
+<p:sld xmlns:a="http://schemas.openxmlformats.org/drawingml/2006/main" xmlns:r="http://schemas.openxmlformats.org/officeDocument/2006/relationships" xmlns:p="http://schemas.openxmlformats.org/presentationml/2006/main">
+  <p:cSld>
+    <p:spTree>
+      <p:nvGrpSpPr>
+        <p:cNvPr id="1" name=""/>
+        <p:cNvGrpSpPr/>
+        <p:nvPr/>
+      </p:nvGrpSpPr>
+      <p:grpSpPr>
+        <a:xfrm>
+          <a:off x="0" y="0"/>
+          <a:ext cx="0" cy="0"/>
+          <a:chOff x="0" y="0"/>
+          <a:chExt cx="0" cy="0"/>
+        </a:xfrm>
+      </p:grpSpPr>
+      <p:sp>
+        <p:nvSpPr>
+          <p:cNvPr id="25602" name="Rectangle 2">
+            <a:extLst>
+              <a:ext uri="{FF2B5EF4-FFF2-40B4-BE49-F238E27FC236}">
+                <a16:creationId xmlns:a16="http://schemas.microsoft.com/office/drawing/2014/main" id="{D09A8D8C-80F7-440C-BEF1-9EFA4CBAAA33}"/>
+              </a:ext>
+            </a:extLst>
+          </p:cNvPr>
+          <p:cNvSpPr>
+            <a:spLocks noGrp="1" noChangeArrowheads="1"/>
+          </p:cNvSpPr>
+          <p:nvPr>
+            <p:ph type="title"/>
+          </p:nvPr>
+        </p:nvSpPr>
+        <p:spPr/>
+        <p:txBody>
+          <a:bodyPr/>
+          <a:lstStyle/>
+          <a:p>
+            <a:r>
+              <a:rPr lang="en-US" altLang="en-US" smtClean="0"/>
+              <a:t>B. </a:t>
+            </a:r>
+            <a:r>
+              <a:rPr lang="en-US" altLang="en-US" err="1" smtClean="0"/>
+              <a:t>Nội</a:t>
+            </a:r>
+            <a:r>
+              <a:rPr lang="en-US" altLang="en-US" smtClean="0"/>
+              <a:t> dung chính</a:t>
+            </a:r>
+            <a:endParaRPr lang="en-US" altLang="en-US"/>
+          </a:p>
+        </p:txBody>
+      </p:sp>
+      <p:sp>
+        <p:nvSpPr>
+          <p:cNvPr id="25603" name="Rectangle 3">
+            <a:extLst>
+              <a:ext uri="{FF2B5EF4-FFF2-40B4-BE49-F238E27FC236}">
+                <a16:creationId xmlns:a16="http://schemas.microsoft.com/office/drawing/2014/main" id="{2EE127BF-401A-4C36-A14A-872ADB44AB18}"/>
+              </a:ext>
+            </a:extLst>
+          </p:cNvPr>
+          <p:cNvSpPr>
+            <a:spLocks noGrp="1" noChangeArrowheads="1"/>
+          </p:cNvSpPr>
+          <p:nvPr>
+            <p:ph type="body" idx="1"/>
+          </p:nvPr>
+        </p:nvSpPr>
+        <p:spPr>
+          <a:xfrm>
+            <a:off x="762000" y="1600200"/>
+            <a:ext cx="8077200" cy="652462"/>
+          </a:xfrm>
+        </p:spPr>
+        <p:txBody>
+          <a:bodyPr/>
+          <a:lstStyle/>
+          <a:p>
+            <a:pPr marL="0" indent="0">
+              <a:buNone/>
+            </a:pPr>
+            <a:r>
+              <a:rPr lang="en-US" altLang="en-US"/>
+              <a:t>5</a:t>
+            </a:r>
+            <a:r>
+              <a:rPr lang="en-US" altLang="en-US" smtClean="0"/>
+              <a:t>. </a:t>
+            </a:r>
+            <a:r>
+              <a:rPr lang="en-US" altLang="en-US" smtClean="0"/>
+              <a:t>Sơ đồ luồng dữ liệu</a:t>
+            </a:r>
+            <a:endParaRPr lang="en-US" altLang="en-US" smtClean="0"/>
+          </a:p>
+        </p:txBody>
+      </p:sp>
+      <p:sp>
+        <p:nvSpPr>
+          <p:cNvPr id="2" name="Rectangle 1"/>
+          <p:cNvSpPr/>
+          <p:nvPr/>
+        </p:nvSpPr>
+        <p:spPr>
+          <a:xfrm>
+            <a:off x="3628852" y="3998912"/>
+            <a:ext cx="1447800" cy="609600"/>
+          </a:xfrm>
+          <a:prstGeom prst="rect">
+            <a:avLst/>
+          </a:prstGeom>
+        </p:spPr>
+        <p:style>
+          <a:lnRef idx="2">
+            <a:schemeClr val="accent6"/>
+          </a:lnRef>
+          <a:fillRef idx="1">
+            <a:schemeClr val="lt1"/>
+          </a:fillRef>
+          <a:effectRef idx="0">
+            <a:schemeClr val="accent6"/>
+          </a:effectRef>
+          <a:fontRef idx="minor">
+            <a:schemeClr val="dk1"/>
+          </a:fontRef>
+        </p:style>
+        <p:txBody>
+          <a:bodyPr rtlCol="0" anchor="ctr"/>
+          <a:lstStyle/>
+          <a:p>
+            <a:pPr algn="ctr"/>
+            <a:r>
+              <a:rPr lang="en-US" smtClean="0"/>
+              <a:t>Gian hàng</a:t>
+            </a:r>
+            <a:endParaRPr lang="en-US"/>
+          </a:p>
+        </p:txBody>
+      </p:sp>
+      <p:cxnSp>
+        <p:nvCxnSpPr>
+          <p:cNvPr id="11" name="Elbow Connector 10"/>
+          <p:cNvCxnSpPr>
+            <a:stCxn id="2" idx="0"/>
+            <a:endCxn id="20" idx="0"/>
+          </p:cNvCxnSpPr>
+          <p:nvPr/>
+        </p:nvCxnSpPr>
+        <p:spPr>
+          <a:xfrm rot="5400000" flipH="1" flipV="1">
+            <a:off x="5258905" y="1409217"/>
+            <a:ext cx="1683543" cy="3495848"/>
+          </a:xfrm>
+          <a:prstGeom prst="bentConnector3">
+            <a:avLst>
+              <a:gd name="adj1" fmla="val 113579"/>
+            </a:avLst>
+          </a:prstGeom>
+          <a:ln>
+            <a:tailEnd type="triangle"/>
+          </a:ln>
+        </p:spPr>
+        <p:style>
+          <a:lnRef idx="1">
+            <a:schemeClr val="dk1"/>
+          </a:lnRef>
+          <a:fillRef idx="0">
+            <a:schemeClr val="dk1"/>
+          </a:fillRef>
+          <a:effectRef idx="0">
+            <a:schemeClr val="dk1"/>
+          </a:effectRef>
+          <a:fontRef idx="minor">
+            <a:schemeClr val="tx1"/>
+          </a:fontRef>
+        </p:style>
+      </p:cxnSp>
+      <p:sp>
+        <p:nvSpPr>
+          <p:cNvPr id="15" name="TextBox 14"/>
+          <p:cNvSpPr txBox="1"/>
+          <p:nvPr/>
+        </p:nvSpPr>
+        <p:spPr>
+          <a:xfrm>
+            <a:off x="4390662" y="2329983"/>
+            <a:ext cx="1466845" cy="307777"/>
+          </a:xfrm>
+          <a:prstGeom prst="rect">
+            <a:avLst/>
+          </a:prstGeom>
+          <a:noFill/>
+        </p:spPr>
+        <p:txBody>
+          <a:bodyPr wrap="square" rtlCol="0">
+            <a:spAutoFit/>
+          </a:bodyPr>
+          <a:lstStyle/>
+          <a:p>
+            <a:r>
+              <a:rPr lang="en-US" sz="1400" smtClean="0"/>
+              <a:t>Cài đặt giá</a:t>
+            </a:r>
+            <a:endParaRPr lang="en-US" sz="1400"/>
+          </a:p>
+        </p:txBody>
+      </p:sp>
+      <p:sp>
+        <p:nvSpPr>
+          <p:cNvPr id="16" name="TextBox 15"/>
+          <p:cNvSpPr txBox="1"/>
+          <p:nvPr/>
+        </p:nvSpPr>
+        <p:spPr>
+          <a:xfrm rot="2477283">
+            <a:off x="2254076" y="3468010"/>
+            <a:ext cx="2000250" cy="307777"/>
+          </a:xfrm>
+          <a:prstGeom prst="rect">
+            <a:avLst/>
+          </a:prstGeom>
+          <a:noFill/>
+        </p:spPr>
+        <p:txBody>
+          <a:bodyPr wrap="square" rtlCol="0">
+            <a:spAutoFit/>
+          </a:bodyPr>
+          <a:lstStyle/>
+          <a:p>
+            <a:r>
+              <a:rPr lang="en-US" sz="1400" smtClean="0"/>
+              <a:t>Cập nhật</a:t>
+            </a:r>
+            <a:endParaRPr lang="en-US" sz="1400"/>
+          </a:p>
+        </p:txBody>
+      </p:sp>
+      <p:cxnSp>
+        <p:nvCxnSpPr>
+          <p:cNvPr id="18" name="Straight Arrow Connector 17"/>
+          <p:cNvCxnSpPr>
+            <a:stCxn id="2" idx="3"/>
+            <a:endCxn id="20" idx="1"/>
+          </p:cNvCxnSpPr>
+          <p:nvPr/>
+        </p:nvCxnSpPr>
+        <p:spPr>
+          <a:xfrm flipV="1">
+            <a:off x="5076652" y="2620169"/>
+            <a:ext cx="2048048" cy="1683543"/>
+          </a:xfrm>
+          <a:prstGeom prst="straightConnector1">
+            <a:avLst/>
+          </a:prstGeom>
+          <a:ln>
+            <a:tailEnd type="triangle"/>
+          </a:ln>
+        </p:spPr>
+        <p:style>
+          <a:lnRef idx="1">
+            <a:schemeClr val="dk1"/>
+          </a:lnRef>
+          <a:fillRef idx="0">
+            <a:schemeClr val="dk1"/>
+          </a:fillRef>
+          <a:effectRef idx="0">
+            <a:schemeClr val="dk1"/>
+          </a:effectRef>
+          <a:fontRef idx="minor">
+            <a:schemeClr val="tx1"/>
+          </a:fontRef>
+        </p:style>
+      </p:cxnSp>
+      <p:sp>
+        <p:nvSpPr>
+          <p:cNvPr id="21" name="TextBox 20"/>
+          <p:cNvSpPr txBox="1"/>
+          <p:nvPr/>
+        </p:nvSpPr>
+        <p:spPr>
+          <a:xfrm rot="19179061">
+            <a:off x="5467866" y="3420651"/>
+            <a:ext cx="1688066" cy="307777"/>
+          </a:xfrm>
+          <a:prstGeom prst="rect">
+            <a:avLst/>
+          </a:prstGeom>
+          <a:noFill/>
+        </p:spPr>
+        <p:txBody>
+          <a:bodyPr wrap="square" rtlCol="0">
+            <a:spAutoFit/>
+          </a:bodyPr>
+          <a:lstStyle/>
+          <a:p>
+            <a:r>
+              <a:rPr lang="en-US" sz="1400" smtClean="0"/>
+              <a:t>Thêm sản phẩm</a:t>
+            </a:r>
+            <a:endParaRPr lang="en-US" sz="1400"/>
+          </a:p>
+        </p:txBody>
+      </p:sp>
+      <p:sp>
+        <p:nvSpPr>
+          <p:cNvPr id="19" name="TextBox 18"/>
+          <p:cNvSpPr txBox="1"/>
+          <p:nvPr/>
+        </p:nvSpPr>
+        <p:spPr>
+          <a:xfrm>
+            <a:off x="2197100" y="5813427"/>
+            <a:ext cx="3365500" cy="369332"/>
+          </a:xfrm>
+          <a:prstGeom prst="rect">
+            <a:avLst/>
+          </a:prstGeom>
+          <a:noFill/>
+        </p:spPr>
+        <p:txBody>
+          <a:bodyPr wrap="square" rtlCol="0">
+            <a:spAutoFit/>
+          </a:bodyPr>
+          <a:lstStyle/>
+          <a:p>
+            <a:r>
+              <a:rPr lang="en-US" smtClean="0"/>
+              <a:t>Sơ đồ luồng dữ liệu gian hàng</a:t>
+            </a:r>
+            <a:endParaRPr lang="en-US"/>
+          </a:p>
+        </p:txBody>
+      </p:sp>
+      <p:sp>
+        <p:nvSpPr>
+          <p:cNvPr id="20" name="Rectangle 19"/>
+          <p:cNvSpPr/>
+          <p:nvPr/>
+        </p:nvSpPr>
+        <p:spPr>
+          <a:xfrm>
+            <a:off x="7124700" y="2315369"/>
+            <a:ext cx="1447800" cy="609600"/>
+          </a:xfrm>
+          <a:prstGeom prst="rect">
+            <a:avLst/>
+          </a:prstGeom>
+        </p:spPr>
+        <p:style>
+          <a:lnRef idx="2">
+            <a:schemeClr val="accent6"/>
+          </a:lnRef>
+          <a:fillRef idx="1">
+            <a:schemeClr val="lt1"/>
+          </a:fillRef>
+          <a:effectRef idx="0">
+            <a:schemeClr val="accent6"/>
+          </a:effectRef>
+          <a:fontRef idx="minor">
+            <a:schemeClr val="dk1"/>
+          </a:fontRef>
+        </p:style>
+        <p:txBody>
+          <a:bodyPr rtlCol="0" anchor="ctr"/>
+          <a:lstStyle/>
+          <a:p>
+            <a:pPr algn="ctr"/>
+            <a:r>
+              <a:rPr lang="en-US"/>
+              <a:t>S</a:t>
+            </a:r>
+            <a:r>
+              <a:rPr lang="en-US" smtClean="0"/>
+              <a:t>ản phẩm</a:t>
+            </a:r>
+            <a:endParaRPr lang="en-US"/>
+          </a:p>
+        </p:txBody>
+      </p:sp>
+      <p:cxnSp>
+        <p:nvCxnSpPr>
+          <p:cNvPr id="17" name="Elbow Connector 16"/>
+          <p:cNvCxnSpPr>
+            <a:stCxn id="2" idx="2"/>
+            <a:endCxn id="20" idx="2"/>
+          </p:cNvCxnSpPr>
+          <p:nvPr/>
+        </p:nvCxnSpPr>
+        <p:spPr>
+          <a:xfrm rot="5400000" flipH="1" flipV="1">
+            <a:off x="5258904" y="2018817"/>
+            <a:ext cx="1683543" cy="3495848"/>
+          </a:xfrm>
+          <a:prstGeom prst="bentConnector3">
+            <a:avLst>
+              <a:gd name="adj1" fmla="val -13579"/>
+            </a:avLst>
+          </a:prstGeom>
+          <a:ln>
+            <a:tailEnd type="triangle"/>
+          </a:ln>
+        </p:spPr>
+        <p:style>
+          <a:lnRef idx="1">
+            <a:schemeClr val="dk1"/>
+          </a:lnRef>
+          <a:fillRef idx="0">
+            <a:schemeClr val="dk1"/>
+          </a:fillRef>
+          <a:effectRef idx="0">
+            <a:schemeClr val="dk1"/>
+          </a:effectRef>
+          <a:fontRef idx="minor">
+            <a:schemeClr val="tx1"/>
+          </a:fontRef>
+        </p:style>
+      </p:cxnSp>
+      <p:sp>
+        <p:nvSpPr>
+          <p:cNvPr id="25" name="TextBox 24"/>
+          <p:cNvSpPr txBox="1"/>
+          <p:nvPr/>
+        </p:nvSpPr>
+        <p:spPr>
+          <a:xfrm>
+            <a:off x="5193107" y="4469803"/>
+            <a:ext cx="1994695" cy="307777"/>
+          </a:xfrm>
+          <a:prstGeom prst="rect">
+            <a:avLst/>
+          </a:prstGeom>
+          <a:noFill/>
+        </p:spPr>
+        <p:txBody>
+          <a:bodyPr wrap="square" rtlCol="0">
+            <a:spAutoFit/>
+          </a:bodyPr>
+          <a:lstStyle/>
+          <a:p>
+            <a:r>
+              <a:rPr lang="en-US" sz="1400" smtClean="0"/>
+              <a:t>Cập nhật sản phẩm</a:t>
+            </a:r>
+            <a:endParaRPr lang="en-US" sz="1400"/>
+          </a:p>
+        </p:txBody>
+      </p:sp>
+      <p:sp>
+        <p:nvSpPr>
+          <p:cNvPr id="26" name="Rectangle 25"/>
+          <p:cNvSpPr/>
+          <p:nvPr/>
+        </p:nvSpPr>
+        <p:spPr>
+          <a:xfrm>
+            <a:off x="441522" y="2562011"/>
+            <a:ext cx="1447800" cy="609600"/>
+          </a:xfrm>
+          <a:prstGeom prst="rect">
+            <a:avLst/>
+          </a:prstGeom>
+        </p:spPr>
+        <p:style>
+          <a:lnRef idx="2">
+            <a:schemeClr val="accent6"/>
+          </a:lnRef>
+          <a:fillRef idx="1">
+            <a:schemeClr val="lt1"/>
+          </a:fillRef>
+          <a:effectRef idx="0">
+            <a:schemeClr val="accent6"/>
+          </a:effectRef>
+          <a:fontRef idx="minor">
+            <a:schemeClr val="dk1"/>
+          </a:fontRef>
+        </p:style>
+        <p:txBody>
+          <a:bodyPr rtlCol="0" anchor="ctr"/>
+          <a:lstStyle/>
+          <a:p>
+            <a:pPr algn="ctr"/>
+            <a:r>
+              <a:rPr lang="en-US" smtClean="0"/>
+              <a:t>Trang cá nhân</a:t>
+            </a:r>
+            <a:endParaRPr lang="en-US"/>
+          </a:p>
+        </p:txBody>
+      </p:sp>
+      <p:cxnSp>
+        <p:nvCxnSpPr>
+          <p:cNvPr id="28" name="Straight Arrow Connector 27"/>
+          <p:cNvCxnSpPr>
+            <a:stCxn id="2" idx="1"/>
+            <a:endCxn id="26" idx="3"/>
+          </p:cNvCxnSpPr>
+          <p:nvPr/>
+        </p:nvCxnSpPr>
+        <p:spPr>
+          <a:xfrm flipH="1" flipV="1">
+            <a:off x="1889322" y="2866811"/>
+            <a:ext cx="1739530" cy="1436901"/>
+          </a:xfrm>
+          <a:prstGeom prst="straightConnector1">
+            <a:avLst/>
+          </a:prstGeom>
+          <a:ln>
+            <a:tailEnd type="triangle"/>
+          </a:ln>
+        </p:spPr>
+        <p:style>
+          <a:lnRef idx="1">
+            <a:schemeClr val="dk1"/>
+          </a:lnRef>
+          <a:fillRef idx="0">
+            <a:schemeClr val="dk1"/>
+          </a:fillRef>
+          <a:effectRef idx="0">
+            <a:schemeClr val="dk1"/>
+          </a:effectRef>
+          <a:fontRef idx="minor">
+            <a:schemeClr val="tx1"/>
+          </a:fontRef>
+        </p:style>
+      </p:cxnSp>
+    </p:spTree>
+    <p:extLst>
+      <p:ext uri="{BB962C8B-B14F-4D97-AF65-F5344CB8AC3E}">
+        <p14:creationId xmlns:p14="http://schemas.microsoft.com/office/powerpoint/2010/main" val="2227574195"/>
+      </p:ext>
+    </p:extLst>
+  </p:cSld>
+  <p:clrMapOvr>
+    <a:masterClrMapping/>
+  </p:clrMapOvr>
+  <p:timing>
+    <p:tnLst>
+      <p:par>
+        <p:cTn id="1" dur="indefinite" restart="never" nodeType="tmRoot"/>
+      </p:par>
+    </p:tnLst>
+  </p:timing>
+</p:sld>
+</file>
+
+<file path=ppt/slides/slide19.xml><?xml version="1.0" encoding="utf-8"?>
+<p:sld xmlns:a="http://schemas.openxmlformats.org/drawingml/2006/main" xmlns:r="http://schemas.openxmlformats.org/officeDocument/2006/relationships" xmlns:p="http://schemas.openxmlformats.org/presentationml/2006/main">
+  <p:cSld>
+    <p:spTree>
+      <p:nvGrpSpPr>
+        <p:cNvPr id="1" name=""/>
+        <p:cNvGrpSpPr/>
+        <p:nvPr/>
+      </p:nvGrpSpPr>
+      <p:grpSpPr>
+        <a:xfrm>
+          <a:off x="0" y="0"/>
+          <a:ext cx="0" cy="0"/>
+          <a:chOff x="0" y="0"/>
+          <a:chExt cx="0" cy="0"/>
+        </a:xfrm>
+      </p:grpSpPr>
+      <p:sp>
+        <p:nvSpPr>
+          <p:cNvPr id="25602" name="Rectangle 2">
+            <a:extLst>
+              <a:ext uri="{FF2B5EF4-FFF2-40B4-BE49-F238E27FC236}">
+                <a16:creationId xmlns:a16="http://schemas.microsoft.com/office/drawing/2014/main" id="{D09A8D8C-80F7-440C-BEF1-9EFA4CBAAA33}"/>
+              </a:ext>
+            </a:extLst>
+          </p:cNvPr>
+          <p:cNvSpPr>
+            <a:spLocks noGrp="1" noChangeArrowheads="1"/>
+          </p:cNvSpPr>
+          <p:nvPr>
+            <p:ph type="title"/>
+          </p:nvPr>
+        </p:nvSpPr>
+        <p:spPr/>
+        <p:txBody>
+          <a:bodyPr/>
+          <a:lstStyle/>
+          <a:p>
+            <a:r>
+              <a:rPr lang="en-US" altLang="en-US" smtClean="0"/>
+              <a:t>B. </a:t>
+            </a:r>
+            <a:r>
+              <a:rPr lang="en-US" altLang="en-US" err="1" smtClean="0"/>
+              <a:t>Nội</a:t>
+            </a:r>
+            <a:r>
+              <a:rPr lang="en-US" altLang="en-US" smtClean="0"/>
+              <a:t> dung chính</a:t>
+            </a:r>
+            <a:endParaRPr lang="en-US" altLang="en-US"/>
+          </a:p>
+        </p:txBody>
+      </p:sp>
+      <p:sp>
+        <p:nvSpPr>
+          <p:cNvPr id="25603" name="Rectangle 3">
+            <a:extLst>
+              <a:ext uri="{FF2B5EF4-FFF2-40B4-BE49-F238E27FC236}">
+                <a16:creationId xmlns:a16="http://schemas.microsoft.com/office/drawing/2014/main" id="{2EE127BF-401A-4C36-A14A-872ADB44AB18}"/>
+              </a:ext>
+            </a:extLst>
+          </p:cNvPr>
+          <p:cNvSpPr>
+            <a:spLocks noGrp="1" noChangeArrowheads="1"/>
+          </p:cNvSpPr>
+          <p:nvPr>
+            <p:ph type="body" idx="1"/>
+          </p:nvPr>
+        </p:nvSpPr>
+        <p:spPr>
+          <a:xfrm>
+            <a:off x="762000" y="1600200"/>
+            <a:ext cx="8077200" cy="652462"/>
+          </a:xfrm>
+        </p:spPr>
+        <p:txBody>
+          <a:bodyPr/>
+          <a:lstStyle/>
+          <a:p>
+            <a:pPr marL="0" indent="0">
+              <a:buNone/>
+            </a:pPr>
+            <a:r>
+              <a:rPr lang="en-US" altLang="en-US"/>
+              <a:t>5</a:t>
+            </a:r>
+            <a:r>
+              <a:rPr lang="en-US" altLang="en-US" smtClean="0"/>
+              <a:t>. </a:t>
+            </a:r>
+            <a:r>
+              <a:rPr lang="en-US" altLang="en-US" smtClean="0"/>
+              <a:t>Sơ đồ luồng dữ liệu</a:t>
+            </a:r>
+            <a:endParaRPr lang="en-US" altLang="en-US" smtClean="0"/>
+          </a:p>
+        </p:txBody>
+      </p:sp>
+      <p:sp>
+        <p:nvSpPr>
+          <p:cNvPr id="2" name="Rectangle 1"/>
+          <p:cNvSpPr/>
+          <p:nvPr/>
+        </p:nvSpPr>
+        <p:spPr>
+          <a:xfrm>
+            <a:off x="3628852" y="3998912"/>
+            <a:ext cx="1447800" cy="609600"/>
+          </a:xfrm>
+          <a:prstGeom prst="rect">
+            <a:avLst/>
+          </a:prstGeom>
+        </p:spPr>
+        <p:style>
+          <a:lnRef idx="2">
+            <a:schemeClr val="accent6"/>
+          </a:lnRef>
+          <a:fillRef idx="1">
+            <a:schemeClr val="lt1"/>
+          </a:fillRef>
+          <a:effectRef idx="0">
+            <a:schemeClr val="accent6"/>
+          </a:effectRef>
+          <a:fontRef idx="minor">
+            <a:schemeClr val="dk1"/>
+          </a:fontRef>
+        </p:style>
+        <p:txBody>
+          <a:bodyPr rtlCol="0" anchor="ctr"/>
+          <a:lstStyle/>
+          <a:p>
+            <a:pPr algn="ctr"/>
+            <a:r>
+              <a:rPr lang="en-US" smtClean="0"/>
+              <a:t>Admin</a:t>
+            </a:r>
+            <a:endParaRPr lang="en-US"/>
+          </a:p>
+        </p:txBody>
+      </p:sp>
+      <p:sp>
+        <p:nvSpPr>
+          <p:cNvPr id="16" name="TextBox 15"/>
+          <p:cNvSpPr txBox="1"/>
+          <p:nvPr/>
+        </p:nvSpPr>
+        <p:spPr>
+          <a:xfrm rot="1133875">
+            <a:off x="2084413" y="3254655"/>
+            <a:ext cx="2000250" cy="307777"/>
+          </a:xfrm>
+          <a:prstGeom prst="rect">
+            <a:avLst/>
+          </a:prstGeom>
+          <a:noFill/>
+        </p:spPr>
+        <p:txBody>
+          <a:bodyPr wrap="square" rtlCol="0">
+            <a:spAutoFit/>
+          </a:bodyPr>
+          <a:lstStyle/>
+          <a:p>
+            <a:r>
+              <a:rPr lang="en-US" sz="1400" smtClean="0"/>
+              <a:t>Khóa tài khoản</a:t>
+            </a:r>
+            <a:endParaRPr lang="en-US" sz="1400"/>
+          </a:p>
+        </p:txBody>
+      </p:sp>
+      <p:cxnSp>
+        <p:nvCxnSpPr>
+          <p:cNvPr id="18" name="Straight Arrow Connector 17"/>
+          <p:cNvCxnSpPr>
+            <a:endCxn id="24" idx="1"/>
+          </p:cNvCxnSpPr>
+          <p:nvPr/>
+        </p:nvCxnSpPr>
+        <p:spPr>
+          <a:xfrm flipV="1">
+            <a:off x="5076652" y="2628453"/>
+            <a:ext cx="2147236" cy="1515922"/>
+          </a:xfrm>
+          <a:prstGeom prst="straightConnector1">
+            <a:avLst/>
+          </a:prstGeom>
+          <a:ln>
+            <a:tailEnd type="triangle"/>
+          </a:ln>
+        </p:spPr>
+        <p:style>
+          <a:lnRef idx="1">
+            <a:schemeClr val="dk1"/>
+          </a:lnRef>
+          <a:fillRef idx="0">
+            <a:schemeClr val="dk1"/>
+          </a:fillRef>
+          <a:effectRef idx="0">
+            <a:schemeClr val="dk1"/>
+          </a:effectRef>
+          <a:fontRef idx="minor">
+            <a:schemeClr val="tx1"/>
+          </a:fontRef>
+        </p:style>
+      </p:cxnSp>
+      <p:sp>
+        <p:nvSpPr>
+          <p:cNvPr id="21" name="TextBox 20"/>
+          <p:cNvSpPr txBox="1"/>
+          <p:nvPr/>
+        </p:nvSpPr>
+        <p:spPr>
+          <a:xfrm rot="19286510">
+            <a:off x="5467866" y="3420651"/>
+            <a:ext cx="1688066" cy="307777"/>
+          </a:xfrm>
+          <a:prstGeom prst="rect">
+            <a:avLst/>
+          </a:prstGeom>
+          <a:noFill/>
+        </p:spPr>
+        <p:txBody>
+          <a:bodyPr wrap="square" rtlCol="0">
+            <a:spAutoFit/>
+          </a:bodyPr>
+          <a:lstStyle/>
+          <a:p>
+            <a:r>
+              <a:rPr lang="en-US" sz="1400" smtClean="0"/>
+              <a:t>Thêm danh mục</a:t>
+            </a:r>
+            <a:endParaRPr lang="en-US" sz="1400"/>
+          </a:p>
+        </p:txBody>
+      </p:sp>
+      <p:sp>
+        <p:nvSpPr>
+          <p:cNvPr id="19" name="TextBox 18"/>
+          <p:cNvSpPr txBox="1"/>
+          <p:nvPr/>
+        </p:nvSpPr>
+        <p:spPr>
+          <a:xfrm>
+            <a:off x="2274056" y="6413639"/>
+            <a:ext cx="3365500" cy="369332"/>
+          </a:xfrm>
+          <a:prstGeom prst="rect">
+            <a:avLst/>
+          </a:prstGeom>
+          <a:noFill/>
+        </p:spPr>
+        <p:txBody>
+          <a:bodyPr wrap="square" rtlCol="0">
+            <a:spAutoFit/>
+          </a:bodyPr>
+          <a:lstStyle/>
+          <a:p>
+            <a:r>
+              <a:rPr lang="en-US" smtClean="0"/>
+              <a:t>Sơ đồ luồng dữ liệu admin</a:t>
+            </a:r>
+            <a:endParaRPr lang="en-US"/>
+          </a:p>
+        </p:txBody>
+      </p:sp>
+      <p:cxnSp>
+        <p:nvCxnSpPr>
+          <p:cNvPr id="17" name="Elbow Connector 16"/>
+          <p:cNvCxnSpPr>
+            <a:stCxn id="2" idx="3"/>
+          </p:cNvCxnSpPr>
+          <p:nvPr/>
+        </p:nvCxnSpPr>
+        <p:spPr>
+          <a:xfrm flipV="1">
+            <a:off x="5076652" y="2924970"/>
+            <a:ext cx="2771948" cy="1378742"/>
+          </a:xfrm>
+          <a:prstGeom prst="bentConnector3">
+            <a:avLst>
+              <a:gd name="adj1" fmla="val 100398"/>
+            </a:avLst>
+          </a:prstGeom>
+          <a:ln>
+            <a:tailEnd type="triangle"/>
+          </a:ln>
+        </p:spPr>
+        <p:style>
+          <a:lnRef idx="1">
+            <a:schemeClr val="dk1"/>
+          </a:lnRef>
+          <a:fillRef idx="0">
+            <a:schemeClr val="dk1"/>
+          </a:fillRef>
+          <a:effectRef idx="0">
+            <a:schemeClr val="dk1"/>
+          </a:effectRef>
+          <a:fontRef idx="minor">
+            <a:schemeClr val="tx1"/>
+          </a:fontRef>
+        </p:style>
+      </p:cxnSp>
+      <p:sp>
+        <p:nvSpPr>
+          <p:cNvPr id="25" name="TextBox 24"/>
+          <p:cNvSpPr txBox="1"/>
+          <p:nvPr/>
+        </p:nvSpPr>
+        <p:spPr>
+          <a:xfrm>
+            <a:off x="5800551" y="4361711"/>
+            <a:ext cx="1994695" cy="307777"/>
+          </a:xfrm>
+          <a:prstGeom prst="rect">
+            <a:avLst/>
+          </a:prstGeom>
+          <a:noFill/>
+        </p:spPr>
+        <p:txBody>
+          <a:bodyPr wrap="square" rtlCol="0">
+            <a:spAutoFit/>
+          </a:bodyPr>
+          <a:lstStyle/>
+          <a:p>
+            <a:r>
+              <a:rPr lang="en-US" sz="1400" smtClean="0"/>
+              <a:t>Cập nhật danh mục</a:t>
+            </a:r>
+            <a:endParaRPr lang="en-US" sz="1400"/>
+          </a:p>
+        </p:txBody>
+      </p:sp>
+      <p:sp>
+        <p:nvSpPr>
+          <p:cNvPr id="26" name="Rectangle 25"/>
+          <p:cNvSpPr/>
+          <p:nvPr/>
+        </p:nvSpPr>
+        <p:spPr>
+          <a:xfrm>
+            <a:off x="196299" y="2257210"/>
+            <a:ext cx="1447800" cy="609600"/>
+          </a:xfrm>
+          <a:prstGeom prst="rect">
+            <a:avLst/>
+          </a:prstGeom>
+        </p:spPr>
+        <p:style>
+          <a:lnRef idx="2">
+            <a:schemeClr val="accent6"/>
+          </a:lnRef>
+          <a:fillRef idx="1">
+            <a:schemeClr val="lt1"/>
+          </a:fillRef>
+          <a:effectRef idx="0">
+            <a:schemeClr val="accent6"/>
+          </a:effectRef>
+          <a:fontRef idx="minor">
+            <a:schemeClr val="dk1"/>
+          </a:fontRef>
+        </p:style>
+        <p:txBody>
+          <a:bodyPr rtlCol="0" anchor="ctr"/>
+          <a:lstStyle/>
+          <a:p>
+            <a:pPr algn="ctr"/>
+            <a:r>
+              <a:rPr lang="en-US" smtClean="0"/>
+              <a:t>Khách hàng</a:t>
+            </a:r>
+            <a:endParaRPr lang="en-US"/>
+          </a:p>
+        </p:txBody>
+      </p:sp>
+      <p:cxnSp>
+        <p:nvCxnSpPr>
+          <p:cNvPr id="28" name="Straight Arrow Connector 27"/>
+          <p:cNvCxnSpPr/>
+          <p:nvPr/>
+        </p:nvCxnSpPr>
+        <p:spPr>
+          <a:xfrm flipH="1" flipV="1">
+            <a:off x="1219200" y="2887429"/>
+            <a:ext cx="2861397" cy="1107913"/>
+          </a:xfrm>
+          <a:prstGeom prst="straightConnector1">
+            <a:avLst/>
+          </a:prstGeom>
+          <a:ln>
+            <a:tailEnd type="triangle"/>
+          </a:ln>
+        </p:spPr>
+        <p:style>
+          <a:lnRef idx="1">
+            <a:schemeClr val="dk1"/>
+          </a:lnRef>
+          <a:fillRef idx="0">
+            <a:schemeClr val="dk1"/>
+          </a:fillRef>
+          <a:effectRef idx="0">
+            <a:schemeClr val="dk1"/>
+          </a:effectRef>
+          <a:fontRef idx="minor">
+            <a:schemeClr val="tx1"/>
+          </a:fontRef>
+        </p:style>
+      </p:cxnSp>
+      <p:sp>
+        <p:nvSpPr>
+          <p:cNvPr id="22" name="Rectangle 21"/>
+          <p:cNvSpPr/>
+          <p:nvPr/>
+        </p:nvSpPr>
+        <p:spPr>
+          <a:xfrm>
+            <a:off x="294305" y="5388197"/>
+            <a:ext cx="1447800" cy="609600"/>
+          </a:xfrm>
+          <a:prstGeom prst="rect">
+            <a:avLst/>
+          </a:prstGeom>
+        </p:spPr>
+        <p:style>
+          <a:lnRef idx="2">
+            <a:schemeClr val="accent6"/>
+          </a:lnRef>
+          <a:fillRef idx="1">
+            <a:schemeClr val="lt1"/>
+          </a:fillRef>
+          <a:effectRef idx="0">
+            <a:schemeClr val="accent6"/>
+          </a:effectRef>
+          <a:fontRef idx="minor">
+            <a:schemeClr val="dk1"/>
+          </a:fontRef>
+        </p:style>
+        <p:txBody>
+          <a:bodyPr rtlCol="0" anchor="ctr"/>
+          <a:lstStyle/>
+          <a:p>
+            <a:pPr algn="ctr"/>
+            <a:r>
+              <a:rPr lang="en-US" smtClean="0"/>
+              <a:t>Gian hàng</a:t>
+            </a:r>
+            <a:endParaRPr lang="en-US"/>
+          </a:p>
+        </p:txBody>
+      </p:sp>
+      <p:sp>
+        <p:nvSpPr>
+          <p:cNvPr id="23" name="Rectangle 22"/>
+          <p:cNvSpPr/>
+          <p:nvPr/>
+        </p:nvSpPr>
+        <p:spPr>
+          <a:xfrm>
+            <a:off x="3647902" y="2219497"/>
+            <a:ext cx="1447800" cy="609600"/>
+          </a:xfrm>
+          <a:prstGeom prst="rect">
+            <a:avLst/>
+          </a:prstGeom>
+        </p:spPr>
+        <p:style>
+          <a:lnRef idx="2">
+            <a:schemeClr val="accent6"/>
+          </a:lnRef>
+          <a:fillRef idx="1">
+            <a:schemeClr val="lt1"/>
+          </a:fillRef>
+          <a:effectRef idx="0">
+            <a:schemeClr val="accent6"/>
+          </a:effectRef>
+          <a:fontRef idx="minor">
+            <a:schemeClr val="dk1"/>
+          </a:fontRef>
+        </p:style>
+        <p:txBody>
+          <a:bodyPr rtlCol="0" anchor="ctr"/>
+          <a:lstStyle/>
+          <a:p>
+            <a:pPr algn="ctr"/>
+            <a:r>
+              <a:rPr lang="en-US" smtClean="0"/>
+              <a:t>Hóa đơn</a:t>
+            </a:r>
+            <a:endParaRPr lang="en-US"/>
+          </a:p>
+        </p:txBody>
+      </p:sp>
+      <p:sp>
+        <p:nvSpPr>
+          <p:cNvPr id="24" name="Rectangle 23"/>
+          <p:cNvSpPr/>
+          <p:nvPr/>
+        </p:nvSpPr>
+        <p:spPr>
+          <a:xfrm>
+            <a:off x="7223888" y="2323653"/>
+            <a:ext cx="1447800" cy="609600"/>
+          </a:xfrm>
+          <a:prstGeom prst="rect">
+            <a:avLst/>
+          </a:prstGeom>
+        </p:spPr>
+        <p:style>
+          <a:lnRef idx="2">
+            <a:schemeClr val="accent6"/>
+          </a:lnRef>
+          <a:fillRef idx="1">
+            <a:schemeClr val="lt1"/>
+          </a:fillRef>
+          <a:effectRef idx="0">
+            <a:schemeClr val="accent6"/>
+          </a:effectRef>
+          <a:fontRef idx="minor">
+            <a:schemeClr val="dk1"/>
+          </a:fontRef>
+        </p:style>
+        <p:txBody>
+          <a:bodyPr rtlCol="0" anchor="ctr"/>
+          <a:lstStyle/>
+          <a:p>
+            <a:pPr algn="ctr"/>
+            <a:r>
+              <a:rPr lang="en-US" smtClean="0"/>
+              <a:t>Danh mục</a:t>
+            </a:r>
+            <a:endParaRPr lang="en-US"/>
+          </a:p>
+        </p:txBody>
+      </p:sp>
+      <p:sp>
+        <p:nvSpPr>
+          <p:cNvPr id="27" name="Rectangle 26"/>
+          <p:cNvSpPr/>
+          <p:nvPr/>
+        </p:nvSpPr>
+        <p:spPr>
+          <a:xfrm>
+            <a:off x="3666952" y="5716308"/>
+            <a:ext cx="1447800" cy="609600"/>
+          </a:xfrm>
+          <a:prstGeom prst="rect">
+            <a:avLst/>
+          </a:prstGeom>
+        </p:spPr>
+        <p:style>
+          <a:lnRef idx="2">
+            <a:schemeClr val="accent6"/>
+          </a:lnRef>
+          <a:fillRef idx="1">
+            <a:schemeClr val="lt1"/>
+          </a:fillRef>
+          <a:effectRef idx="0">
+            <a:schemeClr val="accent6"/>
+          </a:effectRef>
+          <a:fontRef idx="minor">
+            <a:schemeClr val="dk1"/>
+          </a:fontRef>
+        </p:style>
+        <p:txBody>
+          <a:bodyPr rtlCol="0" anchor="ctr"/>
+          <a:lstStyle/>
+          <a:p>
+            <a:pPr algn="ctr"/>
+            <a:r>
+              <a:rPr lang="en-US" smtClean="0"/>
+              <a:t>Phân cấp hoa hồng</a:t>
+            </a:r>
+            <a:endParaRPr lang="en-US"/>
+          </a:p>
+        </p:txBody>
+      </p:sp>
+      <p:cxnSp>
+        <p:nvCxnSpPr>
+          <p:cNvPr id="5" name="Straight Arrow Connector 4"/>
+          <p:cNvCxnSpPr>
+            <a:endCxn id="22" idx="3"/>
+          </p:cNvCxnSpPr>
+          <p:nvPr/>
+        </p:nvCxnSpPr>
+        <p:spPr>
+          <a:xfrm flipH="1">
+            <a:off x="1742105" y="4608512"/>
+            <a:ext cx="1886746" cy="1084485"/>
+          </a:xfrm>
+          <a:prstGeom prst="straightConnector1">
+            <a:avLst/>
+          </a:prstGeom>
+          <a:ln>
+            <a:tailEnd type="triangle"/>
+          </a:ln>
+        </p:spPr>
+        <p:style>
+          <a:lnRef idx="1">
+            <a:schemeClr val="dk1"/>
+          </a:lnRef>
+          <a:fillRef idx="0">
+            <a:schemeClr val="dk1"/>
+          </a:fillRef>
+          <a:effectRef idx="0">
+            <a:schemeClr val="dk1"/>
+          </a:effectRef>
+          <a:fontRef idx="minor">
+            <a:schemeClr val="tx1"/>
+          </a:fontRef>
+        </p:style>
+      </p:cxnSp>
+      <p:sp>
+        <p:nvSpPr>
+          <p:cNvPr id="29" name="TextBox 28"/>
+          <p:cNvSpPr txBox="1"/>
+          <p:nvPr/>
+        </p:nvSpPr>
+        <p:spPr>
+          <a:xfrm rot="19809481">
+            <a:off x="1689182" y="4790798"/>
+            <a:ext cx="2000250" cy="307777"/>
+          </a:xfrm>
+          <a:prstGeom prst="rect">
+            <a:avLst/>
+          </a:prstGeom>
+          <a:noFill/>
+        </p:spPr>
+        <p:txBody>
+          <a:bodyPr wrap="square" rtlCol="0">
+            <a:spAutoFit/>
+          </a:bodyPr>
+          <a:lstStyle/>
+          <a:p>
+            <a:r>
+              <a:rPr lang="en-US" sz="1400" smtClean="0"/>
+              <a:t>Khóa tài khoản</a:t>
+            </a:r>
+            <a:endParaRPr lang="en-US" sz="1400"/>
+          </a:p>
+        </p:txBody>
+      </p:sp>
+      <p:sp>
+        <p:nvSpPr>
+          <p:cNvPr id="30" name="TextBox 29"/>
+          <p:cNvSpPr txBox="1"/>
+          <p:nvPr/>
+        </p:nvSpPr>
+        <p:spPr>
+          <a:xfrm>
+            <a:off x="2992916" y="5045994"/>
+            <a:ext cx="2000250" cy="307777"/>
+          </a:xfrm>
+          <a:prstGeom prst="rect">
+            <a:avLst/>
+          </a:prstGeom>
+          <a:noFill/>
+        </p:spPr>
+        <p:txBody>
+          <a:bodyPr wrap="square" rtlCol="0">
+            <a:spAutoFit/>
+          </a:bodyPr>
+          <a:lstStyle/>
+          <a:p>
+            <a:r>
+              <a:rPr lang="en-US" sz="1400" smtClean="0"/>
+              <a:t>Thêm phân cấp</a:t>
+            </a:r>
+            <a:endParaRPr lang="en-US" sz="1400"/>
+          </a:p>
+        </p:txBody>
+      </p:sp>
+      <p:sp>
+        <p:nvSpPr>
+          <p:cNvPr id="31" name="TextBox 30"/>
+          <p:cNvSpPr txBox="1"/>
+          <p:nvPr/>
+        </p:nvSpPr>
+        <p:spPr>
+          <a:xfrm rot="5400000">
+            <a:off x="5068372" y="5080955"/>
+            <a:ext cx="1088057" cy="307777"/>
+          </a:xfrm>
+          <a:prstGeom prst="rect">
+            <a:avLst/>
+          </a:prstGeom>
+          <a:noFill/>
+        </p:spPr>
+        <p:txBody>
+          <a:bodyPr wrap="square" rtlCol="0">
+            <a:spAutoFit/>
+          </a:bodyPr>
+          <a:lstStyle/>
+          <a:p>
+            <a:r>
+              <a:rPr lang="en-US" sz="1400" smtClean="0"/>
+              <a:t>Cập nhật</a:t>
+            </a:r>
+            <a:endParaRPr lang="en-US" sz="1400"/>
+          </a:p>
+        </p:txBody>
+      </p:sp>
+      <p:cxnSp>
+        <p:nvCxnSpPr>
+          <p:cNvPr id="13" name="Straight Arrow Connector 12"/>
+          <p:cNvCxnSpPr>
+            <a:stCxn id="2" idx="0"/>
+            <a:endCxn id="23" idx="2"/>
+          </p:cNvCxnSpPr>
+          <p:nvPr/>
+        </p:nvCxnSpPr>
+        <p:spPr>
+          <a:xfrm flipV="1">
+            <a:off x="4352752" y="2829097"/>
+            <a:ext cx="19050" cy="1169815"/>
+          </a:xfrm>
+          <a:prstGeom prst="straightConnector1">
+            <a:avLst/>
+          </a:prstGeom>
+          <a:ln>
+            <a:tailEnd type="triangle"/>
+          </a:ln>
+        </p:spPr>
+        <p:style>
+          <a:lnRef idx="1">
+            <a:schemeClr val="dk1"/>
+          </a:lnRef>
+          <a:fillRef idx="0">
+            <a:schemeClr val="dk1"/>
+          </a:fillRef>
+          <a:effectRef idx="0">
+            <a:schemeClr val="dk1"/>
+          </a:effectRef>
+          <a:fontRef idx="minor">
+            <a:schemeClr val="tx1"/>
+          </a:fontRef>
+        </p:style>
+      </p:cxnSp>
+      <p:sp>
+        <p:nvSpPr>
+          <p:cNvPr id="33" name="TextBox 32"/>
+          <p:cNvSpPr txBox="1"/>
+          <p:nvPr/>
+        </p:nvSpPr>
+        <p:spPr>
+          <a:xfrm>
+            <a:off x="4342469" y="3062137"/>
+            <a:ext cx="2000250" cy="307777"/>
+          </a:xfrm>
+          <a:prstGeom prst="rect">
+            <a:avLst/>
+          </a:prstGeom>
+          <a:noFill/>
+        </p:spPr>
+        <p:txBody>
+          <a:bodyPr wrap="square" rtlCol="0">
+            <a:spAutoFit/>
+          </a:bodyPr>
+          <a:lstStyle/>
+          <a:p>
+            <a:r>
+              <a:rPr lang="en-US" sz="1400" smtClean="0"/>
+              <a:t>Duyệt hóa đơn</a:t>
+            </a:r>
+            <a:endParaRPr lang="en-US" sz="1400"/>
+          </a:p>
+        </p:txBody>
+      </p:sp>
+      <p:cxnSp>
+        <p:nvCxnSpPr>
+          <p:cNvPr id="32" name="Straight Arrow Connector 31"/>
+          <p:cNvCxnSpPr>
+            <a:stCxn id="23" idx="1"/>
+            <a:endCxn id="26" idx="3"/>
+          </p:cNvCxnSpPr>
+          <p:nvPr/>
+        </p:nvCxnSpPr>
+        <p:spPr>
+          <a:xfrm flipH="1">
+            <a:off x="1644099" y="2524297"/>
+            <a:ext cx="2003803" cy="37713"/>
+          </a:xfrm>
+          <a:prstGeom prst="straightConnector1">
+            <a:avLst/>
+          </a:prstGeom>
+          <a:ln>
+            <a:tailEnd type="triangle"/>
+          </a:ln>
+        </p:spPr>
+        <p:style>
+          <a:lnRef idx="1">
+            <a:schemeClr val="dk1"/>
+          </a:lnRef>
+          <a:fillRef idx="0">
+            <a:schemeClr val="dk1"/>
+          </a:fillRef>
+          <a:effectRef idx="0">
+            <a:schemeClr val="dk1"/>
+          </a:effectRef>
+          <a:fontRef idx="minor">
+            <a:schemeClr val="tx1"/>
+          </a:fontRef>
+        </p:style>
+      </p:cxnSp>
+      <p:sp>
+        <p:nvSpPr>
+          <p:cNvPr id="36" name="TextBox 35"/>
+          <p:cNvSpPr txBox="1"/>
+          <p:nvPr/>
+        </p:nvSpPr>
+        <p:spPr>
+          <a:xfrm>
+            <a:off x="1904203" y="2255861"/>
+            <a:ext cx="1523048" cy="307777"/>
+          </a:xfrm>
+          <a:prstGeom prst="rect">
+            <a:avLst/>
+          </a:prstGeom>
+          <a:noFill/>
+        </p:spPr>
+        <p:txBody>
+          <a:bodyPr wrap="square" rtlCol="0">
+            <a:spAutoFit/>
+          </a:bodyPr>
+          <a:lstStyle/>
+          <a:p>
+            <a:r>
+              <a:rPr lang="en-US" sz="1400" smtClean="0"/>
+              <a:t>Cộng hoa hồng</a:t>
+            </a:r>
+            <a:endParaRPr lang="en-US" sz="1400"/>
+          </a:p>
+        </p:txBody>
+      </p:sp>
+      <p:cxnSp>
+        <p:nvCxnSpPr>
+          <p:cNvPr id="50" name="Elbow Connector 49"/>
+          <p:cNvCxnSpPr>
+            <a:endCxn id="27" idx="3"/>
+          </p:cNvCxnSpPr>
+          <p:nvPr/>
+        </p:nvCxnSpPr>
+        <p:spPr>
+          <a:xfrm rot="16200000" flipH="1">
+            <a:off x="4344194" y="5250549"/>
+            <a:ext cx="1522067" cy="19050"/>
+          </a:xfrm>
+          <a:prstGeom prst="bentConnector4">
+            <a:avLst>
+              <a:gd name="adj1" fmla="val 771"/>
+              <a:gd name="adj2" fmla="val 1300000"/>
+            </a:avLst>
+          </a:prstGeom>
+          <a:ln>
+            <a:tailEnd type="triangle"/>
+          </a:ln>
+        </p:spPr>
+        <p:style>
+          <a:lnRef idx="1">
+            <a:schemeClr val="dk1"/>
+          </a:lnRef>
+          <a:fillRef idx="0">
+            <a:schemeClr val="dk1"/>
+          </a:fillRef>
+          <a:effectRef idx="0">
+            <a:schemeClr val="dk1"/>
+          </a:effectRef>
+          <a:fontRef idx="minor">
+            <a:schemeClr val="tx1"/>
+          </a:fontRef>
+        </p:style>
+      </p:cxnSp>
+      <p:cxnSp>
+        <p:nvCxnSpPr>
+          <p:cNvPr id="52" name="Straight Arrow Connector 51"/>
+          <p:cNvCxnSpPr>
+            <a:stCxn id="2" idx="2"/>
+            <a:endCxn id="27" idx="0"/>
+          </p:cNvCxnSpPr>
+          <p:nvPr/>
+        </p:nvCxnSpPr>
+        <p:spPr>
+          <a:xfrm>
+            <a:off x="4352752" y="4608512"/>
+            <a:ext cx="38100" cy="1107796"/>
+          </a:xfrm>
+          <a:prstGeom prst="straightConnector1">
+            <a:avLst/>
+          </a:prstGeom>
+          <a:ln>
+            <a:tailEnd type="triangle"/>
+          </a:ln>
+        </p:spPr>
+        <p:style>
+          <a:lnRef idx="1">
+            <a:schemeClr val="dk1"/>
+          </a:lnRef>
+          <a:fillRef idx="0">
+            <a:schemeClr val="dk1"/>
+          </a:fillRef>
+          <a:effectRef idx="0">
+            <a:schemeClr val="dk1"/>
+          </a:effectRef>
+          <a:fontRef idx="minor">
+            <a:schemeClr val="tx1"/>
+          </a:fontRef>
+        </p:style>
+      </p:cxnSp>
+      <p:cxnSp>
+        <p:nvCxnSpPr>
+          <p:cNvPr id="57" name="Elbow Connector 56"/>
+          <p:cNvCxnSpPr>
+            <a:stCxn id="26" idx="2"/>
+            <a:endCxn id="2" idx="1"/>
+          </p:cNvCxnSpPr>
+          <p:nvPr/>
+        </p:nvCxnSpPr>
+        <p:spPr>
+          <a:xfrm rot="16200000" flipH="1">
+            <a:off x="1556074" y="2230934"/>
+            <a:ext cx="1436902" cy="2708653"/>
+          </a:xfrm>
+          <a:prstGeom prst="bentConnector2">
+            <a:avLst/>
+          </a:prstGeom>
+          <a:ln>
+            <a:tailEnd type="triangle"/>
+          </a:ln>
+        </p:spPr>
+        <p:style>
+          <a:lnRef idx="1">
+            <a:schemeClr val="dk1"/>
+          </a:lnRef>
+          <a:fillRef idx="0">
+            <a:schemeClr val="dk1"/>
+          </a:fillRef>
+          <a:effectRef idx="0">
+            <a:schemeClr val="dk1"/>
+          </a:effectRef>
+          <a:fontRef idx="minor">
+            <a:schemeClr val="tx1"/>
+          </a:fontRef>
+        </p:style>
+      </p:cxnSp>
+      <p:sp>
+        <p:nvSpPr>
+          <p:cNvPr id="60" name="TextBox 59"/>
+          <p:cNvSpPr txBox="1"/>
+          <p:nvPr/>
+        </p:nvSpPr>
+        <p:spPr>
+          <a:xfrm>
+            <a:off x="268499" y="4346902"/>
+            <a:ext cx="1342164" cy="523220"/>
+          </a:xfrm>
+          <a:prstGeom prst="rect">
+            <a:avLst/>
+          </a:prstGeom>
+          <a:noFill/>
+        </p:spPr>
+        <p:txBody>
+          <a:bodyPr wrap="square" rtlCol="0">
+            <a:spAutoFit/>
+          </a:bodyPr>
+          <a:lstStyle/>
+          <a:p>
+            <a:r>
+              <a:rPr lang="en-US" sz="1400" smtClean="0"/>
+              <a:t>Yêu cầu thanh toán hoa hồng</a:t>
+            </a:r>
+            <a:endParaRPr lang="en-US" sz="1400"/>
+          </a:p>
+        </p:txBody>
+      </p:sp>
+    </p:spTree>
+    <p:extLst>
+      <p:ext uri="{BB962C8B-B14F-4D97-AF65-F5344CB8AC3E}">
+        <p14:creationId xmlns:p14="http://schemas.microsoft.com/office/powerpoint/2010/main" val="2241467051"/>
+      </p:ext>
+    </p:extLst>
+  </p:cSld>
+  <p:clrMapOvr>
+    <a:masterClrMapping/>
+  </p:clrMapOvr>
+  <p:timing>
+    <p:tnLst>
+      <p:par>
+        <p:cTn id="1" dur="indefinite" restart="never" nodeType="tmRoot"/>
+      </p:par>
+    </p:tnLst>
+  </p:timing>
+</p:sld>
+</file>
+
+<file path=ppt/slides/slide2.xml><?xml version="1.0" encoding="utf-8"?>
+<p:sld xmlns:a="http://schemas.openxmlformats.org/drawingml/2006/main" xmlns:r="http://schemas.openxmlformats.org/officeDocument/2006/relationships" xmlns:p="http://schemas.openxmlformats.org/presentationml/2006/main" showMasterSp="0">
+  <p:cSld>
+    <p:bg>
+      <p:bgPr>
+        <a:blipFill dpi="0" rotWithShape="0">
+          <a:blip r:embed="rId2"/>
+          <a:srcRect/>
+          <a:stretch>
+            <a:fillRect/>
+          </a:stretch>
+        </a:blipFill>
+        <a:effectLst/>
+      </p:bgPr>
+    </p:bg>
+    <p:spTree>
+      <p:nvGrpSpPr>
+        <p:cNvPr id="1" name=""/>
+        <p:cNvGrpSpPr/>
+        <p:nvPr/>
+      </p:nvGrpSpPr>
+      <p:grpSpPr>
+        <a:xfrm>
+          <a:off x="0" y="0"/>
+          <a:ext cx="0" cy="0"/>
+          <a:chOff x="0" y="0"/>
+          <a:chExt cx="0" cy="0"/>
+        </a:xfrm>
+      </p:grpSpPr>
+      <p:sp>
+        <p:nvSpPr>
+          <p:cNvPr id="2050" name="Rectangle 2">
+            <a:extLst>
+              <a:ext uri="{FF2B5EF4-FFF2-40B4-BE49-F238E27FC236}">
+                <a16:creationId xmlns:a16="http://schemas.microsoft.com/office/drawing/2014/main" id="{1CDA1651-B184-4C83-9729-35D701BE495A}"/>
+              </a:ext>
+            </a:extLst>
+          </p:cNvPr>
+          <p:cNvSpPr>
+            <a:spLocks noGrp="1" noChangeArrowheads="1"/>
+          </p:cNvSpPr>
+          <p:nvPr>
+            <p:ph type="ctrTitle"/>
+          </p:nvPr>
+        </p:nvSpPr>
+        <p:spPr>
+          <a:xfrm>
+            <a:off x="685800" y="762000"/>
+            <a:ext cx="7772400" cy="1470025"/>
+          </a:xfrm>
+        </p:spPr>
+        <p:txBody>
+          <a:bodyPr/>
+          <a:lstStyle/>
+          <a:p>
+            <a:pPr algn="ctr"/>
+            <a:r>
+              <a:rPr lang="en-US" altLang="en-US" smtClean="0"/>
+              <a:t>NỘI DUNG</a:t>
+            </a:r>
+            <a:endParaRPr lang="en-US" altLang="en-US"/>
+          </a:p>
+        </p:txBody>
+      </p:sp>
+      <p:sp>
+        <p:nvSpPr>
+          <p:cNvPr id="2051" name="Rectangle 3">
+            <a:extLst>
+              <a:ext uri="{FF2B5EF4-FFF2-40B4-BE49-F238E27FC236}">
+                <a16:creationId xmlns:a16="http://schemas.microsoft.com/office/drawing/2014/main" id="{80E355BD-3478-446D-BADE-5B579DF2FF15}"/>
+              </a:ext>
+            </a:extLst>
+          </p:cNvPr>
+          <p:cNvSpPr>
+            <a:spLocks noGrp="1" noChangeArrowheads="1"/>
+          </p:cNvSpPr>
+          <p:nvPr>
+            <p:ph type="subTitle" idx="1"/>
+          </p:nvPr>
+        </p:nvSpPr>
+        <p:spPr>
+          <a:xfrm>
+            <a:off x="1028700" y="2057400"/>
+            <a:ext cx="7086600" cy="2743200"/>
+          </a:xfrm>
+        </p:spPr>
+        <p:txBody>
+          <a:bodyPr/>
+          <a:lstStyle/>
+          <a:p>
+            <a:pPr marL="514350" indent="-514350" algn="l">
+              <a:buFont typeface="+mj-lt"/>
+              <a:buAutoNum type="alphaUcPeriod"/>
+            </a:pPr>
+            <a:r>
+              <a:rPr lang="en-US" altLang="en-US" err="1" smtClean="0"/>
+              <a:t>Giới</a:t>
+            </a:r>
+            <a:r>
+              <a:rPr lang="en-US" altLang="en-US" smtClean="0"/>
+              <a:t> thiệu tổng quan</a:t>
+            </a:r>
+          </a:p>
+          <a:p>
+            <a:pPr marL="514350" indent="-514350" algn="l">
+              <a:buFont typeface="+mj-lt"/>
+              <a:buAutoNum type="alphaUcPeriod"/>
+            </a:pPr>
+            <a:r>
+              <a:rPr lang="en-US" altLang="en-US" err="1" smtClean="0"/>
+              <a:t>Nội</a:t>
+            </a:r>
+            <a:r>
+              <a:rPr lang="en-US" altLang="en-US" smtClean="0"/>
+              <a:t> dung chính</a:t>
+            </a:r>
+          </a:p>
+          <a:p>
+            <a:pPr marL="514350" indent="-514350" algn="l">
+              <a:buFont typeface="+mj-lt"/>
+              <a:buAutoNum type="alphaUcPeriod"/>
+            </a:pPr>
+            <a:r>
+              <a:rPr lang="en-US" altLang="en-US" err="1" smtClean="0"/>
+              <a:t>Kết</a:t>
+            </a:r>
+            <a:r>
+              <a:rPr lang="en-US" altLang="en-US" smtClean="0"/>
+              <a:t> </a:t>
+            </a:r>
+            <a:r>
+              <a:rPr lang="en-US" altLang="en-US" err="1" smtClean="0"/>
+              <a:t>luận</a:t>
+            </a:r>
+            <a:r>
+              <a:rPr lang="en-US" altLang="en-US" smtClean="0"/>
+              <a:t> </a:t>
+            </a:r>
+            <a:r>
+              <a:rPr lang="en-US" altLang="en-US" err="1" smtClean="0"/>
+              <a:t>và</a:t>
+            </a:r>
+            <a:r>
+              <a:rPr lang="en-US" altLang="en-US" smtClean="0"/>
+              <a:t> </a:t>
+            </a:r>
+            <a:r>
+              <a:rPr lang="en-US" altLang="en-US" err="1" smtClean="0"/>
+              <a:t>hướng</a:t>
+            </a:r>
+            <a:r>
+              <a:rPr lang="en-US" altLang="en-US" smtClean="0"/>
+              <a:t> </a:t>
+            </a:r>
+            <a:r>
+              <a:rPr lang="en-US" altLang="en-US" err="1" smtClean="0"/>
+              <a:t>phát</a:t>
+            </a:r>
+            <a:r>
+              <a:rPr lang="en-US" altLang="en-US" smtClean="0"/>
+              <a:t> </a:t>
+            </a:r>
+            <a:r>
+              <a:rPr lang="en-US" altLang="en-US" err="1" smtClean="0"/>
+              <a:t>triển</a:t>
+            </a:r>
+            <a:endParaRPr lang="en-US" altLang="en-US" smtClean="0"/>
+          </a:p>
+          <a:p>
+            <a:pPr marL="514350" indent="-514350" algn="l">
+              <a:buFont typeface="+mj-lt"/>
+              <a:buAutoNum type="alphaUcPeriod"/>
+            </a:pPr>
+            <a:r>
+              <a:rPr lang="en-US" altLang="en-US" smtClean="0"/>
+              <a:t>Demo</a:t>
+            </a:r>
+          </a:p>
+        </p:txBody>
+      </p:sp>
+      <p:sp>
+        <p:nvSpPr>
+          <p:cNvPr id="2053" name="Text Box 5">
+            <a:extLst>
+              <a:ext uri="{FF2B5EF4-FFF2-40B4-BE49-F238E27FC236}">
+                <a16:creationId xmlns:a16="http://schemas.microsoft.com/office/drawing/2014/main" id="{3D1CE68C-65F7-4C8C-AB01-78D31225A9F1}"/>
+              </a:ext>
+            </a:extLst>
+          </p:cNvPr>
+          <p:cNvSpPr txBox="1">
+            <a:spLocks noChangeArrowheads="1"/>
+          </p:cNvSpPr>
+          <p:nvPr/>
+        </p:nvSpPr>
+        <p:spPr bwMode="auto">
+          <a:xfrm>
+            <a:off x="609600" y="6430963"/>
+            <a:ext cx="3505200" cy="274637"/>
+          </a:xfrm>
+          <a:prstGeom prst="rect">
+            <a:avLst/>
+          </a:prstGeom>
+          <a:noFill/>
+          <a:ln>
+            <a:noFill/>
+          </a:ln>
+          <a:effectLst/>
+          <a:extLst>
+            <a:ext uri="{909E8E84-426E-40DD-AFC4-6F175D3DCCD1}">
+              <a14:hiddenFill xmlns:a14="http://schemas.microsoft.com/office/drawing/2010/main">
+                <a:solidFill>
+                  <a:schemeClr val="accent1"/>
+                </a:solidFill>
+              </a14:hiddenFill>
+            </a:ext>
+            <a:ext uri="{91240B29-F687-4F45-9708-019B960494DF}">
+              <a14:hiddenLine xmlns:a14="http://schemas.microsoft.com/office/drawing/2010/main" w="9525">
+                <a:solidFill>
+                  <a:schemeClr val="tx1"/>
+                </a:solidFill>
+                <a:miter lim="800000"/>
+                <a:headEnd/>
+                <a:tailEnd/>
+              </a14:hiddenLine>
+            </a:ext>
+            <a:ext uri="{AF507438-7753-43E0-B8FC-AC1667EBCBE1}">
+              <a14:hiddenEffects xmlns:a14="http://schemas.microsoft.com/office/drawing/2010/main">
+                <a:effectLst>
+                  <a:outerShdw dist="35921" dir="2700000" algn="ctr" rotWithShape="0">
+                    <a:schemeClr val="bg2"/>
+                  </a:outerShdw>
+                </a:effectLst>
+              </a14:hiddenEffects>
+            </a:ext>
+          </a:extLst>
+        </p:spPr>
+        <p:txBody>
+          <a:bodyPr>
+            <a:spAutoFit/>
+          </a:bodyPr>
+          <a:lstStyle/>
+          <a:p>
+            <a:pPr>
+              <a:spcBef>
+                <a:spcPct val="50000"/>
+              </a:spcBef>
+            </a:pPr>
+            <a:r>
+              <a:rPr lang="en-US" altLang="en-US" sz="1200" b="1" i="1" smtClean="0">
+                <a:solidFill>
+                  <a:srgbClr val="000066"/>
+                </a:solidFill>
+              </a:rPr>
+              <a:t>CNPM – </a:t>
+            </a:r>
+            <a:r>
+              <a:rPr lang="en-US" altLang="en-US" sz="1200" b="1" i="1" err="1" smtClean="0">
+                <a:solidFill>
+                  <a:srgbClr val="000066"/>
+                </a:solidFill>
+              </a:rPr>
+              <a:t>Đại</a:t>
+            </a:r>
+            <a:r>
+              <a:rPr lang="en-US" altLang="en-US" sz="1200" b="1" i="1" smtClean="0">
+                <a:solidFill>
+                  <a:srgbClr val="000066"/>
+                </a:solidFill>
+              </a:rPr>
+              <a:t> </a:t>
+            </a:r>
+            <a:r>
+              <a:rPr lang="en-US" altLang="en-US" sz="1200" b="1" i="1" err="1" smtClean="0">
+                <a:solidFill>
+                  <a:srgbClr val="000066"/>
+                </a:solidFill>
+              </a:rPr>
+              <a:t>học</a:t>
+            </a:r>
+            <a:r>
+              <a:rPr lang="en-US" altLang="en-US" sz="1200" b="1" i="1" smtClean="0">
+                <a:solidFill>
+                  <a:srgbClr val="000066"/>
+                </a:solidFill>
+              </a:rPr>
+              <a:t> </a:t>
+            </a:r>
+            <a:r>
+              <a:rPr lang="en-US" altLang="en-US" sz="1200" b="1" i="1" err="1" smtClean="0">
+                <a:solidFill>
+                  <a:srgbClr val="000066"/>
+                </a:solidFill>
+              </a:rPr>
+              <a:t>Cần</a:t>
+            </a:r>
+            <a:r>
+              <a:rPr lang="en-US" altLang="en-US" sz="1200" b="1" i="1" smtClean="0">
+                <a:solidFill>
+                  <a:srgbClr val="000066"/>
+                </a:solidFill>
+              </a:rPr>
+              <a:t> </a:t>
+            </a:r>
+            <a:r>
+              <a:rPr lang="en-US" altLang="en-US" sz="1200" b="1" i="1" err="1" smtClean="0">
+                <a:solidFill>
+                  <a:srgbClr val="000066"/>
+                </a:solidFill>
+              </a:rPr>
+              <a:t>Thơ</a:t>
+            </a:r>
+            <a:endParaRPr lang="en-US" altLang="en-US" sz="1200" b="1" i="1">
+              <a:solidFill>
+                <a:srgbClr val="000066"/>
+              </a:solidFill>
+            </a:endParaRPr>
+          </a:p>
+        </p:txBody>
+      </p:sp>
+    </p:spTree>
+    <p:extLst>
+      <p:ext uri="{BB962C8B-B14F-4D97-AF65-F5344CB8AC3E}">
+        <p14:creationId xmlns:p14="http://schemas.microsoft.com/office/powerpoint/2010/main" val="3687660515"/>
+      </p:ext>
+    </p:extLst>
+  </p:cSld>
+  <p:clrMapOvr>
+    <a:masterClrMapping/>
+  </p:clrMapOvr>
+  <p:timing>
+    <p:tnLst>
+      <p:par>
+        <p:cTn id="1" dur="indefinite" restart="never" nodeType="tmRoot"/>
+      </p:par>
+    </p:tnLst>
+  </p:timing>
+</p:sld>
+</file>
+
+<file path=ppt/slides/slide20.xml><?xml version="1.0" encoding="utf-8"?>
+<p:sld xmlns:a="http://schemas.openxmlformats.org/drawingml/2006/main" xmlns:r="http://schemas.openxmlformats.org/officeDocument/2006/relationships" xmlns:p="http://schemas.openxmlformats.org/presentationml/2006/main">
+  <p:cSld>
+    <p:spTree>
+      <p:nvGrpSpPr>
+        <p:cNvPr id="1" name=""/>
+        <p:cNvGrpSpPr/>
+        <p:nvPr/>
+      </p:nvGrpSpPr>
+      <p:grpSpPr>
+        <a:xfrm>
+          <a:off x="0" y="0"/>
+          <a:ext cx="0" cy="0"/>
+          <a:chOff x="0" y="0"/>
+          <a:chExt cx="0" cy="0"/>
+        </a:xfrm>
+      </p:grpSpPr>
+      <p:sp>
+        <p:nvSpPr>
+          <p:cNvPr id="25602" name="Rectangle 2">
+            <a:extLst>
+              <a:ext uri="{FF2B5EF4-FFF2-40B4-BE49-F238E27FC236}">
+                <a16:creationId xmlns:a16="http://schemas.microsoft.com/office/drawing/2014/main" id="{D09A8D8C-80F7-440C-BEF1-9EFA4CBAAA33}"/>
+              </a:ext>
+            </a:extLst>
+          </p:cNvPr>
+          <p:cNvSpPr>
+            <a:spLocks noGrp="1" noChangeArrowheads="1"/>
+          </p:cNvSpPr>
+          <p:nvPr>
+            <p:ph type="title"/>
+          </p:nvPr>
+        </p:nvSpPr>
+        <p:spPr/>
+        <p:txBody>
+          <a:bodyPr/>
+          <a:lstStyle/>
+          <a:p>
+            <a:r>
+              <a:rPr lang="en-US" altLang="en-US" smtClean="0"/>
+              <a:t>B. </a:t>
+            </a:r>
+            <a:r>
+              <a:rPr lang="en-US" altLang="en-US" err="1" smtClean="0"/>
+              <a:t>Nội</a:t>
+            </a:r>
+            <a:r>
+              <a:rPr lang="en-US" altLang="en-US" smtClean="0"/>
+              <a:t> dung chính</a:t>
+            </a:r>
+            <a:endParaRPr lang="en-US" altLang="en-US"/>
+          </a:p>
+        </p:txBody>
+      </p:sp>
+      <p:sp>
+        <p:nvSpPr>
+          <p:cNvPr id="25603" name="Rectangle 3">
+            <a:extLst>
+              <a:ext uri="{FF2B5EF4-FFF2-40B4-BE49-F238E27FC236}">
+                <a16:creationId xmlns:a16="http://schemas.microsoft.com/office/drawing/2014/main" id="{2EE127BF-401A-4C36-A14A-872ADB44AB18}"/>
+              </a:ext>
+            </a:extLst>
+          </p:cNvPr>
+          <p:cNvSpPr>
+            <a:spLocks noGrp="1" noChangeArrowheads="1"/>
+          </p:cNvSpPr>
+          <p:nvPr>
+            <p:ph type="body" idx="1"/>
+          </p:nvPr>
+        </p:nvSpPr>
+        <p:spPr>
+          <a:xfrm>
+            <a:off x="762000" y="1600200"/>
+            <a:ext cx="8077200" cy="652462"/>
+          </a:xfrm>
+        </p:spPr>
+        <p:txBody>
+          <a:bodyPr/>
+          <a:lstStyle/>
+          <a:p>
+            <a:pPr marL="0" indent="0">
+              <a:buNone/>
+            </a:pPr>
+            <a:r>
+              <a:rPr lang="en-US" altLang="en-US"/>
+              <a:t>6</a:t>
+            </a:r>
+            <a:r>
+              <a:rPr lang="en-US" altLang="en-US" smtClean="0"/>
+              <a:t>. </a:t>
+            </a:r>
+            <a:r>
+              <a:rPr lang="en-US" altLang="en-US" smtClean="0"/>
+              <a:t>Lưu đồ giải thuật</a:t>
+            </a:r>
+          </a:p>
+        </p:txBody>
+      </p:sp>
+    </p:spTree>
+    <p:extLst>
+      <p:ext uri="{BB962C8B-B14F-4D97-AF65-F5344CB8AC3E}">
+        <p14:creationId xmlns:p14="http://schemas.microsoft.com/office/powerpoint/2010/main" val="2268319538"/>
+      </p:ext>
+    </p:extLst>
+  </p:cSld>
+  <p:clrMapOvr>
+    <a:masterClrMapping/>
+  </p:clrMapOvr>
+  <p:timing>
+    <p:tnLst>
+      <p:par>
+        <p:cTn id="1" dur="indefinite" restart="never" nodeType="tmRoot"/>
+      </p:par>
+    </p:tnLst>
+  </p:timing>
+</p:sld>
+</file>
+
+<file path=ppt/slides/slide21.xml><?xml version="1.0" encoding="utf-8"?>
 <p:sld xmlns:a="http://schemas.openxmlformats.org/drawingml/2006/main" xmlns:r="http://schemas.openxmlformats.org/officeDocument/2006/relationships" xmlns:p="http://schemas.openxmlformats.org/presentationml/2006/main">
   <p:cSld>
     <p:spTree>
@@ -10544,7 +13254,6 @@
               <a:rPr lang="en-US" altLang="en-US" sz="1600" smtClean="0"/>
               <a:t>Lưu đồ giải thuật đăng nhập</a:t>
             </a:r>
-            <a:endParaRPr lang="en-US" altLang="en-US" sz="1600" smtClean="0"/>
           </a:p>
         </p:txBody>
       </p:sp>
@@ -10614,7 +13323,7 @@
 </p:sld>
 </file>
 
-<file path=ppt/slides/slide19.xml><?xml version="1.0" encoding="utf-8"?>
+<file path=ppt/slides/slide22.xml><?xml version="1.0" encoding="utf-8"?>
 <p:sld xmlns:a="http://schemas.openxmlformats.org/drawingml/2006/main" xmlns:r="http://schemas.openxmlformats.org/officeDocument/2006/relationships" xmlns:p="http://schemas.openxmlformats.org/presentationml/2006/main">
   <p:cSld>
     <p:spTree>
@@ -10932,7 +13641,6 @@
               <a:rPr lang="en-US" altLang="en-US" sz="1600" smtClean="0"/>
               <a:t>Lưu đồ giải thuật thêm dữ liệu</a:t>
             </a:r>
-            <a:endParaRPr lang="en-US" altLang="en-US" sz="1600" smtClean="0"/>
           </a:p>
         </p:txBody>
       </p:sp>
@@ -10940,1031 +13648,6 @@
     <p:extLst>
       <p:ext uri="{BB962C8B-B14F-4D97-AF65-F5344CB8AC3E}">
         <p14:creationId xmlns:p14="http://schemas.microsoft.com/office/powerpoint/2010/main" val="2704136758"/>
-      </p:ext>
-    </p:extLst>
-  </p:cSld>
-  <p:clrMapOvr>
-    <a:masterClrMapping/>
-  </p:clrMapOvr>
-  <p:timing>
-    <p:tnLst>
-      <p:par>
-        <p:cTn id="1" dur="indefinite" restart="never" nodeType="tmRoot"/>
-      </p:par>
-    </p:tnLst>
-  </p:timing>
-</p:sld>
-</file>
-
-<file path=ppt/slides/slide2.xml><?xml version="1.0" encoding="utf-8"?>
-<p:sld xmlns:a="http://schemas.openxmlformats.org/drawingml/2006/main" xmlns:r="http://schemas.openxmlformats.org/officeDocument/2006/relationships" xmlns:p="http://schemas.openxmlformats.org/presentationml/2006/main" showMasterSp="0">
-  <p:cSld>
-    <p:bg>
-      <p:bgPr>
-        <a:blipFill dpi="0" rotWithShape="0">
-          <a:blip r:embed="rId2"/>
-          <a:srcRect/>
-          <a:stretch>
-            <a:fillRect/>
-          </a:stretch>
-        </a:blipFill>
-        <a:effectLst/>
-      </p:bgPr>
-    </p:bg>
-    <p:spTree>
-      <p:nvGrpSpPr>
-        <p:cNvPr id="1" name=""/>
-        <p:cNvGrpSpPr/>
-        <p:nvPr/>
-      </p:nvGrpSpPr>
-      <p:grpSpPr>
-        <a:xfrm>
-          <a:off x="0" y="0"/>
-          <a:ext cx="0" cy="0"/>
-          <a:chOff x="0" y="0"/>
-          <a:chExt cx="0" cy="0"/>
-        </a:xfrm>
-      </p:grpSpPr>
-      <p:sp>
-        <p:nvSpPr>
-          <p:cNvPr id="2050" name="Rectangle 2">
-            <a:extLst>
-              <a:ext uri="{FF2B5EF4-FFF2-40B4-BE49-F238E27FC236}">
-                <a16:creationId xmlns:a16="http://schemas.microsoft.com/office/drawing/2014/main" id="{1CDA1651-B184-4C83-9729-35D701BE495A}"/>
-              </a:ext>
-            </a:extLst>
-          </p:cNvPr>
-          <p:cNvSpPr>
-            <a:spLocks noGrp="1" noChangeArrowheads="1"/>
-          </p:cNvSpPr>
-          <p:nvPr>
-            <p:ph type="ctrTitle"/>
-          </p:nvPr>
-        </p:nvSpPr>
-        <p:spPr>
-          <a:xfrm>
-            <a:off x="685800" y="762000"/>
-            <a:ext cx="7772400" cy="1470025"/>
-          </a:xfrm>
-        </p:spPr>
-        <p:txBody>
-          <a:bodyPr/>
-          <a:lstStyle/>
-          <a:p>
-            <a:pPr algn="ctr"/>
-            <a:r>
-              <a:rPr lang="en-US" altLang="en-US" smtClean="0"/>
-              <a:t>NỘI DUNG</a:t>
-            </a:r>
-            <a:endParaRPr lang="en-US" altLang="en-US"/>
-          </a:p>
-        </p:txBody>
-      </p:sp>
-      <p:sp>
-        <p:nvSpPr>
-          <p:cNvPr id="2051" name="Rectangle 3">
-            <a:extLst>
-              <a:ext uri="{FF2B5EF4-FFF2-40B4-BE49-F238E27FC236}">
-                <a16:creationId xmlns:a16="http://schemas.microsoft.com/office/drawing/2014/main" id="{80E355BD-3478-446D-BADE-5B579DF2FF15}"/>
-              </a:ext>
-            </a:extLst>
-          </p:cNvPr>
-          <p:cNvSpPr>
-            <a:spLocks noGrp="1" noChangeArrowheads="1"/>
-          </p:cNvSpPr>
-          <p:nvPr>
-            <p:ph type="subTitle" idx="1"/>
-          </p:nvPr>
-        </p:nvSpPr>
-        <p:spPr>
-          <a:xfrm>
-            <a:off x="1028700" y="2057400"/>
-            <a:ext cx="7086600" cy="2743200"/>
-          </a:xfrm>
-        </p:spPr>
-        <p:txBody>
-          <a:bodyPr/>
-          <a:lstStyle/>
-          <a:p>
-            <a:pPr marL="514350" indent="-514350" algn="l">
-              <a:buFont typeface="+mj-lt"/>
-              <a:buAutoNum type="alphaUcPeriod"/>
-            </a:pPr>
-            <a:r>
-              <a:rPr lang="en-US" altLang="en-US" err="1" smtClean="0"/>
-              <a:t>Giới</a:t>
-            </a:r>
-            <a:r>
-              <a:rPr lang="en-US" altLang="en-US" smtClean="0"/>
-              <a:t> thiệu tổng quan</a:t>
-            </a:r>
-          </a:p>
-          <a:p>
-            <a:pPr marL="514350" indent="-514350" algn="l">
-              <a:buFont typeface="+mj-lt"/>
-              <a:buAutoNum type="alphaUcPeriod"/>
-            </a:pPr>
-            <a:r>
-              <a:rPr lang="en-US" altLang="en-US" err="1" smtClean="0"/>
-              <a:t>Nội</a:t>
-            </a:r>
-            <a:r>
-              <a:rPr lang="en-US" altLang="en-US" smtClean="0"/>
-              <a:t> dung chính</a:t>
-            </a:r>
-          </a:p>
-          <a:p>
-            <a:pPr marL="514350" indent="-514350" algn="l">
-              <a:buFont typeface="+mj-lt"/>
-              <a:buAutoNum type="alphaUcPeriod"/>
-            </a:pPr>
-            <a:r>
-              <a:rPr lang="en-US" altLang="en-US" err="1" smtClean="0"/>
-              <a:t>Kết</a:t>
-            </a:r>
-            <a:r>
-              <a:rPr lang="en-US" altLang="en-US" smtClean="0"/>
-              <a:t> </a:t>
-            </a:r>
-            <a:r>
-              <a:rPr lang="en-US" altLang="en-US" err="1" smtClean="0"/>
-              <a:t>luận</a:t>
-            </a:r>
-            <a:r>
-              <a:rPr lang="en-US" altLang="en-US" smtClean="0"/>
-              <a:t> </a:t>
-            </a:r>
-            <a:r>
-              <a:rPr lang="en-US" altLang="en-US" err="1" smtClean="0"/>
-              <a:t>và</a:t>
-            </a:r>
-            <a:r>
-              <a:rPr lang="en-US" altLang="en-US" smtClean="0"/>
-              <a:t> </a:t>
-            </a:r>
-            <a:r>
-              <a:rPr lang="en-US" altLang="en-US" err="1" smtClean="0"/>
-              <a:t>hướng</a:t>
-            </a:r>
-            <a:r>
-              <a:rPr lang="en-US" altLang="en-US" smtClean="0"/>
-              <a:t> </a:t>
-            </a:r>
-            <a:r>
-              <a:rPr lang="en-US" altLang="en-US" err="1" smtClean="0"/>
-              <a:t>phát</a:t>
-            </a:r>
-            <a:r>
-              <a:rPr lang="en-US" altLang="en-US" smtClean="0"/>
-              <a:t> </a:t>
-            </a:r>
-            <a:r>
-              <a:rPr lang="en-US" altLang="en-US" err="1" smtClean="0"/>
-              <a:t>triển</a:t>
-            </a:r>
-            <a:endParaRPr lang="en-US" altLang="en-US" smtClean="0"/>
-          </a:p>
-          <a:p>
-            <a:pPr marL="514350" indent="-514350" algn="l">
-              <a:buFont typeface="+mj-lt"/>
-              <a:buAutoNum type="alphaUcPeriod"/>
-            </a:pPr>
-            <a:r>
-              <a:rPr lang="en-US" altLang="en-US" smtClean="0"/>
-              <a:t>Demo</a:t>
-            </a:r>
-          </a:p>
-        </p:txBody>
-      </p:sp>
-      <p:sp>
-        <p:nvSpPr>
-          <p:cNvPr id="2053" name="Text Box 5">
-            <a:extLst>
-              <a:ext uri="{FF2B5EF4-FFF2-40B4-BE49-F238E27FC236}">
-                <a16:creationId xmlns:a16="http://schemas.microsoft.com/office/drawing/2014/main" id="{3D1CE68C-65F7-4C8C-AB01-78D31225A9F1}"/>
-              </a:ext>
-            </a:extLst>
-          </p:cNvPr>
-          <p:cNvSpPr txBox="1">
-            <a:spLocks noChangeArrowheads="1"/>
-          </p:cNvSpPr>
-          <p:nvPr/>
-        </p:nvSpPr>
-        <p:spPr bwMode="auto">
-          <a:xfrm>
-            <a:off x="609600" y="6430963"/>
-            <a:ext cx="3505200" cy="274637"/>
-          </a:xfrm>
-          <a:prstGeom prst="rect">
-            <a:avLst/>
-          </a:prstGeom>
-          <a:noFill/>
-          <a:ln>
-            <a:noFill/>
-          </a:ln>
-          <a:effectLst/>
-          <a:extLst>
-            <a:ext uri="{909E8E84-426E-40DD-AFC4-6F175D3DCCD1}">
-              <a14:hiddenFill xmlns:a14="http://schemas.microsoft.com/office/drawing/2010/main">
-                <a:solidFill>
-                  <a:schemeClr val="accent1"/>
-                </a:solidFill>
-              </a14:hiddenFill>
-            </a:ext>
-            <a:ext uri="{91240B29-F687-4F45-9708-019B960494DF}">
-              <a14:hiddenLine xmlns:a14="http://schemas.microsoft.com/office/drawing/2010/main" w="9525">
-                <a:solidFill>
-                  <a:schemeClr val="tx1"/>
-                </a:solidFill>
-                <a:miter lim="800000"/>
-                <a:headEnd/>
-                <a:tailEnd/>
-              </a14:hiddenLine>
-            </a:ext>
-            <a:ext uri="{AF507438-7753-43E0-B8FC-AC1667EBCBE1}">
-              <a14:hiddenEffects xmlns:a14="http://schemas.microsoft.com/office/drawing/2010/main">
-                <a:effectLst>
-                  <a:outerShdw dist="35921" dir="2700000" algn="ctr" rotWithShape="0">
-                    <a:schemeClr val="bg2"/>
-                  </a:outerShdw>
-                </a:effectLst>
-              </a14:hiddenEffects>
-            </a:ext>
-          </a:extLst>
-        </p:spPr>
-        <p:txBody>
-          <a:bodyPr>
-            <a:spAutoFit/>
-          </a:bodyPr>
-          <a:lstStyle/>
-          <a:p>
-            <a:pPr>
-              <a:spcBef>
-                <a:spcPct val="50000"/>
-              </a:spcBef>
-            </a:pPr>
-            <a:r>
-              <a:rPr lang="en-US" altLang="en-US" sz="1200" b="1" i="1" smtClean="0">
-                <a:solidFill>
-                  <a:srgbClr val="000066"/>
-                </a:solidFill>
-              </a:rPr>
-              <a:t>CNPM – </a:t>
-            </a:r>
-            <a:r>
-              <a:rPr lang="en-US" altLang="en-US" sz="1200" b="1" i="1" err="1" smtClean="0">
-                <a:solidFill>
-                  <a:srgbClr val="000066"/>
-                </a:solidFill>
-              </a:rPr>
-              <a:t>Đại</a:t>
-            </a:r>
-            <a:r>
-              <a:rPr lang="en-US" altLang="en-US" sz="1200" b="1" i="1" smtClean="0">
-                <a:solidFill>
-                  <a:srgbClr val="000066"/>
-                </a:solidFill>
-              </a:rPr>
-              <a:t> </a:t>
-            </a:r>
-            <a:r>
-              <a:rPr lang="en-US" altLang="en-US" sz="1200" b="1" i="1" err="1" smtClean="0">
-                <a:solidFill>
-                  <a:srgbClr val="000066"/>
-                </a:solidFill>
-              </a:rPr>
-              <a:t>học</a:t>
-            </a:r>
-            <a:r>
-              <a:rPr lang="en-US" altLang="en-US" sz="1200" b="1" i="1" smtClean="0">
-                <a:solidFill>
-                  <a:srgbClr val="000066"/>
-                </a:solidFill>
-              </a:rPr>
-              <a:t> </a:t>
-            </a:r>
-            <a:r>
-              <a:rPr lang="en-US" altLang="en-US" sz="1200" b="1" i="1" err="1" smtClean="0">
-                <a:solidFill>
-                  <a:srgbClr val="000066"/>
-                </a:solidFill>
-              </a:rPr>
-              <a:t>Cần</a:t>
-            </a:r>
-            <a:r>
-              <a:rPr lang="en-US" altLang="en-US" sz="1200" b="1" i="1" smtClean="0">
-                <a:solidFill>
-                  <a:srgbClr val="000066"/>
-                </a:solidFill>
-              </a:rPr>
-              <a:t> </a:t>
-            </a:r>
-            <a:r>
-              <a:rPr lang="en-US" altLang="en-US" sz="1200" b="1" i="1" err="1" smtClean="0">
-                <a:solidFill>
-                  <a:srgbClr val="000066"/>
-                </a:solidFill>
-              </a:rPr>
-              <a:t>Thơ</a:t>
-            </a:r>
-            <a:endParaRPr lang="en-US" altLang="en-US" sz="1200" b="1" i="1">
-              <a:solidFill>
-                <a:srgbClr val="000066"/>
-              </a:solidFill>
-            </a:endParaRPr>
-          </a:p>
-        </p:txBody>
-      </p:sp>
-    </p:spTree>
-    <p:extLst>
-      <p:ext uri="{BB962C8B-B14F-4D97-AF65-F5344CB8AC3E}">
-        <p14:creationId xmlns:p14="http://schemas.microsoft.com/office/powerpoint/2010/main" val="3687660515"/>
-      </p:ext>
-    </p:extLst>
-  </p:cSld>
-  <p:clrMapOvr>
-    <a:masterClrMapping/>
-  </p:clrMapOvr>
-  <p:timing>
-    <p:tnLst>
-      <p:par>
-        <p:cTn id="1" dur="indefinite" restart="never" nodeType="tmRoot"/>
-      </p:par>
-    </p:tnLst>
-  </p:timing>
-</p:sld>
-</file>
-
-<file path=ppt/slides/slide20.xml><?xml version="1.0" encoding="utf-8"?>
-<p:sld xmlns:a="http://schemas.openxmlformats.org/drawingml/2006/main" xmlns:r="http://schemas.openxmlformats.org/officeDocument/2006/relationships" xmlns:p="http://schemas.openxmlformats.org/presentationml/2006/main">
-  <p:cSld>
-    <p:spTree>
-      <p:nvGrpSpPr>
-        <p:cNvPr id="1" name=""/>
-        <p:cNvGrpSpPr/>
-        <p:nvPr/>
-      </p:nvGrpSpPr>
-      <p:grpSpPr>
-        <a:xfrm>
-          <a:off x="0" y="0"/>
-          <a:ext cx="0" cy="0"/>
-          <a:chOff x="0" y="0"/>
-          <a:chExt cx="0" cy="0"/>
-        </a:xfrm>
-      </p:grpSpPr>
-      <p:sp>
-        <p:nvSpPr>
-          <p:cNvPr id="25602" name="Rectangle 2">
-            <a:extLst>
-              <a:ext uri="{FF2B5EF4-FFF2-40B4-BE49-F238E27FC236}">
-                <a16:creationId xmlns:a16="http://schemas.microsoft.com/office/drawing/2014/main" id="{D09A8D8C-80F7-440C-BEF1-9EFA4CBAAA33}"/>
-              </a:ext>
-            </a:extLst>
-          </p:cNvPr>
-          <p:cNvSpPr>
-            <a:spLocks noGrp="1" noChangeArrowheads="1"/>
-          </p:cNvSpPr>
-          <p:nvPr>
-            <p:ph type="title"/>
-          </p:nvPr>
-        </p:nvSpPr>
-        <p:spPr/>
-        <p:txBody>
-          <a:bodyPr/>
-          <a:lstStyle/>
-          <a:p>
-            <a:r>
-              <a:rPr lang="en-US" altLang="en-US" smtClean="0"/>
-              <a:t>C. Kết luận và hướng phát triển</a:t>
-            </a:r>
-            <a:endParaRPr lang="en-US" altLang="en-US"/>
-          </a:p>
-        </p:txBody>
-      </p:sp>
-      <p:sp>
-        <p:nvSpPr>
-          <p:cNvPr id="25603" name="Rectangle 3">
-            <a:extLst>
-              <a:ext uri="{FF2B5EF4-FFF2-40B4-BE49-F238E27FC236}">
-                <a16:creationId xmlns:a16="http://schemas.microsoft.com/office/drawing/2014/main" id="{2EE127BF-401A-4C36-A14A-872ADB44AB18}"/>
-              </a:ext>
-            </a:extLst>
-          </p:cNvPr>
-          <p:cNvSpPr>
-            <a:spLocks noGrp="1" noChangeArrowheads="1"/>
-          </p:cNvSpPr>
-          <p:nvPr>
-            <p:ph type="body" idx="1"/>
-          </p:nvPr>
-        </p:nvSpPr>
-        <p:spPr>
-          <a:xfrm>
-            <a:off x="762000" y="1633538"/>
-            <a:ext cx="8077200" cy="576262"/>
-          </a:xfrm>
-        </p:spPr>
-        <p:txBody>
-          <a:bodyPr/>
-          <a:lstStyle/>
-          <a:p>
-            <a:pPr marL="514350" indent="-514350">
-              <a:buFont typeface="+mj-lt"/>
-              <a:buAutoNum type="arabicPeriod"/>
-            </a:pPr>
-            <a:r>
-              <a:rPr lang="en-US" altLang="en-US" smtClean="0"/>
-              <a:t>Kết luận</a:t>
-            </a:r>
-            <a:endParaRPr lang="en-US" altLang="en-US"/>
-          </a:p>
-        </p:txBody>
-      </p:sp>
-      <p:sp>
-        <p:nvSpPr>
-          <p:cNvPr id="3" name="TextBox 2"/>
-          <p:cNvSpPr txBox="1"/>
-          <p:nvPr/>
-        </p:nvSpPr>
-        <p:spPr>
-          <a:xfrm>
-            <a:off x="1066800" y="2209800"/>
-            <a:ext cx="7467600" cy="3416320"/>
-          </a:xfrm>
-          <a:prstGeom prst="rect">
-            <a:avLst/>
-          </a:prstGeom>
-          <a:noFill/>
-        </p:spPr>
-        <p:txBody>
-          <a:bodyPr wrap="square" rtlCol="0">
-            <a:spAutoFit/>
-          </a:bodyPr>
-          <a:lstStyle/>
-          <a:p>
-            <a:pPr marL="285750" indent="-285750">
-              <a:buFont typeface="Wingdings" panose="05000000000000000000" pitchFamily="2" charset="2"/>
-              <a:buChar char="ü"/>
-            </a:pPr>
-            <a:r>
-              <a:rPr lang="en-US" smtClean="0"/>
-              <a:t>Hệ thống đáp ứng đầy đủ các chức năng cho từng người dùng.</a:t>
-            </a:r>
-          </a:p>
-          <a:p>
-            <a:pPr marL="285750" indent="-285750">
-              <a:buFont typeface="Wingdings" panose="05000000000000000000" pitchFamily="2" charset="2"/>
-              <a:buChar char="ü"/>
-            </a:pPr>
-            <a:endParaRPr lang="en-US" smtClean="0"/>
-          </a:p>
-          <a:p>
-            <a:pPr marL="285750" indent="-285750">
-              <a:buFont typeface="Wingdings" panose="05000000000000000000" pitchFamily="2" charset="2"/>
-              <a:buChar char="ü"/>
-            </a:pPr>
-            <a:r>
-              <a:rPr lang="en-US" smtClean="0"/>
-              <a:t>Giao diện dể sử dụng.</a:t>
-            </a:r>
-          </a:p>
-          <a:p>
-            <a:pPr marL="285750" indent="-285750">
-              <a:buFont typeface="Wingdings" panose="05000000000000000000" pitchFamily="2" charset="2"/>
-              <a:buChar char="ü"/>
-            </a:pPr>
-            <a:endParaRPr lang="en-US" smtClean="0"/>
-          </a:p>
-          <a:p>
-            <a:pPr marL="285750" indent="-285750">
-              <a:buFont typeface="Wingdings" panose="05000000000000000000" pitchFamily="2" charset="2"/>
-              <a:buChar char="ü"/>
-            </a:pPr>
-            <a:r>
-              <a:rPr lang="en-US" smtClean="0"/>
-              <a:t>Xây dựng được một hệ thống tiện lợi cho doanh nghiệp cũng như nhu cầu của khách hàng.</a:t>
-            </a:r>
-          </a:p>
-          <a:p>
-            <a:pPr marL="285750" indent="-285750">
-              <a:buFont typeface="Wingdings" panose="05000000000000000000" pitchFamily="2" charset="2"/>
-              <a:buChar char="ü"/>
-            </a:pPr>
-            <a:endParaRPr lang="en-US" smtClean="0"/>
-          </a:p>
-          <a:p>
-            <a:pPr marL="285750" indent="-285750">
-              <a:buFont typeface="Wingdings" panose="05000000000000000000" pitchFamily="2" charset="2"/>
-              <a:buChar char="ü"/>
-            </a:pPr>
-            <a:r>
-              <a:rPr lang="en-US" smtClean="0"/>
-              <a:t>Doanh nghiệp giảm chi phí  cho hoạt động kinh doanh.</a:t>
-            </a:r>
-          </a:p>
-          <a:p>
-            <a:pPr marL="285750" indent="-285750">
-              <a:buFont typeface="Wingdings" panose="05000000000000000000" pitchFamily="2" charset="2"/>
-              <a:buChar char="ü"/>
-            </a:pPr>
-            <a:endParaRPr lang="en-US" smtClean="0"/>
-          </a:p>
-          <a:p>
-            <a:pPr marL="285750" indent="-285750">
-              <a:buFont typeface="Wingdings" panose="05000000000000000000" pitchFamily="2" charset="2"/>
-              <a:buChar char="ü"/>
-            </a:pPr>
-            <a:r>
-              <a:rPr lang="en-US" smtClean="0"/>
-              <a:t>Khách hàng thì giảm chi phí đi lại mà được mua sản phẩm đúng với mong muốn mà không cần đến cửa hàng.</a:t>
-            </a:r>
-          </a:p>
-          <a:p>
-            <a:endParaRPr lang="en-US"/>
-          </a:p>
-        </p:txBody>
-      </p:sp>
-    </p:spTree>
-    <p:extLst>
-      <p:ext uri="{BB962C8B-B14F-4D97-AF65-F5344CB8AC3E}">
-        <p14:creationId xmlns:p14="http://schemas.microsoft.com/office/powerpoint/2010/main" val="2757833180"/>
-      </p:ext>
-    </p:extLst>
-  </p:cSld>
-  <p:clrMapOvr>
-    <a:masterClrMapping/>
-  </p:clrMapOvr>
-  <p:timing>
-    <p:tnLst>
-      <p:par>
-        <p:cTn id="1" dur="indefinite" restart="never" nodeType="tmRoot"/>
-      </p:par>
-    </p:tnLst>
-  </p:timing>
-</p:sld>
-</file>
-
-<file path=ppt/slides/slide21.xml><?xml version="1.0" encoding="utf-8"?>
-<p:sld xmlns:a="http://schemas.openxmlformats.org/drawingml/2006/main" xmlns:r="http://schemas.openxmlformats.org/officeDocument/2006/relationships" xmlns:p="http://schemas.openxmlformats.org/presentationml/2006/main">
-  <p:cSld>
-    <p:spTree>
-      <p:nvGrpSpPr>
-        <p:cNvPr id="1" name=""/>
-        <p:cNvGrpSpPr/>
-        <p:nvPr/>
-      </p:nvGrpSpPr>
-      <p:grpSpPr>
-        <a:xfrm>
-          <a:off x="0" y="0"/>
-          <a:ext cx="0" cy="0"/>
-          <a:chOff x="0" y="0"/>
-          <a:chExt cx="0" cy="0"/>
-        </a:xfrm>
-      </p:grpSpPr>
-      <p:sp>
-        <p:nvSpPr>
-          <p:cNvPr id="25602" name="Rectangle 2">
-            <a:extLst>
-              <a:ext uri="{FF2B5EF4-FFF2-40B4-BE49-F238E27FC236}">
-                <a16:creationId xmlns:a16="http://schemas.microsoft.com/office/drawing/2014/main" id="{D09A8D8C-80F7-440C-BEF1-9EFA4CBAAA33}"/>
-              </a:ext>
-            </a:extLst>
-          </p:cNvPr>
-          <p:cNvSpPr>
-            <a:spLocks noGrp="1" noChangeArrowheads="1"/>
-          </p:cNvSpPr>
-          <p:nvPr>
-            <p:ph type="title"/>
-          </p:nvPr>
-        </p:nvSpPr>
-        <p:spPr/>
-        <p:txBody>
-          <a:bodyPr/>
-          <a:lstStyle/>
-          <a:p>
-            <a:r>
-              <a:rPr lang="en-US" altLang="en-US" smtClean="0"/>
-              <a:t>C. Kết luận và hướng phát triển</a:t>
-            </a:r>
-            <a:endParaRPr lang="en-US" altLang="en-US"/>
-          </a:p>
-        </p:txBody>
-      </p:sp>
-      <p:sp>
-        <p:nvSpPr>
-          <p:cNvPr id="25603" name="Rectangle 3">
-            <a:extLst>
-              <a:ext uri="{FF2B5EF4-FFF2-40B4-BE49-F238E27FC236}">
-                <a16:creationId xmlns:a16="http://schemas.microsoft.com/office/drawing/2014/main" id="{2EE127BF-401A-4C36-A14A-872ADB44AB18}"/>
-              </a:ext>
-            </a:extLst>
-          </p:cNvPr>
-          <p:cNvSpPr>
-            <a:spLocks noGrp="1" noChangeArrowheads="1"/>
-          </p:cNvSpPr>
-          <p:nvPr>
-            <p:ph type="body" idx="1"/>
-          </p:nvPr>
-        </p:nvSpPr>
-        <p:spPr>
-          <a:xfrm>
-            <a:off x="762000" y="1633538"/>
-            <a:ext cx="8077200" cy="576262"/>
-          </a:xfrm>
-        </p:spPr>
-        <p:txBody>
-          <a:bodyPr/>
-          <a:lstStyle/>
-          <a:p>
-            <a:pPr marL="0" indent="0">
-              <a:buNone/>
-            </a:pPr>
-            <a:r>
-              <a:rPr lang="en-US" altLang="en-US" smtClean="0"/>
-              <a:t>2. Hướng phát triển</a:t>
-            </a:r>
-          </a:p>
-          <a:p>
-            <a:pPr>
-              <a:buFont typeface="Wingdings" panose="05000000000000000000" pitchFamily="2" charset="2"/>
-              <a:buChar char="ü"/>
-            </a:pPr>
-            <a:endParaRPr lang="en-US" altLang="en-US"/>
-          </a:p>
-        </p:txBody>
-      </p:sp>
-      <p:sp>
-        <p:nvSpPr>
-          <p:cNvPr id="2" name="TextBox 1"/>
-          <p:cNvSpPr txBox="1"/>
-          <p:nvPr/>
-        </p:nvSpPr>
-        <p:spPr>
-          <a:xfrm>
-            <a:off x="914400" y="2438400"/>
-            <a:ext cx="7467600" cy="1200329"/>
-          </a:xfrm>
-          <a:prstGeom prst="rect">
-            <a:avLst/>
-          </a:prstGeom>
-          <a:noFill/>
-        </p:spPr>
-        <p:txBody>
-          <a:bodyPr wrap="square" rtlCol="0">
-            <a:spAutoFit/>
-          </a:bodyPr>
-          <a:lstStyle/>
-          <a:p>
-            <a:pPr marL="285750" indent="-285750">
-              <a:buFont typeface="Wingdings" panose="05000000000000000000" pitchFamily="2" charset="2"/>
-              <a:buChar char="ü"/>
-            </a:pPr>
-            <a:r>
-              <a:rPr lang="en-US" smtClean="0"/>
-              <a:t>Mở rộng thêm chức năng và có thêm nhiều người dùng trong hệ thống hơn.</a:t>
-            </a:r>
-          </a:p>
-          <a:p>
-            <a:pPr marL="285750" indent="-285750">
-              <a:buFont typeface="Wingdings" panose="05000000000000000000" pitchFamily="2" charset="2"/>
-              <a:buChar char="ü"/>
-            </a:pPr>
-            <a:r>
-              <a:rPr lang="en-US" smtClean="0"/>
-              <a:t>Làm cho hệ thống ngày càng dể sử dụng hơn.</a:t>
-            </a:r>
-          </a:p>
-          <a:p>
-            <a:pPr marL="285750" indent="-285750">
-              <a:buFont typeface="Wingdings" panose="05000000000000000000" pitchFamily="2" charset="2"/>
-              <a:buChar char="ü"/>
-            </a:pPr>
-            <a:endParaRPr lang="en-US" smtClean="0"/>
-          </a:p>
-        </p:txBody>
-      </p:sp>
-    </p:spTree>
-    <p:extLst>
-      <p:ext uri="{BB962C8B-B14F-4D97-AF65-F5344CB8AC3E}">
-        <p14:creationId xmlns:p14="http://schemas.microsoft.com/office/powerpoint/2010/main" val="1795776473"/>
-      </p:ext>
-    </p:extLst>
-  </p:cSld>
-  <p:clrMapOvr>
-    <a:masterClrMapping/>
-  </p:clrMapOvr>
-  <p:timing>
-    <p:tnLst>
-      <p:par>
-        <p:cTn id="1" dur="indefinite" restart="never" nodeType="tmRoot"/>
-      </p:par>
-    </p:tnLst>
-  </p:timing>
-</p:sld>
-</file>
-
-<file path=ppt/slides/slide22.xml><?xml version="1.0" encoding="utf-8"?>
-<p:sld xmlns:a="http://schemas.openxmlformats.org/drawingml/2006/main" xmlns:r="http://schemas.openxmlformats.org/officeDocument/2006/relationships" xmlns:p="http://schemas.openxmlformats.org/presentationml/2006/main">
-  <p:cSld>
-    <p:spTree>
-      <p:nvGrpSpPr>
-        <p:cNvPr id="1" name=""/>
-        <p:cNvGrpSpPr/>
-        <p:nvPr/>
-      </p:nvGrpSpPr>
-      <p:grpSpPr>
-        <a:xfrm>
-          <a:off x="0" y="0"/>
-          <a:ext cx="0" cy="0"/>
-          <a:chOff x="0" y="0"/>
-          <a:chExt cx="0" cy="0"/>
-        </a:xfrm>
-      </p:grpSpPr>
-      <p:sp>
-        <p:nvSpPr>
-          <p:cNvPr id="25602" name="Rectangle 2">
-            <a:extLst>
-              <a:ext uri="{FF2B5EF4-FFF2-40B4-BE49-F238E27FC236}">
-                <a16:creationId xmlns:a16="http://schemas.microsoft.com/office/drawing/2014/main" id="{D09A8D8C-80F7-440C-BEF1-9EFA4CBAAA33}"/>
-              </a:ext>
-            </a:extLst>
-          </p:cNvPr>
-          <p:cNvSpPr>
-            <a:spLocks noGrp="1" noChangeArrowheads="1"/>
-          </p:cNvSpPr>
-          <p:nvPr>
-            <p:ph type="title"/>
-          </p:nvPr>
-        </p:nvSpPr>
-        <p:spPr/>
-        <p:txBody>
-          <a:bodyPr/>
-          <a:lstStyle/>
-          <a:p>
-            <a:r>
-              <a:rPr lang="en-US" altLang="en-US" smtClean="0"/>
-              <a:t>D</a:t>
-            </a:r>
-            <a:r>
-              <a:rPr lang="en-US" altLang="en-US"/>
-              <a:t>.</a:t>
-            </a:r>
-            <a:r>
-              <a:rPr lang="en-US" altLang="en-US" smtClean="0"/>
-              <a:t> Demo</a:t>
-            </a:r>
-            <a:endParaRPr lang="en-US" altLang="en-US"/>
-          </a:p>
-        </p:txBody>
-      </p:sp>
-      <p:sp>
-        <p:nvSpPr>
-          <p:cNvPr id="25603" name="Rectangle 3">
-            <a:extLst>
-              <a:ext uri="{FF2B5EF4-FFF2-40B4-BE49-F238E27FC236}">
-                <a16:creationId xmlns:a16="http://schemas.microsoft.com/office/drawing/2014/main" id="{2EE127BF-401A-4C36-A14A-872ADB44AB18}"/>
-              </a:ext>
-            </a:extLst>
-          </p:cNvPr>
-          <p:cNvSpPr>
-            <a:spLocks noGrp="1" noChangeArrowheads="1"/>
-          </p:cNvSpPr>
-          <p:nvPr>
-            <p:ph type="body" idx="1"/>
-          </p:nvPr>
-        </p:nvSpPr>
-        <p:spPr>
-          <a:xfrm>
-            <a:off x="762000" y="1633538"/>
-            <a:ext cx="8077200" cy="4767262"/>
-          </a:xfrm>
-        </p:spPr>
-        <p:txBody>
-          <a:bodyPr/>
-          <a:lstStyle/>
-          <a:p>
-            <a:r>
-              <a:rPr lang="en-US" altLang="en-US" err="1" smtClean="0"/>
-              <a:t>Các</a:t>
-            </a:r>
-            <a:r>
-              <a:rPr lang="en-US" altLang="en-US" smtClean="0"/>
-              <a:t> </a:t>
-            </a:r>
-            <a:r>
-              <a:rPr lang="en-US" altLang="en-US" err="1" smtClean="0"/>
-              <a:t>chức</a:t>
-            </a:r>
-            <a:r>
-              <a:rPr lang="en-US" altLang="en-US" smtClean="0"/>
-              <a:t> </a:t>
-            </a:r>
-            <a:r>
-              <a:rPr lang="en-US" altLang="en-US" err="1" smtClean="0"/>
-              <a:t>năng</a:t>
-            </a:r>
-            <a:r>
-              <a:rPr lang="en-US" altLang="en-US" smtClean="0"/>
-              <a:t> demo</a:t>
-            </a:r>
-          </a:p>
-          <a:p>
-            <a:pPr marL="514350" indent="-514350">
-              <a:buFont typeface="+mj-lt"/>
-              <a:buAutoNum type="arabicPeriod"/>
-            </a:pPr>
-            <a:r>
-              <a:rPr lang="en-US" altLang="en-US" err="1" smtClean="0"/>
-              <a:t>Đăng</a:t>
-            </a:r>
-            <a:r>
-              <a:rPr lang="en-US" altLang="en-US" smtClean="0"/>
-              <a:t> </a:t>
-            </a:r>
-            <a:r>
-              <a:rPr lang="en-US" altLang="en-US" err="1" smtClean="0"/>
-              <a:t>ký</a:t>
-            </a:r>
-            <a:r>
-              <a:rPr lang="en-US" altLang="en-US" smtClean="0"/>
-              <a:t> </a:t>
-            </a:r>
-            <a:r>
-              <a:rPr lang="en-US" altLang="en-US" err="1" smtClean="0"/>
-              <a:t>tài</a:t>
-            </a:r>
-            <a:r>
-              <a:rPr lang="en-US" altLang="en-US" smtClean="0"/>
-              <a:t> khoản </a:t>
-            </a:r>
-            <a:r>
-              <a:rPr lang="en-US" altLang="en-US" sz="1400" smtClean="0"/>
-              <a:t>( tài khoản gian hàng &amp; tài khoản thông thường )</a:t>
-            </a:r>
-          </a:p>
-          <a:p>
-            <a:pPr marL="514350" indent="-514350">
-              <a:buFont typeface="+mj-lt"/>
-              <a:buAutoNum type="arabicPeriod"/>
-            </a:pPr>
-            <a:r>
-              <a:rPr lang="en-US" altLang="en-US" err="1" smtClean="0"/>
-              <a:t>Đặt</a:t>
-            </a:r>
-            <a:r>
-              <a:rPr lang="en-US" altLang="en-US" smtClean="0"/>
-              <a:t> </a:t>
-            </a:r>
-            <a:r>
-              <a:rPr lang="en-US" altLang="en-US" err="1" smtClean="0"/>
-              <a:t>hàng</a:t>
-            </a:r>
-            <a:endParaRPr lang="en-US" altLang="en-US" smtClean="0"/>
-          </a:p>
-          <a:p>
-            <a:pPr marL="514350" indent="-514350">
-              <a:buFont typeface="+mj-lt"/>
-              <a:buAutoNum type="arabicPeriod"/>
-            </a:pPr>
-            <a:r>
-              <a:rPr lang="en-US" altLang="en-US" err="1" smtClean="0"/>
-              <a:t>Quản</a:t>
-            </a:r>
-            <a:r>
-              <a:rPr lang="en-US" altLang="en-US" smtClean="0"/>
-              <a:t> </a:t>
-            </a:r>
-            <a:r>
-              <a:rPr lang="en-US" altLang="en-US" err="1" smtClean="0"/>
-              <a:t>lý</a:t>
-            </a:r>
-            <a:r>
-              <a:rPr lang="en-US" altLang="en-US" smtClean="0"/>
-              <a:t> </a:t>
-            </a:r>
-            <a:r>
-              <a:rPr lang="en-US" altLang="en-US" err="1" smtClean="0"/>
-              <a:t>sản</a:t>
-            </a:r>
-            <a:r>
-              <a:rPr lang="en-US" altLang="en-US" smtClean="0"/>
-              <a:t> </a:t>
-            </a:r>
-            <a:r>
-              <a:rPr lang="en-US" altLang="en-US" err="1" smtClean="0"/>
-              <a:t>phẩm</a:t>
-            </a:r>
-            <a:endParaRPr lang="en-US" altLang="en-US" smtClean="0"/>
-          </a:p>
-          <a:p>
-            <a:pPr marL="514350" indent="-514350">
-              <a:buFont typeface="+mj-lt"/>
-              <a:buAutoNum type="arabicPeriod"/>
-            </a:pPr>
-            <a:r>
-              <a:rPr lang="en-US" altLang="en-US" smtClean="0"/>
-              <a:t>Quản lý đơn hàng</a:t>
-            </a:r>
-          </a:p>
-          <a:p>
-            <a:pPr marL="514350" indent="-514350">
-              <a:buFont typeface="+mj-lt"/>
-              <a:buAutoNum type="arabicPeriod"/>
-            </a:pPr>
-            <a:r>
-              <a:rPr lang="en-US" altLang="en-US" smtClean="0"/>
-              <a:t>Quản lý </a:t>
-            </a:r>
-            <a:r>
-              <a:rPr lang="en-US" altLang="en-US" err="1" smtClean="0"/>
-              <a:t>sổ</a:t>
-            </a:r>
-            <a:r>
-              <a:rPr lang="en-US" altLang="en-US" smtClean="0"/>
-              <a:t> </a:t>
-            </a:r>
-            <a:r>
-              <a:rPr lang="en-US" altLang="en-US" err="1" smtClean="0"/>
-              <a:t>địa</a:t>
-            </a:r>
-            <a:r>
-              <a:rPr lang="en-US" altLang="en-US" smtClean="0"/>
-              <a:t> </a:t>
-            </a:r>
-            <a:r>
-              <a:rPr lang="en-US" altLang="en-US" err="1" smtClean="0"/>
-              <a:t>chỉ</a:t>
-            </a:r>
-            <a:endParaRPr lang="en-US" altLang="en-US" smtClean="0"/>
-          </a:p>
-          <a:p>
-            <a:pPr marL="514350" indent="-514350">
-              <a:buFont typeface="+mj-lt"/>
-              <a:buAutoNum type="arabicPeriod"/>
-            </a:pPr>
-            <a:r>
-              <a:rPr lang="en-US" altLang="en-US" smtClean="0"/>
-              <a:t>Quản lý </a:t>
-            </a:r>
-            <a:r>
-              <a:rPr lang="en-US" altLang="en-US" err="1" smtClean="0"/>
-              <a:t>tài</a:t>
-            </a:r>
-            <a:r>
-              <a:rPr lang="en-US" altLang="en-US" smtClean="0"/>
-              <a:t> khoản </a:t>
-            </a:r>
-            <a:r>
-              <a:rPr lang="en-US" altLang="en-US" sz="3200" smtClean="0"/>
-              <a:t> </a:t>
-            </a:r>
-            <a:r>
-              <a:rPr lang="en-US" altLang="en-US" sz="1400" smtClean="0"/>
-              <a:t>( tài </a:t>
-            </a:r>
-            <a:r>
-              <a:rPr lang="en-US" altLang="en-US" sz="1400"/>
-              <a:t>khoản gian </a:t>
-            </a:r>
-            <a:r>
-              <a:rPr lang="en-US" altLang="en-US" sz="1400" smtClean="0"/>
-              <a:t>hàng </a:t>
-            </a:r>
-            <a:r>
-              <a:rPr lang="en-US" altLang="en-US" sz="1400"/>
-              <a:t>&amp; tài khoản thông </a:t>
-            </a:r>
-            <a:r>
-              <a:rPr lang="en-US" altLang="en-US" sz="1400" smtClean="0"/>
-              <a:t>thường )</a:t>
-            </a:r>
-            <a:endParaRPr lang="en-US" altLang="en-US" smtClean="0"/>
-          </a:p>
-          <a:p>
-            <a:pPr marL="514350" indent="-514350">
-              <a:buFont typeface="+mj-lt"/>
-              <a:buAutoNum type="arabicPeriod"/>
-            </a:pPr>
-            <a:r>
-              <a:rPr lang="en-US" altLang="en-US" smtClean="0"/>
-              <a:t>Quản lý phân cấp hoa hồng</a:t>
-            </a:r>
-          </a:p>
-          <a:p>
-            <a:pPr marL="514350" indent="-514350">
-              <a:buFont typeface="+mj-lt"/>
-              <a:buAutoNum type="arabicPeriod"/>
-            </a:pPr>
-            <a:r>
-              <a:rPr lang="en-US" altLang="en-US" smtClean="0"/>
-              <a:t>Quản lý hoa hồng</a:t>
-            </a:r>
-          </a:p>
-        </p:txBody>
-      </p:sp>
-    </p:spTree>
-    <p:extLst>
-      <p:ext uri="{BB962C8B-B14F-4D97-AF65-F5344CB8AC3E}">
-        <p14:creationId xmlns:p14="http://schemas.microsoft.com/office/powerpoint/2010/main" val="170004090"/>
       </p:ext>
     </p:extLst>
   </p:cSld>
@@ -12021,7 +13704,15 @@
           <a:p>
             <a:r>
               <a:rPr lang="en-US" altLang="en-US" smtClean="0"/>
-              <a:t>Tài liệu tham khảo</a:t>
+              <a:t>B. </a:t>
+            </a:r>
+            <a:r>
+              <a:rPr lang="en-US" altLang="en-US" err="1" smtClean="0"/>
+              <a:t>Nội</a:t>
+            </a:r>
+            <a:r>
+              <a:rPr lang="en-US" altLang="en-US" smtClean="0"/>
+              <a:t> dung chính</a:t>
             </a:r>
             <a:endParaRPr lang="en-US" altLang="en-US"/>
           </a:p>
@@ -12045,401 +13736,250 @@
         </p:nvSpPr>
         <p:spPr>
           <a:xfrm>
-            <a:off x="762000" y="1633538"/>
-            <a:ext cx="8077200" cy="4767262"/>
+            <a:off x="762000" y="1600200"/>
+            <a:ext cx="8077200" cy="652462"/>
           </a:xfrm>
         </p:spPr>
         <p:txBody>
           <a:bodyPr/>
           <a:lstStyle/>
           <a:p>
-            <a:r>
-              <a:rPr lang="vi-VN" altLang="en-US" sz="1400">
-                <a:solidFill>
-                  <a:schemeClr val="tx1"/>
-                </a:solidFill>
-              </a:rPr>
-              <a:t>1. PGS.TS. Huỳnh Xuân Hiệp, Ths. Phan Phương Lan, giáo trình </a:t>
-            </a:r>
-            <a:r>
-              <a:rPr lang="vi-VN" altLang="en-US" sz="1400" i="1">
-                <a:solidFill>
-                  <a:schemeClr val="tx1"/>
-                </a:solidFill>
-              </a:rPr>
-              <a:t>Nhập môn công nghệ phần mềm</a:t>
-            </a:r>
-            <a:r>
-              <a:rPr lang="vi-VN" altLang="en-US" sz="1400">
-                <a:solidFill>
-                  <a:schemeClr val="tx1"/>
-                </a:solidFill>
-              </a:rPr>
-              <a:t>, NXB Đại Học Cần Thơ, 2011. </a:t>
-            </a:r>
-            <a:endParaRPr lang="en-US" altLang="en-US" sz="1400" smtClean="0">
-              <a:solidFill>
-                <a:schemeClr val="tx1"/>
-              </a:solidFill>
-            </a:endParaRPr>
-          </a:p>
-          <a:p>
-            <a:r>
-              <a:rPr lang="vi-VN" altLang="en-US" sz="1400" smtClean="0">
-                <a:solidFill>
-                  <a:schemeClr val="tx1"/>
-                </a:solidFill>
-              </a:rPr>
-              <a:t>2</a:t>
-            </a:r>
-            <a:r>
-              <a:rPr lang="vi-VN" altLang="en-US" sz="1400">
-                <a:solidFill>
-                  <a:schemeClr val="tx1"/>
-                </a:solidFill>
-              </a:rPr>
-              <a:t>. PGS.TS. Huỳnh Xuân Hiệp, Ths. Võ Huỳnh Trâm, Ths. Phan Phương Lan, giáo trình </a:t>
-            </a:r>
-            <a:r>
-              <a:rPr lang="vi-VN" altLang="en-US" sz="1400" i="1">
-                <a:solidFill>
-                  <a:schemeClr val="tx1"/>
-                </a:solidFill>
-              </a:rPr>
-              <a:t>Quản lý dự án phần mềm</a:t>
-            </a:r>
-            <a:r>
-              <a:rPr lang="vi-VN" altLang="en-US" sz="1400">
-                <a:solidFill>
-                  <a:schemeClr val="tx1"/>
-                </a:solidFill>
-              </a:rPr>
-              <a:t>, NXB Đại Học Cần Thơ, 2015. </a:t>
-            </a:r>
-            <a:endParaRPr lang="en-US" altLang="en-US" sz="1400" smtClean="0">
-              <a:solidFill>
-                <a:schemeClr val="tx1"/>
-              </a:solidFill>
-            </a:endParaRPr>
-          </a:p>
-          <a:p>
-            <a:r>
-              <a:rPr lang="vi-VN" altLang="en-US" sz="1400" smtClean="0">
-                <a:solidFill>
-                  <a:schemeClr val="tx1"/>
-                </a:solidFill>
-              </a:rPr>
-              <a:t>3</a:t>
-            </a:r>
-            <a:r>
-              <a:rPr lang="vi-VN" altLang="en-US" sz="1400">
-                <a:solidFill>
-                  <a:schemeClr val="tx1"/>
-                </a:solidFill>
-              </a:rPr>
-              <a:t>. Ths.GVC. Võ Huỳnh Trâm, bài giảng </a:t>
-            </a:r>
-            <a:r>
-              <a:rPr lang="vi-VN" altLang="en-US" sz="1400" i="1">
-                <a:solidFill>
-                  <a:schemeClr val="tx1"/>
-                </a:solidFill>
-              </a:rPr>
-              <a:t>Phân tích yêu cầu phần mềm</a:t>
-            </a:r>
-            <a:r>
-              <a:rPr lang="vi-VN" altLang="en-US" sz="1400">
-                <a:solidFill>
-                  <a:schemeClr val="tx1"/>
-                </a:solidFill>
-              </a:rPr>
-              <a:t>, Khoa Công Nghệ Thông Tin và Truyền Thông, Trường Đại Học Cần Thơ, 2009.  </a:t>
-            </a:r>
-            <a:endParaRPr lang="en-US" altLang="en-US" sz="1400" smtClean="0">
-              <a:solidFill>
-                <a:schemeClr val="tx1"/>
-              </a:solidFill>
-            </a:endParaRPr>
-          </a:p>
-          <a:p>
-            <a:r>
-              <a:rPr lang="vi-VN" altLang="en-US" sz="1400" smtClean="0">
-                <a:solidFill>
-                  <a:schemeClr val="tx1"/>
-                </a:solidFill>
-              </a:rPr>
-              <a:t>4</a:t>
-            </a:r>
-            <a:r>
-              <a:rPr lang="vi-VN" altLang="en-US" sz="1400">
-                <a:solidFill>
-                  <a:schemeClr val="tx1"/>
-                </a:solidFill>
-              </a:rPr>
-              <a:t>. PGS.TS. Huỳnh Xuân Hiệp, Ths. Võ Huỳnh Trâm, Ths. Phan Phương Lan, giáo trình </a:t>
-            </a:r>
-            <a:r>
-              <a:rPr lang="vi-VN" altLang="en-US" sz="1400" i="1">
-                <a:solidFill>
-                  <a:schemeClr val="tx1"/>
-                </a:solidFill>
-              </a:rPr>
-              <a:t>Kiến trúc và thiết kế phần mềm</a:t>
-            </a:r>
-            <a:r>
-              <a:rPr lang="vi-VN" altLang="en-US" sz="1400">
-                <a:solidFill>
-                  <a:schemeClr val="tx1"/>
-                </a:solidFill>
-              </a:rPr>
-              <a:t>, NXB Đại Học Cần Thơ, 2015. </a:t>
-            </a:r>
-            <a:endParaRPr lang="en-US" altLang="en-US" sz="1400" smtClean="0">
-              <a:solidFill>
-                <a:schemeClr val="tx1"/>
-              </a:solidFill>
-            </a:endParaRPr>
-          </a:p>
-          <a:p>
-            <a:r>
-              <a:rPr lang="vi-VN" altLang="en-US" sz="1400" smtClean="0">
-                <a:solidFill>
-                  <a:schemeClr val="tx1"/>
-                </a:solidFill>
-              </a:rPr>
-              <a:t>5</a:t>
-            </a:r>
-            <a:r>
-              <a:rPr lang="vi-VN" altLang="en-US" sz="1400">
-                <a:solidFill>
-                  <a:schemeClr val="tx1"/>
-                </a:solidFill>
-              </a:rPr>
-              <a:t>. PGS.TS. Trần Cao Đệ, TS. Đỗ Thanh Nghị, giáo trình </a:t>
-            </a:r>
-            <a:r>
-              <a:rPr lang="vi-VN" altLang="en-US" sz="1400" i="1">
-                <a:solidFill>
-                  <a:schemeClr val="tx1"/>
-                </a:solidFill>
-              </a:rPr>
-              <a:t>Kiểm thử phần mềm</a:t>
-            </a:r>
-            <a:r>
-              <a:rPr lang="vi-VN" altLang="en-US" sz="1400">
-                <a:solidFill>
-                  <a:schemeClr val="tx1"/>
-                </a:solidFill>
-              </a:rPr>
-              <a:t>, NXB Đại Học Cần Thơ, 2012. </a:t>
-            </a:r>
-            <a:endParaRPr lang="en-US" altLang="en-US" sz="1400" smtClean="0">
-              <a:solidFill>
-                <a:schemeClr val="tx1"/>
-              </a:solidFill>
-            </a:endParaRPr>
-          </a:p>
-          <a:p>
-            <a:r>
-              <a:rPr lang="vi-VN" altLang="en-US" sz="1400" smtClean="0">
-                <a:solidFill>
-                  <a:schemeClr val="tx1"/>
-                </a:solidFill>
-              </a:rPr>
-              <a:t>6</a:t>
-            </a:r>
-            <a:r>
-              <a:rPr lang="vi-VN" altLang="en-US" sz="1400">
-                <a:solidFill>
-                  <a:schemeClr val="tx1"/>
-                </a:solidFill>
-              </a:rPr>
-              <a:t>. PGS.TS. Trần Cao Đệ, Ths. Nguyễn Công Danh, giáo trình </a:t>
-            </a:r>
-            <a:r>
-              <a:rPr lang="vi-VN" altLang="en-US" sz="1400" i="1">
-                <a:solidFill>
-                  <a:schemeClr val="tx1"/>
-                </a:solidFill>
-              </a:rPr>
-              <a:t>Đảm bảo chất lượng phần mềm</a:t>
-            </a:r>
-            <a:r>
-              <a:rPr lang="vi-VN" altLang="en-US" sz="1400">
-                <a:solidFill>
-                  <a:schemeClr val="tx1"/>
-                </a:solidFill>
-              </a:rPr>
-              <a:t>, NXB Đại Học Cần Thơ, 2014. </a:t>
-            </a:r>
-            <a:endParaRPr lang="en-US" altLang="en-US" sz="1400" smtClean="0">
-              <a:solidFill>
-                <a:schemeClr val="tx1"/>
-              </a:solidFill>
-            </a:endParaRPr>
-          </a:p>
-          <a:p>
-            <a:r>
-              <a:rPr lang="vi-VN" altLang="en-US" sz="1400" smtClean="0">
-                <a:solidFill>
-                  <a:schemeClr val="tx1"/>
-                </a:solidFill>
-              </a:rPr>
+            <a:pPr marL="0" indent="0">
+              <a:buNone/>
+            </a:pPr>
+            <a:r>
+              <a:rPr lang="en-US" altLang="en-US"/>
               <a:t>7</a:t>
             </a:r>
             <a:r>
-              <a:rPr lang="vi-VN" altLang="en-US" sz="1400">
-                <a:solidFill>
-                  <a:schemeClr val="tx1"/>
-                </a:solidFill>
-              </a:rPr>
-              <a:t>. PGS.TS. Huỳnh Xuân Hiệp, Ths. Phan Phương Lan, giáo trình </a:t>
-            </a:r>
-            <a:r>
-              <a:rPr lang="vi-VN" altLang="en-US" sz="1400" i="1">
-                <a:solidFill>
-                  <a:schemeClr val="tx1"/>
-                </a:solidFill>
-              </a:rPr>
-              <a:t>Bảo trì phần mềm</a:t>
-            </a:r>
-            <a:r>
-              <a:rPr lang="vi-VN" altLang="en-US" sz="1400">
-                <a:solidFill>
-                  <a:schemeClr val="tx1"/>
-                </a:solidFill>
-              </a:rPr>
-              <a:t>, NXB Đại Học Cần Thơ, 2014. </a:t>
-            </a:r>
-            <a:endParaRPr lang="en-US" altLang="en-US" sz="1400" smtClean="0">
-              <a:solidFill>
-                <a:schemeClr val="tx1"/>
-              </a:solidFill>
-            </a:endParaRPr>
-          </a:p>
-          <a:p>
-            <a:r>
-              <a:rPr lang="vi-VN" altLang="en-US" sz="1400" smtClean="0">
-                <a:solidFill>
-                  <a:schemeClr val="tx1"/>
-                </a:solidFill>
-              </a:rPr>
-              <a:t>8</a:t>
-            </a:r>
-            <a:r>
-              <a:rPr lang="vi-VN" altLang="en-US" sz="1400">
-                <a:solidFill>
-                  <a:schemeClr val="tx1"/>
-                </a:solidFill>
-              </a:rPr>
-              <a:t>. Ths.GVC. Nguyễn Văn Linh, giáo trình </a:t>
-            </a:r>
-            <a:r>
-              <a:rPr lang="vi-VN" altLang="en-US" sz="1400" i="1">
-                <a:solidFill>
-                  <a:schemeClr val="tx1"/>
-                </a:solidFill>
-              </a:rPr>
-              <a:t>Phân tích thiết kế thuật toán</a:t>
-            </a:r>
-            <a:r>
-              <a:rPr lang="vi-VN" altLang="en-US" sz="1400">
-                <a:solidFill>
-                  <a:schemeClr val="tx1"/>
-                </a:solidFill>
-              </a:rPr>
-              <a:t>, Khoa Công Nghệ Thông Tin và Truyền Thông, Đại Học Cần Thơ, 2010. </a:t>
-            </a:r>
-            <a:endParaRPr lang="en-US" altLang="en-US" sz="1400" smtClean="0">
-              <a:solidFill>
-                <a:schemeClr val="tx1"/>
-              </a:solidFill>
-            </a:endParaRPr>
-          </a:p>
-          <a:p>
-            <a:r>
-              <a:rPr lang="vi-VN" altLang="en-US" sz="1400" smtClean="0">
-                <a:solidFill>
-                  <a:schemeClr val="tx1"/>
-                </a:solidFill>
-              </a:rPr>
-              <a:t>9</a:t>
-            </a:r>
-            <a:r>
-              <a:rPr lang="vi-VN" altLang="en-US" sz="1400">
-                <a:solidFill>
-                  <a:schemeClr val="tx1"/>
-                </a:solidFill>
-              </a:rPr>
-              <a:t>. Tham khảo laravel framework trên trang : </a:t>
-            </a:r>
-            <a:r>
-              <a:rPr lang="vi-VN" altLang="en-US" sz="1400" i="1">
-                <a:solidFill>
-                  <a:schemeClr val="tx1"/>
-                </a:solidFill>
-              </a:rPr>
-              <a:t>https://laravel.com</a:t>
-            </a:r>
-            <a:r>
-              <a:rPr lang="vi-VN" altLang="en-US" sz="1400">
-                <a:solidFill>
-                  <a:schemeClr val="tx1"/>
-                </a:solidFill>
-              </a:rPr>
-              <a:t>. </a:t>
-            </a:r>
-            <a:endParaRPr lang="en-US" altLang="en-US" sz="1400" smtClean="0">
-              <a:solidFill>
-                <a:schemeClr val="tx1"/>
-              </a:solidFill>
-            </a:endParaRPr>
-          </a:p>
-          <a:p>
-            <a:r>
-              <a:rPr lang="vi-VN" altLang="en-US" sz="1400" smtClean="0">
-                <a:solidFill>
-                  <a:schemeClr val="tx1"/>
-                </a:solidFill>
-              </a:rPr>
-              <a:t>10</a:t>
-            </a:r>
-            <a:r>
-              <a:rPr lang="vi-VN" altLang="en-US" sz="1400">
-                <a:solidFill>
-                  <a:schemeClr val="tx1"/>
-                </a:solidFill>
-              </a:rPr>
-              <a:t>. Tham khảo bootstrap 4 trên : </a:t>
-            </a:r>
-            <a:r>
-              <a:rPr lang="vi-VN" altLang="en-US" sz="1400" i="1">
-                <a:solidFill>
-                  <a:schemeClr val="tx1"/>
-                </a:solidFill>
-              </a:rPr>
-              <a:t>https://getbootstrap.com/docs/4.0/gettingstarted/introduction/</a:t>
-            </a:r>
-            <a:r>
-              <a:rPr lang="vi-VN" altLang="en-US" sz="1400">
-                <a:solidFill>
-                  <a:schemeClr val="tx1"/>
-                </a:solidFill>
-              </a:rPr>
-              <a:t>. </a:t>
-            </a:r>
-            <a:endParaRPr lang="en-US" altLang="en-US" sz="1400" smtClean="0">
-              <a:solidFill>
-                <a:schemeClr val="tx1"/>
-              </a:solidFill>
-            </a:endParaRPr>
+              <a:rPr lang="en-US" altLang="en-US" smtClean="0"/>
+              <a:t>. Các chức năng chính trong hệ thống</a:t>
+            </a:r>
+            <a:endParaRPr lang="en-US" altLang="en-US" smtClean="0"/>
+          </a:p>
+        </p:txBody>
+      </p:sp>
+      <p:sp>
+        <p:nvSpPr>
+          <p:cNvPr id="2" name="TextBox 1"/>
+          <p:cNvSpPr txBox="1"/>
+          <p:nvPr/>
+        </p:nvSpPr>
+        <p:spPr>
+          <a:xfrm>
+            <a:off x="990600" y="2514600"/>
+            <a:ext cx="7772400" cy="369332"/>
+          </a:xfrm>
+          <a:prstGeom prst="rect">
+            <a:avLst/>
+          </a:prstGeom>
+          <a:noFill/>
+        </p:spPr>
+        <p:txBody>
+          <a:bodyPr wrap="square" rtlCol="0">
+            <a:spAutoFit/>
+          </a:bodyPr>
+          <a:lstStyle/>
+          <a:p>
+            <a:r>
+              <a:rPr lang="en-US" smtClean="0"/>
+              <a:t>1. </a:t>
+            </a:r>
+            <a:r>
+              <a:rPr lang="vi-VN" smtClean="0"/>
+              <a:t>Đăng nhập</a:t>
+            </a:r>
+            <a:r>
+              <a:rPr lang="en-US" smtClean="0"/>
+              <a:t> </a:t>
+            </a:r>
+            <a:r>
+              <a:rPr lang="en-US" sz="1400" smtClean="0"/>
+              <a:t>( tất cả người dùng )</a:t>
+            </a:r>
+          </a:p>
+        </p:txBody>
+      </p:sp>
+      <p:sp>
+        <p:nvSpPr>
+          <p:cNvPr id="5" name="TextBox 4"/>
+          <p:cNvSpPr txBox="1"/>
+          <p:nvPr/>
+        </p:nvSpPr>
+        <p:spPr>
+          <a:xfrm>
+            <a:off x="990600" y="2961204"/>
+            <a:ext cx="7772400" cy="369332"/>
+          </a:xfrm>
+          <a:prstGeom prst="rect">
+            <a:avLst/>
+          </a:prstGeom>
+          <a:noFill/>
+        </p:spPr>
+        <p:txBody>
+          <a:bodyPr wrap="square" rtlCol="0">
+            <a:spAutoFit/>
+          </a:bodyPr>
+          <a:lstStyle/>
+          <a:p>
+            <a:r>
+              <a:rPr lang="en-US" smtClean="0"/>
+              <a:t>2. Đăng ký</a:t>
+            </a:r>
+          </a:p>
+        </p:txBody>
+      </p:sp>
+      <p:sp>
+        <p:nvSpPr>
+          <p:cNvPr id="6" name="TextBox 5"/>
+          <p:cNvSpPr txBox="1"/>
+          <p:nvPr/>
+        </p:nvSpPr>
+        <p:spPr>
+          <a:xfrm>
+            <a:off x="1219200" y="3337402"/>
+            <a:ext cx="7772400" cy="584775"/>
+          </a:xfrm>
+          <a:prstGeom prst="rect">
+            <a:avLst/>
+          </a:prstGeom>
+          <a:noFill/>
+        </p:spPr>
+        <p:txBody>
+          <a:bodyPr wrap="square" rtlCol="0">
+            <a:spAutoFit/>
+          </a:bodyPr>
+          <a:lstStyle/>
+          <a:p>
+            <a:pPr marL="342900" indent="-342900">
+              <a:buFont typeface="+mj-lt"/>
+              <a:buAutoNum type="arabicPeriod"/>
+            </a:pPr>
+            <a:r>
+              <a:rPr lang="vi-VN" sz="1600" smtClean="0"/>
+              <a:t>Đăng</a:t>
+            </a:r>
+            <a:r>
+              <a:rPr lang="en-US" sz="1600" smtClean="0"/>
+              <a:t> ký tài khoản gian hàng</a:t>
+            </a:r>
+          </a:p>
+          <a:p>
+            <a:pPr marL="342900" indent="-342900">
+              <a:buFont typeface="+mj-lt"/>
+              <a:buAutoNum type="arabicPeriod"/>
+            </a:pPr>
+            <a:r>
+              <a:rPr lang="en-US" sz="1600" smtClean="0"/>
+              <a:t>Đăng ký tài khoản thông thường</a:t>
+            </a:r>
+          </a:p>
+        </p:txBody>
+      </p:sp>
+      <p:sp>
+        <p:nvSpPr>
+          <p:cNvPr id="7" name="TextBox 6"/>
+          <p:cNvSpPr txBox="1"/>
+          <p:nvPr/>
+        </p:nvSpPr>
+        <p:spPr>
+          <a:xfrm>
+            <a:off x="990600" y="4045944"/>
+            <a:ext cx="7772400" cy="369332"/>
+          </a:xfrm>
+          <a:prstGeom prst="rect">
+            <a:avLst/>
+          </a:prstGeom>
+          <a:noFill/>
+        </p:spPr>
+        <p:txBody>
+          <a:bodyPr wrap="square" rtlCol="0">
+            <a:spAutoFit/>
+          </a:bodyPr>
+          <a:lstStyle/>
+          <a:p>
+            <a:r>
+              <a:rPr lang="en-US" smtClean="0"/>
+              <a:t>3. Quản lý sản phẩm  </a:t>
+            </a:r>
+            <a:r>
+              <a:rPr lang="en-US" sz="1400" smtClean="0"/>
+              <a:t>( cho tài khoản gian hàng sử dụng )</a:t>
+            </a:r>
+          </a:p>
+        </p:txBody>
+      </p:sp>
+      <p:sp>
+        <p:nvSpPr>
+          <p:cNvPr id="8" name="TextBox 7"/>
+          <p:cNvSpPr txBox="1"/>
+          <p:nvPr/>
+        </p:nvSpPr>
+        <p:spPr>
+          <a:xfrm>
+            <a:off x="1219200" y="4539043"/>
+            <a:ext cx="7772400" cy="1077218"/>
+          </a:xfrm>
+          <a:prstGeom prst="rect">
+            <a:avLst/>
+          </a:prstGeom>
+          <a:noFill/>
+        </p:spPr>
+        <p:txBody>
+          <a:bodyPr wrap="square" rtlCol="0">
+            <a:spAutoFit/>
+          </a:bodyPr>
+          <a:lstStyle/>
+          <a:p>
+            <a:pPr marL="342900" indent="-342900">
+              <a:buFont typeface="+mj-lt"/>
+              <a:buAutoNum type="arabicPeriod"/>
+            </a:pPr>
+            <a:r>
+              <a:rPr lang="en-US" sz="1600" smtClean="0"/>
+              <a:t>Thêm sản phẩm mới</a:t>
+            </a:r>
+          </a:p>
+          <a:p>
+            <a:pPr marL="342900" indent="-342900">
+              <a:buFont typeface="+mj-lt"/>
+              <a:buAutoNum type="arabicPeriod"/>
+            </a:pPr>
+            <a:r>
+              <a:rPr lang="en-US" sz="1600" smtClean="0"/>
+              <a:t>Cập nhật sản phẩm</a:t>
+            </a:r>
+          </a:p>
+          <a:p>
+            <a:pPr marL="342900" indent="-342900">
+              <a:buFont typeface="+mj-lt"/>
+              <a:buAutoNum type="arabicPeriod"/>
+            </a:pPr>
+            <a:r>
+              <a:rPr lang="en-US" sz="1600" smtClean="0"/>
+              <a:t>Cài đặt giá sản phẩm</a:t>
+            </a:r>
+          </a:p>
+          <a:p>
+            <a:pPr marL="342900" indent="-342900">
+              <a:buFont typeface="+mj-lt"/>
+              <a:buAutoNum type="arabicPeriod"/>
+            </a:pPr>
+            <a:r>
+              <a:rPr lang="en-US" sz="1600" smtClean="0"/>
+              <a:t>Xóa sản phẩm </a:t>
+            </a:r>
+            <a:r>
+              <a:rPr lang="en-US" sz="1400" smtClean="0"/>
+              <a:t>( sản phẩm ngừng kinh doanh )</a:t>
+            </a:r>
           </a:p>
         </p:txBody>
       </p:sp>
     </p:spTree>
     <p:extLst>
       <p:ext uri="{BB962C8B-B14F-4D97-AF65-F5344CB8AC3E}">
-        <p14:creationId xmlns:p14="http://schemas.microsoft.com/office/powerpoint/2010/main" val="3809306604"/>
+        <p14:creationId xmlns:p14="http://schemas.microsoft.com/office/powerpoint/2010/main" val="3128728720"/>
       </p:ext>
     </p:extLst>
   </p:cSld>
@@ -12457,20 +13997,8 @@
 </file>
 
 <file path=ppt/slides/slide24.xml><?xml version="1.0" encoding="utf-8"?>
-<p:sld xmlns:a="http://schemas.openxmlformats.org/drawingml/2006/main" xmlns:r="http://schemas.openxmlformats.org/officeDocument/2006/relationships" xmlns:p="http://schemas.openxmlformats.org/presentationml/2006/main" showMasterSp="0">
+<p:sld xmlns:a="http://schemas.openxmlformats.org/drawingml/2006/main" xmlns:r="http://schemas.openxmlformats.org/officeDocument/2006/relationships" xmlns:p="http://schemas.openxmlformats.org/presentationml/2006/main">
   <p:cSld>
-    <p:bg>
-      <p:bgPr>
-        <a:blipFill dpi="0" rotWithShape="0">
-          <a:blip r:embed="rId2"/>
-          <a:srcRect/>
-          <a:stretch>
-            <a:fillRect/>
-          </a:stretch>
-        </a:blipFill>
-        <a:effectLst/>
-      </p:bgPr>
-    </p:bg>
     <p:spTree>
       <p:nvGrpSpPr>
         <p:cNvPr id="1" name=""/>
@@ -12487,10 +14015,47 @@
       </p:grpSpPr>
       <p:sp>
         <p:nvSpPr>
-          <p:cNvPr id="14339" name="Rectangle 3">
+          <p:cNvPr id="25602" name="Rectangle 2">
             <a:extLst>
               <a:ext uri="{FF2B5EF4-FFF2-40B4-BE49-F238E27FC236}">
-                <a16:creationId xmlns:a16="http://schemas.microsoft.com/office/drawing/2014/main" id="{56E01181-FA81-4C6D-9E62-C7D65FDA831E}"/>
+                <a16:creationId xmlns:a16="http://schemas.microsoft.com/office/drawing/2014/main" id="{D09A8D8C-80F7-440C-BEF1-9EFA4CBAAA33}"/>
+              </a:ext>
+            </a:extLst>
+          </p:cNvPr>
+          <p:cNvSpPr>
+            <a:spLocks noGrp="1" noChangeArrowheads="1"/>
+          </p:cNvSpPr>
+          <p:nvPr>
+            <p:ph type="title"/>
+          </p:nvPr>
+        </p:nvSpPr>
+        <p:spPr/>
+        <p:txBody>
+          <a:bodyPr/>
+          <a:lstStyle/>
+          <a:p>
+            <a:r>
+              <a:rPr lang="en-US" altLang="en-US" smtClean="0"/>
+              <a:t>B. </a:t>
+            </a:r>
+            <a:r>
+              <a:rPr lang="en-US" altLang="en-US" err="1" smtClean="0"/>
+              <a:t>Nội</a:t>
+            </a:r>
+            <a:r>
+              <a:rPr lang="en-US" altLang="en-US" smtClean="0"/>
+              <a:t> dung chính</a:t>
+            </a:r>
+            <a:endParaRPr lang="en-US" altLang="en-US"/>
+          </a:p>
+        </p:txBody>
+      </p:sp>
+      <p:sp>
+        <p:nvSpPr>
+          <p:cNvPr id="25603" name="Rectangle 3">
+            <a:extLst>
+              <a:ext uri="{FF2B5EF4-FFF2-40B4-BE49-F238E27FC236}">
+                <a16:creationId xmlns:a16="http://schemas.microsoft.com/office/drawing/2014/main" id="{2EE127BF-401A-4C36-A14A-872ADB44AB18}"/>
               </a:ext>
             </a:extLst>
           </p:cNvPr>
@@ -12503,21 +14068,1372 @@
         </p:nvSpPr>
         <p:spPr>
           <a:xfrm>
-            <a:off x="685800" y="2971801"/>
-            <a:ext cx="7924800" cy="609600"/>
+            <a:off x="762000" y="1600200"/>
+            <a:ext cx="8077200" cy="652462"/>
           </a:xfrm>
         </p:spPr>
         <p:txBody>
           <a:bodyPr/>
           <a:lstStyle/>
           <a:p>
-            <a:pPr algn="ctr">
-              <a:buFontTx/>
+            <a:pPr marL="0" indent="0">
               <a:buNone/>
             </a:pPr>
             <a:r>
+              <a:rPr lang="en-US" altLang="en-US"/>
+              <a:t>7</a:t>
+            </a:r>
+            <a:r>
+              <a:rPr lang="en-US" altLang="en-US" smtClean="0"/>
+              <a:t>. Các chức năng chính trong hệ thống</a:t>
+            </a:r>
+            <a:endParaRPr lang="en-US" altLang="en-US" smtClean="0"/>
+          </a:p>
+        </p:txBody>
+      </p:sp>
+      <p:sp>
+        <p:nvSpPr>
+          <p:cNvPr id="5" name="TextBox 4"/>
+          <p:cNvSpPr txBox="1"/>
+          <p:nvPr/>
+        </p:nvSpPr>
+        <p:spPr>
+          <a:xfrm>
+            <a:off x="990600" y="2500196"/>
+            <a:ext cx="7772400" cy="369332"/>
+          </a:xfrm>
+          <a:prstGeom prst="rect">
+            <a:avLst/>
+          </a:prstGeom>
+          <a:noFill/>
+        </p:spPr>
+        <p:txBody>
+          <a:bodyPr wrap="square" rtlCol="0">
+            <a:spAutoFit/>
+          </a:bodyPr>
+          <a:lstStyle/>
+          <a:p>
+            <a:r>
+              <a:rPr lang="en-US"/>
+              <a:t>4</a:t>
+            </a:r>
+            <a:r>
+              <a:rPr lang="en-US" smtClean="0"/>
+              <a:t>. Quản lý phân cấp hoa hồng </a:t>
+            </a:r>
+            <a:r>
+              <a:rPr lang="en-US" sz="1400"/>
+              <a:t>( cho tài </a:t>
+            </a:r>
+            <a:r>
+              <a:rPr lang="en-US" sz="1400"/>
+              <a:t>khoản </a:t>
+            </a:r>
+            <a:r>
+              <a:rPr lang="en-US" sz="1400" smtClean="0"/>
+              <a:t>admin </a:t>
+            </a:r>
+            <a:r>
+              <a:rPr lang="en-US" sz="1400"/>
+              <a:t>)</a:t>
+            </a:r>
+            <a:endParaRPr lang="en-US" sz="1400" smtClean="0"/>
+          </a:p>
+        </p:txBody>
+      </p:sp>
+      <p:sp>
+        <p:nvSpPr>
+          <p:cNvPr id="6" name="TextBox 5"/>
+          <p:cNvSpPr txBox="1"/>
+          <p:nvPr/>
+        </p:nvSpPr>
+        <p:spPr>
+          <a:xfrm>
+            <a:off x="1219200" y="3052393"/>
+            <a:ext cx="7772400" cy="830997"/>
+          </a:xfrm>
+          <a:prstGeom prst="rect">
+            <a:avLst/>
+          </a:prstGeom>
+          <a:noFill/>
+        </p:spPr>
+        <p:txBody>
+          <a:bodyPr wrap="square" rtlCol="0">
+            <a:spAutoFit/>
+          </a:bodyPr>
+          <a:lstStyle/>
+          <a:p>
+            <a:pPr marL="342900" indent="-342900">
+              <a:buFont typeface="+mj-lt"/>
+              <a:buAutoNum type="arabicPeriod"/>
+            </a:pPr>
+            <a:r>
+              <a:rPr lang="en-US" sz="1600" smtClean="0"/>
+              <a:t>Thêm phân cấp mới</a:t>
+            </a:r>
+          </a:p>
+          <a:p>
+            <a:pPr marL="342900" indent="-342900">
+              <a:buFont typeface="+mj-lt"/>
+              <a:buAutoNum type="arabicPeriod"/>
+            </a:pPr>
+            <a:r>
+              <a:rPr lang="en-US" sz="1600" smtClean="0"/>
+              <a:t>Cập nhật phân cấp</a:t>
+            </a:r>
+          </a:p>
+          <a:p>
+            <a:pPr marL="342900" indent="-342900">
+              <a:buFont typeface="+mj-lt"/>
+              <a:buAutoNum type="arabicPeriod"/>
+            </a:pPr>
+            <a:r>
+              <a:rPr lang="en-US" sz="1600" smtClean="0"/>
+              <a:t>Bật/tắt phân cấp sử dụng</a:t>
+            </a:r>
+          </a:p>
+        </p:txBody>
+      </p:sp>
+      <p:sp>
+        <p:nvSpPr>
+          <p:cNvPr id="7" name="TextBox 6"/>
+          <p:cNvSpPr txBox="1"/>
+          <p:nvPr/>
+        </p:nvSpPr>
+        <p:spPr>
+          <a:xfrm>
+            <a:off x="990600" y="4045944"/>
+            <a:ext cx="7772400" cy="369332"/>
+          </a:xfrm>
+          <a:prstGeom prst="rect">
+            <a:avLst/>
+          </a:prstGeom>
+          <a:noFill/>
+        </p:spPr>
+        <p:txBody>
+          <a:bodyPr wrap="square" rtlCol="0">
+            <a:spAutoFit/>
+          </a:bodyPr>
+          <a:lstStyle/>
+          <a:p>
+            <a:r>
+              <a:rPr lang="en-US"/>
+              <a:t>5</a:t>
+            </a:r>
+            <a:r>
+              <a:rPr lang="en-US" smtClean="0"/>
+              <a:t>. Quản lý khách hàng  </a:t>
+            </a:r>
+            <a:r>
+              <a:rPr lang="en-US" sz="1400" smtClean="0"/>
+              <a:t>( cho tài khoản admin )</a:t>
+            </a:r>
+          </a:p>
+        </p:txBody>
+      </p:sp>
+      <p:sp>
+        <p:nvSpPr>
+          <p:cNvPr id="8" name="TextBox 7"/>
+          <p:cNvSpPr txBox="1"/>
+          <p:nvPr/>
+        </p:nvSpPr>
+        <p:spPr>
+          <a:xfrm>
+            <a:off x="1219200" y="4539043"/>
+            <a:ext cx="7772400" cy="830997"/>
+          </a:xfrm>
+          <a:prstGeom prst="rect">
+            <a:avLst/>
+          </a:prstGeom>
+          <a:noFill/>
+        </p:spPr>
+        <p:txBody>
+          <a:bodyPr wrap="square" rtlCol="0">
+            <a:spAutoFit/>
+          </a:bodyPr>
+          <a:lstStyle/>
+          <a:p>
+            <a:pPr marL="342900" indent="-342900">
+              <a:buFont typeface="+mj-lt"/>
+              <a:buAutoNum type="arabicPeriod"/>
+            </a:pPr>
+            <a:r>
+              <a:rPr lang="en-US" sz="1600" smtClean="0"/>
+              <a:t>Khóa tài khoản</a:t>
+            </a:r>
+          </a:p>
+          <a:p>
+            <a:pPr marL="342900" indent="-342900">
+              <a:buFont typeface="+mj-lt"/>
+              <a:buAutoNum type="arabicPeriod"/>
+            </a:pPr>
+            <a:r>
+              <a:rPr lang="en-US" sz="1600" smtClean="0"/>
+              <a:t>Thanh toán hoa hồng</a:t>
+            </a:r>
+          </a:p>
+          <a:p>
+            <a:pPr marL="342900" indent="-342900">
+              <a:buFont typeface="+mj-lt"/>
+              <a:buAutoNum type="arabicPeriod"/>
+            </a:pPr>
+            <a:r>
+              <a:rPr lang="en-US" sz="1600" smtClean="0"/>
+              <a:t>Xem chi tiết</a:t>
+            </a:r>
+            <a:endParaRPr lang="en-US" sz="1400" smtClean="0"/>
+          </a:p>
+        </p:txBody>
+      </p:sp>
+    </p:spTree>
+    <p:extLst>
+      <p:ext uri="{BB962C8B-B14F-4D97-AF65-F5344CB8AC3E}">
+        <p14:creationId xmlns:p14="http://schemas.microsoft.com/office/powerpoint/2010/main" val="1282955617"/>
+      </p:ext>
+    </p:extLst>
+  </p:cSld>
+  <p:clrMapOvr>
+    <a:masterClrMapping/>
+  </p:clrMapOvr>
+  <p:timing>
+    <p:tnLst>
+      <p:par>
+        <p:cTn id="1" dur="indefinite" restart="never" nodeType="tmRoot"/>
+      </p:par>
+    </p:tnLst>
+  </p:timing>
+</p:sld>
+</file>
+
+<file path=ppt/slides/slide25.xml><?xml version="1.0" encoding="utf-8"?>
+<p:sld xmlns:a="http://schemas.openxmlformats.org/drawingml/2006/main" xmlns:r="http://schemas.openxmlformats.org/officeDocument/2006/relationships" xmlns:p="http://schemas.openxmlformats.org/presentationml/2006/main">
+  <p:cSld>
+    <p:spTree>
+      <p:nvGrpSpPr>
+        <p:cNvPr id="1" name=""/>
+        <p:cNvGrpSpPr/>
+        <p:nvPr/>
+      </p:nvGrpSpPr>
+      <p:grpSpPr>
+        <a:xfrm>
+          <a:off x="0" y="0"/>
+          <a:ext cx="0" cy="0"/>
+          <a:chOff x="0" y="0"/>
+          <a:chExt cx="0" cy="0"/>
+        </a:xfrm>
+      </p:grpSpPr>
+      <p:sp>
+        <p:nvSpPr>
+          <p:cNvPr id="25602" name="Rectangle 2">
+            <a:extLst>
+              <a:ext uri="{FF2B5EF4-FFF2-40B4-BE49-F238E27FC236}">
+                <a16:creationId xmlns:a16="http://schemas.microsoft.com/office/drawing/2014/main" id="{D09A8D8C-80F7-440C-BEF1-9EFA4CBAAA33}"/>
+              </a:ext>
+            </a:extLst>
+          </p:cNvPr>
+          <p:cNvSpPr>
+            <a:spLocks noGrp="1" noChangeArrowheads="1"/>
+          </p:cNvSpPr>
+          <p:nvPr>
+            <p:ph type="title"/>
+          </p:nvPr>
+        </p:nvSpPr>
+        <p:spPr/>
+        <p:txBody>
+          <a:bodyPr/>
+          <a:lstStyle/>
+          <a:p>
+            <a:r>
+              <a:rPr lang="en-US" altLang="en-US" smtClean="0"/>
+              <a:t>B. </a:t>
+            </a:r>
+            <a:r>
               <a:rPr lang="en-US" altLang="en-US" err="1" smtClean="0"/>
-              <a:t>Cảm</a:t>
+              <a:t>Nội</a:t>
+            </a:r>
+            <a:r>
+              <a:rPr lang="en-US" altLang="en-US" smtClean="0"/>
+              <a:t> dung chính</a:t>
+            </a:r>
+            <a:endParaRPr lang="en-US" altLang="en-US"/>
+          </a:p>
+        </p:txBody>
+      </p:sp>
+      <p:sp>
+        <p:nvSpPr>
+          <p:cNvPr id="25603" name="Rectangle 3">
+            <a:extLst>
+              <a:ext uri="{FF2B5EF4-FFF2-40B4-BE49-F238E27FC236}">
+                <a16:creationId xmlns:a16="http://schemas.microsoft.com/office/drawing/2014/main" id="{2EE127BF-401A-4C36-A14A-872ADB44AB18}"/>
+              </a:ext>
+            </a:extLst>
+          </p:cNvPr>
+          <p:cNvSpPr>
+            <a:spLocks noGrp="1" noChangeArrowheads="1"/>
+          </p:cNvSpPr>
+          <p:nvPr>
+            <p:ph type="body" idx="1"/>
+          </p:nvPr>
+        </p:nvSpPr>
+        <p:spPr>
+          <a:xfrm>
+            <a:off x="762000" y="1600200"/>
+            <a:ext cx="8077200" cy="652462"/>
+          </a:xfrm>
+        </p:spPr>
+        <p:txBody>
+          <a:bodyPr/>
+          <a:lstStyle/>
+          <a:p>
+            <a:pPr marL="0" indent="0">
+              <a:buNone/>
+            </a:pPr>
+            <a:r>
+              <a:rPr lang="en-US" altLang="en-US"/>
+              <a:t>7</a:t>
+            </a:r>
+            <a:r>
+              <a:rPr lang="en-US" altLang="en-US" smtClean="0"/>
+              <a:t>. Các chức năng chính trong hệ thống</a:t>
+            </a:r>
+            <a:endParaRPr lang="en-US" altLang="en-US" smtClean="0"/>
+          </a:p>
+        </p:txBody>
+      </p:sp>
+      <p:sp>
+        <p:nvSpPr>
+          <p:cNvPr id="5" name="TextBox 4"/>
+          <p:cNvSpPr txBox="1"/>
+          <p:nvPr/>
+        </p:nvSpPr>
+        <p:spPr>
+          <a:xfrm>
+            <a:off x="990600" y="2500196"/>
+            <a:ext cx="7772400" cy="369332"/>
+          </a:xfrm>
+          <a:prstGeom prst="rect">
+            <a:avLst/>
+          </a:prstGeom>
+          <a:noFill/>
+        </p:spPr>
+        <p:txBody>
+          <a:bodyPr wrap="square" rtlCol="0">
+            <a:spAutoFit/>
+          </a:bodyPr>
+          <a:lstStyle/>
+          <a:p>
+            <a:r>
+              <a:rPr lang="en-US" smtClean="0"/>
+              <a:t>6. Quản lý sổ địa chỉ </a:t>
+            </a:r>
+            <a:r>
+              <a:rPr lang="en-US" sz="1400"/>
+              <a:t>( cho tài </a:t>
+            </a:r>
+            <a:r>
+              <a:rPr lang="en-US" sz="1400"/>
+              <a:t>khoản </a:t>
+            </a:r>
+            <a:r>
+              <a:rPr lang="en-US" sz="1400" smtClean="0"/>
+              <a:t>người dùng thông thường </a:t>
+            </a:r>
+            <a:r>
+              <a:rPr lang="en-US" sz="1400"/>
+              <a:t>)</a:t>
+            </a:r>
+            <a:endParaRPr lang="en-US" sz="1400" smtClean="0"/>
+          </a:p>
+        </p:txBody>
+      </p:sp>
+      <p:sp>
+        <p:nvSpPr>
+          <p:cNvPr id="6" name="TextBox 5"/>
+          <p:cNvSpPr txBox="1"/>
+          <p:nvPr/>
+        </p:nvSpPr>
+        <p:spPr>
+          <a:xfrm>
+            <a:off x="1219200" y="3052393"/>
+            <a:ext cx="7772400" cy="584775"/>
+          </a:xfrm>
+          <a:prstGeom prst="rect">
+            <a:avLst/>
+          </a:prstGeom>
+          <a:noFill/>
+        </p:spPr>
+        <p:txBody>
+          <a:bodyPr wrap="square" rtlCol="0">
+            <a:spAutoFit/>
+          </a:bodyPr>
+          <a:lstStyle/>
+          <a:p>
+            <a:pPr marL="342900" indent="-342900">
+              <a:buFont typeface="+mj-lt"/>
+              <a:buAutoNum type="arabicPeriod"/>
+            </a:pPr>
+            <a:r>
+              <a:rPr lang="en-US" sz="1600" smtClean="0"/>
+              <a:t>Thêm địa chỉ mới</a:t>
+            </a:r>
+          </a:p>
+          <a:p>
+            <a:pPr marL="342900" indent="-342900">
+              <a:buFont typeface="+mj-lt"/>
+              <a:buAutoNum type="arabicPeriod"/>
+            </a:pPr>
+            <a:r>
+              <a:rPr lang="en-US" sz="1600" smtClean="0"/>
+              <a:t>Cập nhật địa chỉ mới</a:t>
+            </a:r>
+          </a:p>
+        </p:txBody>
+      </p:sp>
+      <p:sp>
+        <p:nvSpPr>
+          <p:cNvPr id="7" name="TextBox 6"/>
+          <p:cNvSpPr txBox="1"/>
+          <p:nvPr/>
+        </p:nvSpPr>
+        <p:spPr>
+          <a:xfrm>
+            <a:off x="990600" y="3746003"/>
+            <a:ext cx="7772400" cy="369332"/>
+          </a:xfrm>
+          <a:prstGeom prst="rect">
+            <a:avLst/>
+          </a:prstGeom>
+          <a:noFill/>
+        </p:spPr>
+        <p:txBody>
+          <a:bodyPr wrap="square" rtlCol="0">
+            <a:spAutoFit/>
+          </a:bodyPr>
+          <a:lstStyle/>
+          <a:p>
+            <a:r>
+              <a:rPr lang="en-US" smtClean="0"/>
+              <a:t>7. Quản lý hóa đơn  </a:t>
+            </a:r>
+            <a:r>
+              <a:rPr lang="en-US" sz="1400" smtClean="0"/>
+              <a:t>( cho tài khoản admin )</a:t>
+            </a:r>
+          </a:p>
+        </p:txBody>
+      </p:sp>
+      <p:sp>
+        <p:nvSpPr>
+          <p:cNvPr id="8" name="TextBox 7"/>
+          <p:cNvSpPr txBox="1"/>
+          <p:nvPr/>
+        </p:nvSpPr>
+        <p:spPr>
+          <a:xfrm>
+            <a:off x="1219200" y="4224170"/>
+            <a:ext cx="7772400" cy="830997"/>
+          </a:xfrm>
+          <a:prstGeom prst="rect">
+            <a:avLst/>
+          </a:prstGeom>
+          <a:noFill/>
+        </p:spPr>
+        <p:txBody>
+          <a:bodyPr wrap="square" rtlCol="0">
+            <a:spAutoFit/>
+          </a:bodyPr>
+          <a:lstStyle/>
+          <a:p>
+            <a:pPr marL="342900" indent="-342900">
+              <a:buFont typeface="+mj-lt"/>
+              <a:buAutoNum type="arabicPeriod"/>
+            </a:pPr>
+            <a:r>
+              <a:rPr lang="en-US" sz="1600" smtClean="0"/>
+              <a:t>Duyệt hóa đơn sản vận chuyển</a:t>
+            </a:r>
+          </a:p>
+          <a:p>
+            <a:pPr marL="342900" indent="-342900">
+              <a:buFont typeface="+mj-lt"/>
+              <a:buAutoNum type="arabicPeriod"/>
+            </a:pPr>
+            <a:r>
+              <a:rPr lang="en-US" sz="1600" smtClean="0"/>
+              <a:t>Duyệt hóa đơn hoàn thành</a:t>
+            </a:r>
+          </a:p>
+          <a:p>
+            <a:pPr marL="342900" indent="-342900">
+              <a:buFont typeface="+mj-lt"/>
+              <a:buAutoNum type="arabicPeriod"/>
+            </a:pPr>
+            <a:r>
+              <a:rPr lang="en-US" sz="1600" smtClean="0"/>
+              <a:t>Hủy hóa đơn</a:t>
+            </a:r>
+            <a:endParaRPr lang="en-US" sz="1400" smtClean="0"/>
+          </a:p>
+        </p:txBody>
+      </p:sp>
+      <p:sp>
+        <p:nvSpPr>
+          <p:cNvPr id="9" name="TextBox 8"/>
+          <p:cNvSpPr txBox="1"/>
+          <p:nvPr/>
+        </p:nvSpPr>
+        <p:spPr>
+          <a:xfrm>
+            <a:off x="990600" y="5272837"/>
+            <a:ext cx="7772400" cy="369332"/>
+          </a:xfrm>
+          <a:prstGeom prst="rect">
+            <a:avLst/>
+          </a:prstGeom>
+          <a:noFill/>
+        </p:spPr>
+        <p:txBody>
+          <a:bodyPr wrap="square" rtlCol="0">
+            <a:spAutoFit/>
+          </a:bodyPr>
+          <a:lstStyle/>
+          <a:p>
+            <a:r>
+              <a:rPr lang="en-US"/>
+              <a:t>8</a:t>
+            </a:r>
+            <a:r>
+              <a:rPr lang="en-US" smtClean="0"/>
+              <a:t>. Quản lý danh mục  </a:t>
+            </a:r>
+            <a:r>
+              <a:rPr lang="en-US" sz="1400" smtClean="0"/>
+              <a:t>( cho tài khoản admin )</a:t>
+            </a:r>
+          </a:p>
+        </p:txBody>
+      </p:sp>
+      <p:sp>
+        <p:nvSpPr>
+          <p:cNvPr id="10" name="TextBox 9"/>
+          <p:cNvSpPr txBox="1"/>
+          <p:nvPr/>
+        </p:nvSpPr>
+        <p:spPr>
+          <a:xfrm>
+            <a:off x="1219200" y="5642169"/>
+            <a:ext cx="7772400" cy="584775"/>
+          </a:xfrm>
+          <a:prstGeom prst="rect">
+            <a:avLst/>
+          </a:prstGeom>
+          <a:noFill/>
+        </p:spPr>
+        <p:txBody>
+          <a:bodyPr wrap="square" rtlCol="0">
+            <a:spAutoFit/>
+          </a:bodyPr>
+          <a:lstStyle/>
+          <a:p>
+            <a:pPr marL="342900" indent="-342900">
+              <a:buFont typeface="+mj-lt"/>
+              <a:buAutoNum type="arabicPeriod"/>
+            </a:pPr>
+            <a:r>
+              <a:rPr lang="en-US" sz="1600" smtClean="0"/>
+              <a:t>Thêm danh mục</a:t>
+            </a:r>
+          </a:p>
+          <a:p>
+            <a:pPr marL="342900" indent="-342900">
+              <a:buFont typeface="+mj-lt"/>
+              <a:buAutoNum type="arabicPeriod"/>
+            </a:pPr>
+            <a:r>
+              <a:rPr lang="en-US" sz="1600" smtClean="0"/>
+              <a:t>Cập nhật danh mục</a:t>
+            </a:r>
+            <a:endParaRPr lang="en-US" sz="1400" smtClean="0"/>
+          </a:p>
+        </p:txBody>
+      </p:sp>
+    </p:spTree>
+    <p:extLst>
+      <p:ext uri="{BB962C8B-B14F-4D97-AF65-F5344CB8AC3E}">
+        <p14:creationId xmlns:p14="http://schemas.microsoft.com/office/powerpoint/2010/main" val="3828659391"/>
+      </p:ext>
+    </p:extLst>
+  </p:cSld>
+  <p:clrMapOvr>
+    <a:masterClrMapping/>
+  </p:clrMapOvr>
+  <p:timing>
+    <p:tnLst>
+      <p:par>
+        <p:cTn id="1" dur="indefinite" restart="never" nodeType="tmRoot"/>
+      </p:par>
+    </p:tnLst>
+  </p:timing>
+</p:sld>
+</file>
+
+<file path=ppt/slides/slide26.xml><?xml version="1.0" encoding="utf-8"?>
+<p:sld xmlns:a="http://schemas.openxmlformats.org/drawingml/2006/main" xmlns:r="http://schemas.openxmlformats.org/officeDocument/2006/relationships" xmlns:p="http://schemas.openxmlformats.org/presentationml/2006/main">
+  <p:cSld>
+    <p:spTree>
+      <p:nvGrpSpPr>
+        <p:cNvPr id="1" name=""/>
+        <p:cNvGrpSpPr/>
+        <p:nvPr/>
+      </p:nvGrpSpPr>
+      <p:grpSpPr>
+        <a:xfrm>
+          <a:off x="0" y="0"/>
+          <a:ext cx="0" cy="0"/>
+          <a:chOff x="0" y="0"/>
+          <a:chExt cx="0" cy="0"/>
+        </a:xfrm>
+      </p:grpSpPr>
+      <p:sp>
+        <p:nvSpPr>
+          <p:cNvPr id="25602" name="Rectangle 2">
+            <a:extLst>
+              <a:ext uri="{FF2B5EF4-FFF2-40B4-BE49-F238E27FC236}">
+                <a16:creationId xmlns:a16="http://schemas.microsoft.com/office/drawing/2014/main" id="{D09A8D8C-80F7-440C-BEF1-9EFA4CBAAA33}"/>
+              </a:ext>
+            </a:extLst>
+          </p:cNvPr>
+          <p:cNvSpPr>
+            <a:spLocks noGrp="1" noChangeArrowheads="1"/>
+          </p:cNvSpPr>
+          <p:nvPr>
+            <p:ph type="title"/>
+          </p:nvPr>
+        </p:nvSpPr>
+        <p:spPr/>
+        <p:txBody>
+          <a:bodyPr/>
+          <a:lstStyle/>
+          <a:p>
+            <a:r>
+              <a:rPr lang="en-US" altLang="en-US" smtClean="0"/>
+              <a:t>B. </a:t>
+            </a:r>
+            <a:r>
+              <a:rPr lang="en-US" altLang="en-US" err="1" smtClean="0"/>
+              <a:t>Nội</a:t>
+            </a:r>
+            <a:r>
+              <a:rPr lang="en-US" altLang="en-US" smtClean="0"/>
+              <a:t> dung chính</a:t>
+            </a:r>
+            <a:endParaRPr lang="en-US" altLang="en-US"/>
+          </a:p>
+        </p:txBody>
+      </p:sp>
+      <p:sp>
+        <p:nvSpPr>
+          <p:cNvPr id="25603" name="Rectangle 3">
+            <a:extLst>
+              <a:ext uri="{FF2B5EF4-FFF2-40B4-BE49-F238E27FC236}">
+                <a16:creationId xmlns:a16="http://schemas.microsoft.com/office/drawing/2014/main" id="{2EE127BF-401A-4C36-A14A-872ADB44AB18}"/>
+              </a:ext>
+            </a:extLst>
+          </p:cNvPr>
+          <p:cNvSpPr>
+            <a:spLocks noGrp="1" noChangeArrowheads="1"/>
+          </p:cNvSpPr>
+          <p:nvPr>
+            <p:ph type="body" idx="1"/>
+          </p:nvPr>
+        </p:nvSpPr>
+        <p:spPr>
+          <a:xfrm>
+            <a:off x="762000" y="1600200"/>
+            <a:ext cx="8077200" cy="652462"/>
+          </a:xfrm>
+        </p:spPr>
+        <p:txBody>
+          <a:bodyPr/>
+          <a:lstStyle/>
+          <a:p>
+            <a:pPr marL="0" indent="0">
+              <a:buNone/>
+            </a:pPr>
+            <a:r>
+              <a:rPr lang="en-US" altLang="en-US"/>
+              <a:t>7</a:t>
+            </a:r>
+            <a:r>
+              <a:rPr lang="en-US" altLang="en-US" smtClean="0"/>
+              <a:t>. Các chức năng chính trong hệ thống</a:t>
+            </a:r>
+            <a:endParaRPr lang="en-US" altLang="en-US" smtClean="0"/>
+          </a:p>
+        </p:txBody>
+      </p:sp>
+      <p:sp>
+        <p:nvSpPr>
+          <p:cNvPr id="5" name="TextBox 4"/>
+          <p:cNvSpPr txBox="1"/>
+          <p:nvPr/>
+        </p:nvSpPr>
+        <p:spPr>
+          <a:xfrm>
+            <a:off x="990600" y="2500196"/>
+            <a:ext cx="7772400" cy="369332"/>
+          </a:xfrm>
+          <a:prstGeom prst="rect">
+            <a:avLst/>
+          </a:prstGeom>
+          <a:noFill/>
+        </p:spPr>
+        <p:txBody>
+          <a:bodyPr wrap="square" rtlCol="0">
+            <a:spAutoFit/>
+          </a:bodyPr>
+          <a:lstStyle/>
+          <a:p>
+            <a:r>
+              <a:rPr lang="en-US" smtClean="0"/>
+              <a:t>9. Đặt hàng </a:t>
+            </a:r>
+            <a:r>
+              <a:rPr lang="en-US" sz="1400"/>
+              <a:t>( cho tài </a:t>
+            </a:r>
+            <a:r>
+              <a:rPr lang="en-US" sz="1400"/>
+              <a:t>khoản </a:t>
+            </a:r>
+            <a:r>
+              <a:rPr lang="en-US" sz="1400" smtClean="0"/>
+              <a:t>người dùng thông thường </a:t>
+            </a:r>
+            <a:r>
+              <a:rPr lang="en-US" sz="1400"/>
+              <a:t>)</a:t>
+            </a:r>
+            <a:endParaRPr lang="en-US" sz="1400" smtClean="0"/>
+          </a:p>
+        </p:txBody>
+      </p:sp>
+      <p:sp>
+        <p:nvSpPr>
+          <p:cNvPr id="6" name="TextBox 5"/>
+          <p:cNvSpPr txBox="1"/>
+          <p:nvPr/>
+        </p:nvSpPr>
+        <p:spPr>
+          <a:xfrm>
+            <a:off x="1219200" y="3052393"/>
+            <a:ext cx="7772400" cy="584775"/>
+          </a:xfrm>
+          <a:prstGeom prst="rect">
+            <a:avLst/>
+          </a:prstGeom>
+          <a:noFill/>
+        </p:spPr>
+        <p:txBody>
+          <a:bodyPr wrap="square" rtlCol="0">
+            <a:spAutoFit/>
+          </a:bodyPr>
+          <a:lstStyle/>
+          <a:p>
+            <a:pPr marL="342900" indent="-342900">
+              <a:buFont typeface="+mj-lt"/>
+              <a:buAutoNum type="arabicPeriod"/>
+            </a:pPr>
+            <a:r>
+              <a:rPr lang="en-US" sz="1600" smtClean="0"/>
+              <a:t>Thêm sản phẩm vào giỏ hàng</a:t>
+            </a:r>
+          </a:p>
+          <a:p>
+            <a:pPr marL="342900" indent="-342900">
+              <a:buFont typeface="+mj-lt"/>
+              <a:buAutoNum type="arabicPeriod"/>
+            </a:pPr>
+            <a:r>
+              <a:rPr lang="en-US" sz="1600" smtClean="0"/>
+              <a:t>Đặt hàng </a:t>
+            </a:r>
+            <a:r>
+              <a:rPr lang="en-US" sz="1400" smtClean="0"/>
+              <a:t>( nhập địa chỉ giao hàng mới hoặc là chọn từ sổ địa chỉ )</a:t>
+            </a:r>
+          </a:p>
+        </p:txBody>
+      </p:sp>
+      <p:sp>
+        <p:nvSpPr>
+          <p:cNvPr id="7" name="TextBox 6"/>
+          <p:cNvSpPr txBox="1"/>
+          <p:nvPr/>
+        </p:nvSpPr>
+        <p:spPr>
+          <a:xfrm>
+            <a:off x="990600" y="4045944"/>
+            <a:ext cx="7772400" cy="369332"/>
+          </a:xfrm>
+          <a:prstGeom prst="rect">
+            <a:avLst/>
+          </a:prstGeom>
+          <a:noFill/>
+        </p:spPr>
+        <p:txBody>
+          <a:bodyPr wrap="square" rtlCol="0">
+            <a:spAutoFit/>
+          </a:bodyPr>
+          <a:lstStyle/>
+          <a:p>
+            <a:r>
+              <a:rPr lang="en-US" smtClean="0"/>
+              <a:t>10. Cập nhật thông tin  </a:t>
+            </a:r>
+            <a:r>
+              <a:rPr lang="en-US" sz="1400" smtClean="0"/>
+              <a:t>( cho tài khoản gian hàng và tài khoản cá nhân )</a:t>
+            </a:r>
+          </a:p>
+        </p:txBody>
+      </p:sp>
+      <p:sp>
+        <p:nvSpPr>
+          <p:cNvPr id="8" name="TextBox 7"/>
+          <p:cNvSpPr txBox="1"/>
+          <p:nvPr/>
+        </p:nvSpPr>
+        <p:spPr>
+          <a:xfrm>
+            <a:off x="1219200" y="4539043"/>
+            <a:ext cx="7772400" cy="338554"/>
+          </a:xfrm>
+          <a:prstGeom prst="rect">
+            <a:avLst/>
+          </a:prstGeom>
+          <a:noFill/>
+        </p:spPr>
+        <p:txBody>
+          <a:bodyPr wrap="square" rtlCol="0">
+            <a:spAutoFit/>
+          </a:bodyPr>
+          <a:lstStyle/>
+          <a:p>
+            <a:pPr marL="342900" indent="-342900">
+              <a:buFont typeface="+mj-lt"/>
+              <a:buAutoNum type="arabicPeriod"/>
+            </a:pPr>
+            <a:r>
+              <a:rPr lang="en-US" sz="1600" smtClean="0"/>
+              <a:t>Cập nhật lại thông tin</a:t>
+            </a:r>
+          </a:p>
+        </p:txBody>
+      </p:sp>
+      <p:sp>
+        <p:nvSpPr>
+          <p:cNvPr id="9" name="TextBox 8"/>
+          <p:cNvSpPr txBox="1"/>
+          <p:nvPr/>
+        </p:nvSpPr>
+        <p:spPr>
+          <a:xfrm>
+            <a:off x="990600" y="5132485"/>
+            <a:ext cx="7772400" cy="369332"/>
+          </a:xfrm>
+          <a:prstGeom prst="rect">
+            <a:avLst/>
+          </a:prstGeom>
+          <a:noFill/>
+        </p:spPr>
+        <p:txBody>
+          <a:bodyPr wrap="square" rtlCol="0">
+            <a:spAutoFit/>
+          </a:bodyPr>
+          <a:lstStyle/>
+          <a:p>
+            <a:r>
+              <a:rPr lang="en-US" smtClean="0"/>
+              <a:t>11. Xem các lịch sử giao dịch  </a:t>
+            </a:r>
+            <a:r>
+              <a:rPr lang="en-US" sz="1400" smtClean="0"/>
+              <a:t>( cho tài khoản cá nhân )</a:t>
+            </a:r>
+          </a:p>
+        </p:txBody>
+      </p:sp>
+    </p:spTree>
+    <p:extLst>
+      <p:ext uri="{BB962C8B-B14F-4D97-AF65-F5344CB8AC3E}">
+        <p14:creationId xmlns:p14="http://schemas.microsoft.com/office/powerpoint/2010/main" val="2056468786"/>
+      </p:ext>
+    </p:extLst>
+  </p:cSld>
+  <p:clrMapOvr>
+    <a:masterClrMapping/>
+  </p:clrMapOvr>
+  <p:timing>
+    <p:tnLst>
+      <p:par>
+        <p:cTn id="1" dur="indefinite" restart="never" nodeType="tmRoot"/>
+      </p:par>
+    </p:tnLst>
+  </p:timing>
+</p:sld>
+</file>
+
+<file path=ppt/slides/slide27.xml><?xml version="1.0" encoding="utf-8"?>
+<p:sld xmlns:a="http://schemas.openxmlformats.org/drawingml/2006/main" xmlns:r="http://schemas.openxmlformats.org/officeDocument/2006/relationships" xmlns:p="http://schemas.openxmlformats.org/presentationml/2006/main">
+  <p:cSld>
+    <p:spTree>
+      <p:nvGrpSpPr>
+        <p:cNvPr id="1" name=""/>
+        <p:cNvGrpSpPr/>
+        <p:nvPr/>
+      </p:nvGrpSpPr>
+      <p:grpSpPr>
+        <a:xfrm>
+          <a:off x="0" y="0"/>
+          <a:ext cx="0" cy="0"/>
+          <a:chOff x="0" y="0"/>
+          <a:chExt cx="0" cy="0"/>
+        </a:xfrm>
+      </p:grpSpPr>
+      <p:sp>
+        <p:nvSpPr>
+          <p:cNvPr id="25602" name="Rectangle 2">
+            <a:extLst>
+              <a:ext uri="{FF2B5EF4-FFF2-40B4-BE49-F238E27FC236}">
+                <a16:creationId xmlns:a16="http://schemas.microsoft.com/office/drawing/2014/main" id="{D09A8D8C-80F7-440C-BEF1-9EFA4CBAAA33}"/>
+              </a:ext>
+            </a:extLst>
+          </p:cNvPr>
+          <p:cNvSpPr>
+            <a:spLocks noGrp="1" noChangeArrowheads="1"/>
+          </p:cNvSpPr>
+          <p:nvPr>
+            <p:ph type="title"/>
+          </p:nvPr>
+        </p:nvSpPr>
+        <p:spPr/>
+        <p:txBody>
+          <a:bodyPr/>
+          <a:lstStyle/>
+          <a:p>
+            <a:r>
+              <a:rPr lang="en-US" altLang="en-US" smtClean="0"/>
+              <a:t>C. Kết luận và hướng phát triển</a:t>
+            </a:r>
+            <a:endParaRPr lang="en-US" altLang="en-US"/>
+          </a:p>
+        </p:txBody>
+      </p:sp>
+      <p:sp>
+        <p:nvSpPr>
+          <p:cNvPr id="25603" name="Rectangle 3">
+            <a:extLst>
+              <a:ext uri="{FF2B5EF4-FFF2-40B4-BE49-F238E27FC236}">
+                <a16:creationId xmlns:a16="http://schemas.microsoft.com/office/drawing/2014/main" id="{2EE127BF-401A-4C36-A14A-872ADB44AB18}"/>
+              </a:ext>
+            </a:extLst>
+          </p:cNvPr>
+          <p:cNvSpPr>
+            <a:spLocks noGrp="1" noChangeArrowheads="1"/>
+          </p:cNvSpPr>
+          <p:nvPr>
+            <p:ph type="body" idx="1"/>
+          </p:nvPr>
+        </p:nvSpPr>
+        <p:spPr>
+          <a:xfrm>
+            <a:off x="762000" y="1633538"/>
+            <a:ext cx="8077200" cy="576262"/>
+          </a:xfrm>
+        </p:spPr>
+        <p:txBody>
+          <a:bodyPr/>
+          <a:lstStyle/>
+          <a:p>
+            <a:pPr marL="514350" indent="-514350">
+              <a:buFont typeface="+mj-lt"/>
+              <a:buAutoNum type="arabicPeriod"/>
+            </a:pPr>
+            <a:r>
+              <a:rPr lang="en-US" altLang="en-US" smtClean="0"/>
+              <a:t>Kết luận</a:t>
+            </a:r>
+            <a:endParaRPr lang="en-US" altLang="en-US"/>
+          </a:p>
+        </p:txBody>
+      </p:sp>
+      <p:sp>
+        <p:nvSpPr>
+          <p:cNvPr id="3" name="TextBox 2"/>
+          <p:cNvSpPr txBox="1"/>
+          <p:nvPr/>
+        </p:nvSpPr>
+        <p:spPr>
+          <a:xfrm>
+            <a:off x="1066800" y="2209800"/>
+            <a:ext cx="7467600" cy="3416320"/>
+          </a:xfrm>
+          <a:prstGeom prst="rect">
+            <a:avLst/>
+          </a:prstGeom>
+          <a:noFill/>
+        </p:spPr>
+        <p:txBody>
+          <a:bodyPr wrap="square" rtlCol="0">
+            <a:spAutoFit/>
+          </a:bodyPr>
+          <a:lstStyle/>
+          <a:p>
+            <a:pPr marL="285750" indent="-285750">
+              <a:buFont typeface="Wingdings" panose="05000000000000000000" pitchFamily="2" charset="2"/>
+              <a:buChar char="ü"/>
+            </a:pPr>
+            <a:r>
+              <a:rPr lang="en-US" smtClean="0"/>
+              <a:t>Hệ thống đáp ứng đầy đủ các chức năng cho từng người dùng.</a:t>
+            </a:r>
+          </a:p>
+          <a:p>
+            <a:pPr marL="285750" indent="-285750">
+              <a:buFont typeface="Wingdings" panose="05000000000000000000" pitchFamily="2" charset="2"/>
+              <a:buChar char="ü"/>
+            </a:pPr>
+            <a:endParaRPr lang="en-US" smtClean="0"/>
+          </a:p>
+          <a:p>
+            <a:pPr marL="285750" indent="-285750">
+              <a:buFont typeface="Wingdings" panose="05000000000000000000" pitchFamily="2" charset="2"/>
+              <a:buChar char="ü"/>
+            </a:pPr>
+            <a:r>
+              <a:rPr lang="en-US" smtClean="0"/>
+              <a:t>Giao diện dể sử dụng.</a:t>
+            </a:r>
+          </a:p>
+          <a:p>
+            <a:pPr marL="285750" indent="-285750">
+              <a:buFont typeface="Wingdings" panose="05000000000000000000" pitchFamily="2" charset="2"/>
+              <a:buChar char="ü"/>
+            </a:pPr>
+            <a:endParaRPr lang="en-US" smtClean="0"/>
+          </a:p>
+          <a:p>
+            <a:pPr marL="285750" indent="-285750">
+              <a:buFont typeface="Wingdings" panose="05000000000000000000" pitchFamily="2" charset="2"/>
+              <a:buChar char="ü"/>
+            </a:pPr>
+            <a:r>
+              <a:rPr lang="en-US" smtClean="0"/>
+              <a:t>Xây dựng được một hệ thống tiện lợi cho doanh nghiệp cũng như nhu cầu của khách hàng.</a:t>
+            </a:r>
+          </a:p>
+          <a:p>
+            <a:pPr marL="285750" indent="-285750">
+              <a:buFont typeface="Wingdings" panose="05000000000000000000" pitchFamily="2" charset="2"/>
+              <a:buChar char="ü"/>
+            </a:pPr>
+            <a:endParaRPr lang="en-US" smtClean="0"/>
+          </a:p>
+          <a:p>
+            <a:pPr marL="285750" indent="-285750">
+              <a:buFont typeface="Wingdings" panose="05000000000000000000" pitchFamily="2" charset="2"/>
+              <a:buChar char="ü"/>
+            </a:pPr>
+            <a:r>
+              <a:rPr lang="en-US" smtClean="0"/>
+              <a:t>Doanh nghiệp giảm chi phí  cho hoạt động kinh doanh.</a:t>
+            </a:r>
+          </a:p>
+          <a:p>
+            <a:pPr marL="285750" indent="-285750">
+              <a:buFont typeface="Wingdings" panose="05000000000000000000" pitchFamily="2" charset="2"/>
+              <a:buChar char="ü"/>
+            </a:pPr>
+            <a:endParaRPr lang="en-US" smtClean="0"/>
+          </a:p>
+          <a:p>
+            <a:pPr marL="285750" indent="-285750">
+              <a:buFont typeface="Wingdings" panose="05000000000000000000" pitchFamily="2" charset="2"/>
+              <a:buChar char="ü"/>
+            </a:pPr>
+            <a:r>
+              <a:rPr lang="en-US" smtClean="0"/>
+              <a:t>Khách hàng thì giảm chi phí đi lại mà được mua sản phẩm đúng với mong muốn mà không cần đến cửa hàng.</a:t>
+            </a:r>
+          </a:p>
+          <a:p>
+            <a:endParaRPr lang="en-US"/>
+          </a:p>
+        </p:txBody>
+      </p:sp>
+    </p:spTree>
+    <p:extLst>
+      <p:ext uri="{BB962C8B-B14F-4D97-AF65-F5344CB8AC3E}">
+        <p14:creationId xmlns:p14="http://schemas.microsoft.com/office/powerpoint/2010/main" val="2757833180"/>
+      </p:ext>
+    </p:extLst>
+  </p:cSld>
+  <p:clrMapOvr>
+    <a:masterClrMapping/>
+  </p:clrMapOvr>
+  <p:timing>
+    <p:tnLst>
+      <p:par>
+        <p:cTn id="1" dur="indefinite" restart="never" nodeType="tmRoot"/>
+      </p:par>
+    </p:tnLst>
+  </p:timing>
+</p:sld>
+</file>
+
+<file path=ppt/slides/slide28.xml><?xml version="1.0" encoding="utf-8"?>
+<p:sld xmlns:a="http://schemas.openxmlformats.org/drawingml/2006/main" xmlns:r="http://schemas.openxmlformats.org/officeDocument/2006/relationships" xmlns:p="http://schemas.openxmlformats.org/presentationml/2006/main">
+  <p:cSld>
+    <p:spTree>
+      <p:nvGrpSpPr>
+        <p:cNvPr id="1" name=""/>
+        <p:cNvGrpSpPr/>
+        <p:nvPr/>
+      </p:nvGrpSpPr>
+      <p:grpSpPr>
+        <a:xfrm>
+          <a:off x="0" y="0"/>
+          <a:ext cx="0" cy="0"/>
+          <a:chOff x="0" y="0"/>
+          <a:chExt cx="0" cy="0"/>
+        </a:xfrm>
+      </p:grpSpPr>
+      <p:sp>
+        <p:nvSpPr>
+          <p:cNvPr id="25602" name="Rectangle 2">
+            <a:extLst>
+              <a:ext uri="{FF2B5EF4-FFF2-40B4-BE49-F238E27FC236}">
+                <a16:creationId xmlns:a16="http://schemas.microsoft.com/office/drawing/2014/main" id="{D09A8D8C-80F7-440C-BEF1-9EFA4CBAAA33}"/>
+              </a:ext>
+            </a:extLst>
+          </p:cNvPr>
+          <p:cNvSpPr>
+            <a:spLocks noGrp="1" noChangeArrowheads="1"/>
+          </p:cNvSpPr>
+          <p:nvPr>
+            <p:ph type="title"/>
+          </p:nvPr>
+        </p:nvSpPr>
+        <p:spPr/>
+        <p:txBody>
+          <a:bodyPr/>
+          <a:lstStyle/>
+          <a:p>
+            <a:r>
+              <a:rPr lang="en-US" altLang="en-US" smtClean="0"/>
+              <a:t>C. Kết luận và hướng phát triển</a:t>
+            </a:r>
+            <a:endParaRPr lang="en-US" altLang="en-US"/>
+          </a:p>
+        </p:txBody>
+      </p:sp>
+      <p:sp>
+        <p:nvSpPr>
+          <p:cNvPr id="25603" name="Rectangle 3">
+            <a:extLst>
+              <a:ext uri="{FF2B5EF4-FFF2-40B4-BE49-F238E27FC236}">
+                <a16:creationId xmlns:a16="http://schemas.microsoft.com/office/drawing/2014/main" id="{2EE127BF-401A-4C36-A14A-872ADB44AB18}"/>
+              </a:ext>
+            </a:extLst>
+          </p:cNvPr>
+          <p:cNvSpPr>
+            <a:spLocks noGrp="1" noChangeArrowheads="1"/>
+          </p:cNvSpPr>
+          <p:nvPr>
+            <p:ph type="body" idx="1"/>
+          </p:nvPr>
+        </p:nvSpPr>
+        <p:spPr>
+          <a:xfrm>
+            <a:off x="762000" y="1633538"/>
+            <a:ext cx="8077200" cy="576262"/>
+          </a:xfrm>
+        </p:spPr>
+        <p:txBody>
+          <a:bodyPr/>
+          <a:lstStyle/>
+          <a:p>
+            <a:pPr marL="0" indent="0">
+              <a:buNone/>
+            </a:pPr>
+            <a:r>
+              <a:rPr lang="en-US" altLang="en-US" smtClean="0"/>
+              <a:t>2. Hướng phát triển</a:t>
+            </a:r>
+          </a:p>
+          <a:p>
+            <a:pPr>
+              <a:buFont typeface="Wingdings" panose="05000000000000000000" pitchFamily="2" charset="2"/>
+              <a:buChar char="ü"/>
+            </a:pPr>
+            <a:endParaRPr lang="en-US" altLang="en-US"/>
+          </a:p>
+        </p:txBody>
+      </p:sp>
+      <p:sp>
+        <p:nvSpPr>
+          <p:cNvPr id="2" name="TextBox 1"/>
+          <p:cNvSpPr txBox="1"/>
+          <p:nvPr/>
+        </p:nvSpPr>
+        <p:spPr>
+          <a:xfrm>
+            <a:off x="914400" y="2438400"/>
+            <a:ext cx="7467600" cy="1200329"/>
+          </a:xfrm>
+          <a:prstGeom prst="rect">
+            <a:avLst/>
+          </a:prstGeom>
+          <a:noFill/>
+        </p:spPr>
+        <p:txBody>
+          <a:bodyPr wrap="square" rtlCol="0">
+            <a:spAutoFit/>
+          </a:bodyPr>
+          <a:lstStyle/>
+          <a:p>
+            <a:pPr marL="285750" indent="-285750">
+              <a:buFont typeface="Wingdings" panose="05000000000000000000" pitchFamily="2" charset="2"/>
+              <a:buChar char="ü"/>
+            </a:pPr>
+            <a:r>
+              <a:rPr lang="en-US" smtClean="0"/>
+              <a:t>Mở rộng thêm chức năng và có thêm nhiều người dùng trong hệ thống hơn.</a:t>
+            </a:r>
+          </a:p>
+          <a:p>
+            <a:pPr marL="285750" indent="-285750">
+              <a:buFont typeface="Wingdings" panose="05000000000000000000" pitchFamily="2" charset="2"/>
+              <a:buChar char="ü"/>
+            </a:pPr>
+            <a:r>
+              <a:rPr lang="en-US" smtClean="0"/>
+              <a:t>Làm cho hệ thống ngày càng dể sử dụng hơn.</a:t>
+            </a:r>
+          </a:p>
+          <a:p>
+            <a:pPr marL="285750" indent="-285750">
+              <a:buFont typeface="Wingdings" panose="05000000000000000000" pitchFamily="2" charset="2"/>
+              <a:buChar char="ü"/>
+            </a:pPr>
+            <a:endParaRPr lang="en-US" smtClean="0"/>
+          </a:p>
+        </p:txBody>
+      </p:sp>
+    </p:spTree>
+    <p:extLst>
+      <p:ext uri="{BB962C8B-B14F-4D97-AF65-F5344CB8AC3E}">
+        <p14:creationId xmlns:p14="http://schemas.microsoft.com/office/powerpoint/2010/main" val="1795776473"/>
+      </p:ext>
+    </p:extLst>
+  </p:cSld>
+  <p:clrMapOvr>
+    <a:masterClrMapping/>
+  </p:clrMapOvr>
+  <p:timing>
+    <p:tnLst>
+      <p:par>
+        <p:cTn id="1" dur="indefinite" restart="never" nodeType="tmRoot"/>
+      </p:par>
+    </p:tnLst>
+  </p:timing>
+</p:sld>
+</file>
+
+<file path=ppt/slides/slide29.xml><?xml version="1.0" encoding="utf-8"?>
+<p:sld xmlns:a="http://schemas.openxmlformats.org/drawingml/2006/main" xmlns:r="http://schemas.openxmlformats.org/officeDocument/2006/relationships" xmlns:p="http://schemas.openxmlformats.org/presentationml/2006/main">
+  <p:cSld>
+    <p:spTree>
+      <p:nvGrpSpPr>
+        <p:cNvPr id="1" name=""/>
+        <p:cNvGrpSpPr/>
+        <p:nvPr/>
+      </p:nvGrpSpPr>
+      <p:grpSpPr>
+        <a:xfrm>
+          <a:off x="0" y="0"/>
+          <a:ext cx="0" cy="0"/>
+          <a:chOff x="0" y="0"/>
+          <a:chExt cx="0" cy="0"/>
+        </a:xfrm>
+      </p:grpSpPr>
+      <p:sp>
+        <p:nvSpPr>
+          <p:cNvPr id="25602" name="Rectangle 2">
+            <a:extLst>
+              <a:ext uri="{FF2B5EF4-FFF2-40B4-BE49-F238E27FC236}">
+                <a16:creationId xmlns:a16="http://schemas.microsoft.com/office/drawing/2014/main" id="{D09A8D8C-80F7-440C-BEF1-9EFA4CBAAA33}"/>
+              </a:ext>
+            </a:extLst>
+          </p:cNvPr>
+          <p:cNvSpPr>
+            <a:spLocks noGrp="1" noChangeArrowheads="1"/>
+          </p:cNvSpPr>
+          <p:nvPr>
+            <p:ph type="title"/>
+          </p:nvPr>
+        </p:nvSpPr>
+        <p:spPr/>
+        <p:txBody>
+          <a:bodyPr/>
+          <a:lstStyle/>
+          <a:p>
+            <a:r>
+              <a:rPr lang="en-US" altLang="en-US" smtClean="0"/>
+              <a:t>D</a:t>
+            </a:r>
+            <a:r>
+              <a:rPr lang="en-US" altLang="en-US"/>
+              <a:t>.</a:t>
+            </a:r>
+            <a:r>
+              <a:rPr lang="en-US" altLang="en-US" smtClean="0"/>
+              <a:t> Demo</a:t>
+            </a:r>
+            <a:endParaRPr lang="en-US" altLang="en-US"/>
+          </a:p>
+        </p:txBody>
+      </p:sp>
+      <p:sp>
+        <p:nvSpPr>
+          <p:cNvPr id="25603" name="Rectangle 3">
+            <a:extLst>
+              <a:ext uri="{FF2B5EF4-FFF2-40B4-BE49-F238E27FC236}">
+                <a16:creationId xmlns:a16="http://schemas.microsoft.com/office/drawing/2014/main" id="{2EE127BF-401A-4C36-A14A-872ADB44AB18}"/>
+              </a:ext>
+            </a:extLst>
+          </p:cNvPr>
+          <p:cNvSpPr>
+            <a:spLocks noGrp="1" noChangeArrowheads="1"/>
+          </p:cNvSpPr>
+          <p:nvPr>
+            <p:ph type="body" idx="1"/>
+          </p:nvPr>
+        </p:nvSpPr>
+        <p:spPr>
+          <a:xfrm>
+            <a:off x="762000" y="1633538"/>
+            <a:ext cx="8077200" cy="4767262"/>
+          </a:xfrm>
+        </p:spPr>
+        <p:txBody>
+          <a:bodyPr/>
+          <a:lstStyle/>
+          <a:p>
+            <a:r>
+              <a:rPr lang="en-US" altLang="en-US" err="1" smtClean="0"/>
+              <a:t>Các</a:t>
             </a:r>
             <a:r>
               <a:rPr lang="en-US" altLang="en-US" smtClean="0"/>
@@ -12525,7 +15441,7 @@
             </a:r>
             <a:r>
               <a:rPr lang="en-US" altLang="en-US" err="1" smtClean="0"/>
-              <a:t>ơn</a:t>
+              <a:t>chức</a:t>
             </a:r>
             <a:r>
               <a:rPr lang="en-US" altLang="en-US" smtClean="0"/>
@@ -12533,15 +15449,21 @@
             </a:r>
             <a:r>
               <a:rPr lang="en-US" altLang="en-US" err="1" smtClean="0"/>
-              <a:t>các</a:t>
-            </a:r>
-            <a:r>
-              <a:rPr lang="en-US" altLang="en-US"/>
-              <a:t> </a:t>
-            </a:r>
+              <a:t>năng</a:t>
+            </a:r>
+            <a:r>
+              <a:rPr lang="en-US" altLang="en-US" smtClean="0"/>
+              <a:t> demo</a:t>
+            </a:r>
+          </a:p>
+          <a:p>
+            <a:pPr marL="514350" indent="-514350">
+              <a:buFont typeface="+mj-lt"/>
+              <a:buAutoNum type="arabicPeriod"/>
+            </a:pPr>
             <a:r>
               <a:rPr lang="en-US" altLang="en-US" err="1" smtClean="0"/>
-              <a:t>thầy</a:t>
+              <a:t>Đăng</a:t>
             </a:r>
             <a:r>
               <a:rPr lang="en-US" altLang="en-US" smtClean="0"/>
@@ -12549,7 +15471,7 @@
             </a:r>
             <a:r>
               <a:rPr lang="en-US" altLang="en-US" err="1" smtClean="0"/>
-              <a:t>cô</a:t>
+              <a:t>ký</a:t>
             </a:r>
             <a:r>
               <a:rPr lang="en-US" altLang="en-US" smtClean="0"/>
@@ -12557,7 +15479,25 @@
             </a:r>
             <a:r>
               <a:rPr lang="en-US" altLang="en-US" err="1" smtClean="0"/>
-              <a:t>và</a:t>
+              <a:t>tài</a:t>
+            </a:r>
+            <a:r>
+              <a:rPr lang="en-US" altLang="en-US" smtClean="0"/>
+              <a:t> khoản </a:t>
+            </a:r>
+            <a:r>
+              <a:rPr lang="en-US" altLang="en-US" sz="1400" smtClean="0"/>
+              <a:t>( tài khoản gian hàng &amp; tài khoản thông thường )</a:t>
+            </a:r>
+          </a:p>
+          <a:p>
+            <a:pPr marL="514350" indent="-514350">
+              <a:buFont typeface="+mj-lt"/>
+              <a:buAutoNum type="arabicPeriod"/>
+            </a:pPr>
+            <a:r>
+              <a:rPr lang="en-US" altLang="en-US" err="1" smtClean="0"/>
+              <a:t>Đặt</a:t>
             </a:r>
             <a:r>
               <a:rPr lang="en-US" altLang="en-US" smtClean="0"/>
@@ -12565,7 +15505,18 @@
             </a:r>
             <a:r>
               <a:rPr lang="en-US" altLang="en-US" err="1" smtClean="0"/>
-              <a:t>các</a:t>
+              <a:t>hàng</a:t>
+            </a:r>
+            <a:endParaRPr lang="en-US" altLang="en-US" smtClean="0"/>
+          </a:p>
+          <a:p>
+            <a:pPr marL="514350" indent="-514350">
+              <a:buFont typeface="+mj-lt"/>
+              <a:buAutoNum type="arabicPeriod"/>
+            </a:pPr>
+            <a:r>
+              <a:rPr lang="en-US" altLang="en-US" err="1" smtClean="0"/>
+              <a:t>Quản</a:t>
             </a:r>
             <a:r>
               <a:rPr lang="en-US" altLang="en-US" smtClean="0"/>
@@ -12573,7 +15524,7 @@
             </a:r>
             <a:r>
               <a:rPr lang="en-US" altLang="en-US" err="1" smtClean="0"/>
-              <a:t>bạn</a:t>
+              <a:t>lý</a:t>
             </a:r>
             <a:r>
               <a:rPr lang="en-US" altLang="en-US" smtClean="0"/>
@@ -12581,7 +15532,7 @@
             </a:r>
             <a:r>
               <a:rPr lang="en-US" altLang="en-US" err="1" smtClean="0"/>
-              <a:t>đã</a:t>
+              <a:t>sản</a:t>
             </a:r>
             <a:r>
               <a:rPr lang="en-US" altLang="en-US" smtClean="0"/>
@@ -12589,7 +15540,32 @@
             </a:r>
             <a:r>
               <a:rPr lang="en-US" altLang="en-US" err="1" smtClean="0"/>
-              <a:t>lắng</a:t>
+              <a:t>phẩm</a:t>
+            </a:r>
+            <a:endParaRPr lang="en-US" altLang="en-US" smtClean="0"/>
+          </a:p>
+          <a:p>
+            <a:pPr marL="514350" indent="-514350">
+              <a:buFont typeface="+mj-lt"/>
+              <a:buAutoNum type="arabicPeriod"/>
+            </a:pPr>
+            <a:r>
+              <a:rPr lang="en-US" altLang="en-US" smtClean="0"/>
+              <a:t>Quản lý đơn hàng</a:t>
+            </a:r>
+          </a:p>
+          <a:p>
+            <a:pPr marL="514350" indent="-514350">
+              <a:buFont typeface="+mj-lt"/>
+              <a:buAutoNum type="arabicPeriod"/>
+            </a:pPr>
+            <a:r>
+              <a:rPr lang="en-US" altLang="en-US" smtClean="0"/>
+              <a:t>Quản lý </a:t>
+            </a:r>
+            <a:r>
+              <a:rPr lang="en-US" altLang="en-US" err="1" smtClean="0"/>
+              <a:t>sổ</a:t>
             </a:r>
             <a:r>
               <a:rPr lang="en-US" altLang="en-US" smtClean="0"/>
@@ -12597,17 +15573,89 @@
             </a:r>
             <a:r>
               <a:rPr lang="en-US" altLang="en-US" err="1" smtClean="0"/>
-              <a:t>nghe</a:t>
+              <a:t>địa</a:t>
             </a:r>
             <a:r>
               <a:rPr lang="en-US" altLang="en-US" smtClean="0"/>
-              <a:t>!</a:t>
-            </a:r>
-            <a:endParaRPr lang="en-US" altLang="en-US"/>
+              <a:t> </a:t>
+            </a:r>
+            <a:r>
+              <a:rPr lang="en-US" altLang="en-US" err="1" smtClean="0"/>
+              <a:t>chỉ</a:t>
+            </a:r>
+            <a:endParaRPr lang="en-US" altLang="en-US" smtClean="0"/>
+          </a:p>
+          <a:p>
+            <a:pPr marL="514350" indent="-514350">
+              <a:buFont typeface="+mj-lt"/>
+              <a:buAutoNum type="arabicPeriod"/>
+            </a:pPr>
+            <a:r>
+              <a:rPr lang="en-US" altLang="en-US" smtClean="0"/>
+              <a:t>Quản lý </a:t>
+            </a:r>
+            <a:r>
+              <a:rPr lang="en-US" altLang="en-US" err="1" smtClean="0"/>
+              <a:t>tài</a:t>
+            </a:r>
+            <a:r>
+              <a:rPr lang="en-US" altLang="en-US" smtClean="0"/>
+              <a:t> khoản </a:t>
+            </a:r>
+            <a:r>
+              <a:rPr lang="en-US" altLang="en-US" sz="3200" smtClean="0"/>
+              <a:t> </a:t>
+            </a:r>
+            <a:r>
+              <a:rPr lang="en-US" altLang="en-US" sz="1400" smtClean="0"/>
+              <a:t>( tài </a:t>
+            </a:r>
+            <a:r>
+              <a:rPr lang="en-US" altLang="en-US" sz="1400"/>
+              <a:t>khoản gian </a:t>
+            </a:r>
+            <a:r>
+              <a:rPr lang="en-US" altLang="en-US" sz="1400" smtClean="0"/>
+              <a:t>hàng </a:t>
+            </a:r>
+            <a:r>
+              <a:rPr lang="en-US" altLang="en-US" sz="1400"/>
+              <a:t>&amp; tài khoản thông </a:t>
+            </a:r>
+            <a:r>
+              <a:rPr lang="en-US" altLang="en-US" sz="1400" smtClean="0"/>
+              <a:t>thường )</a:t>
+            </a:r>
+            <a:endParaRPr lang="en-US" altLang="en-US" smtClean="0"/>
+          </a:p>
+          <a:p>
+            <a:pPr marL="514350" indent="-514350">
+              <a:buFont typeface="+mj-lt"/>
+              <a:buAutoNum type="arabicPeriod"/>
+            </a:pPr>
+            <a:r>
+              <a:rPr lang="en-US" altLang="en-US" smtClean="0"/>
+              <a:t>Quản lý phân cấp hoa hồng</a:t>
+            </a:r>
+          </a:p>
+          <a:p>
+            <a:pPr marL="514350" indent="-514350">
+              <a:buFont typeface="+mj-lt"/>
+              <a:buAutoNum type="arabicPeriod"/>
+            </a:pPr>
+            <a:r>
+              <a:rPr lang="en-US" altLang="en-US" smtClean="0"/>
+              <a:t>Quản lý hoa hồng</a:t>
+            </a:r>
           </a:p>
         </p:txBody>
       </p:sp>
     </p:spTree>
+    <p:extLst>
+      <p:ext uri="{BB962C8B-B14F-4D97-AF65-F5344CB8AC3E}">
+        <p14:creationId xmlns:p14="http://schemas.microsoft.com/office/powerpoint/2010/main" val="170004090"/>
+      </p:ext>
+    </p:extLst>
   </p:cSld>
   <p:clrMapOvr>
     <a:masterClrMapping/>
@@ -12770,6 +15818,647 @@
             <a:r>
               <a:rPr lang="en-US" altLang="en-US" smtClean="0"/>
               <a:t>Phân cấp hoa hồng</a:t>
+            </a:r>
+            <a:endParaRPr lang="en-US" altLang="en-US"/>
+          </a:p>
+        </p:txBody>
+      </p:sp>
+    </p:spTree>
+  </p:cSld>
+  <p:clrMapOvr>
+    <a:masterClrMapping/>
+  </p:clrMapOvr>
+  <p:timing>
+    <p:tnLst>
+      <p:par>
+        <p:cTn id="1" dur="indefinite" restart="never" nodeType="tmRoot"/>
+      </p:par>
+    </p:tnLst>
+  </p:timing>
+</p:sld>
+</file>
+
+<file path=ppt/slides/slide30.xml><?xml version="1.0" encoding="utf-8"?>
+<p:sld xmlns:a="http://schemas.openxmlformats.org/drawingml/2006/main" xmlns:r="http://schemas.openxmlformats.org/officeDocument/2006/relationships" xmlns:p="http://schemas.openxmlformats.org/presentationml/2006/main">
+  <p:cSld>
+    <p:spTree>
+      <p:nvGrpSpPr>
+        <p:cNvPr id="1" name=""/>
+        <p:cNvGrpSpPr/>
+        <p:nvPr/>
+      </p:nvGrpSpPr>
+      <p:grpSpPr>
+        <a:xfrm>
+          <a:off x="0" y="0"/>
+          <a:ext cx="0" cy="0"/>
+          <a:chOff x="0" y="0"/>
+          <a:chExt cx="0" cy="0"/>
+        </a:xfrm>
+      </p:grpSpPr>
+      <p:sp>
+        <p:nvSpPr>
+          <p:cNvPr id="25602" name="Rectangle 2">
+            <a:extLst>
+              <a:ext uri="{FF2B5EF4-FFF2-40B4-BE49-F238E27FC236}">
+                <a16:creationId xmlns:a16="http://schemas.microsoft.com/office/drawing/2014/main" id="{D09A8D8C-80F7-440C-BEF1-9EFA4CBAAA33}"/>
+              </a:ext>
+            </a:extLst>
+          </p:cNvPr>
+          <p:cNvSpPr>
+            <a:spLocks noGrp="1" noChangeArrowheads="1"/>
+          </p:cNvSpPr>
+          <p:nvPr>
+            <p:ph type="title"/>
+          </p:nvPr>
+        </p:nvSpPr>
+        <p:spPr/>
+        <p:txBody>
+          <a:bodyPr/>
+          <a:lstStyle/>
+          <a:p>
+            <a:r>
+              <a:rPr lang="en-US" altLang="en-US" smtClean="0"/>
+              <a:t>Tài liệu tham khảo</a:t>
+            </a:r>
+            <a:endParaRPr lang="en-US" altLang="en-US"/>
+          </a:p>
+        </p:txBody>
+      </p:sp>
+      <p:sp>
+        <p:nvSpPr>
+          <p:cNvPr id="25603" name="Rectangle 3">
+            <a:extLst>
+              <a:ext uri="{FF2B5EF4-FFF2-40B4-BE49-F238E27FC236}">
+                <a16:creationId xmlns:a16="http://schemas.microsoft.com/office/drawing/2014/main" id="{2EE127BF-401A-4C36-A14A-872ADB44AB18}"/>
+              </a:ext>
+            </a:extLst>
+          </p:cNvPr>
+          <p:cNvSpPr>
+            <a:spLocks noGrp="1" noChangeArrowheads="1"/>
+          </p:cNvSpPr>
+          <p:nvPr>
+            <p:ph type="body" idx="1"/>
+          </p:nvPr>
+        </p:nvSpPr>
+        <p:spPr>
+          <a:xfrm>
+            <a:off x="762000" y="1633538"/>
+            <a:ext cx="8077200" cy="4767262"/>
+          </a:xfrm>
+        </p:spPr>
+        <p:txBody>
+          <a:bodyPr/>
+          <a:lstStyle/>
+          <a:p>
+            <a:r>
+              <a:rPr lang="vi-VN" altLang="en-US" sz="1400">
+                <a:solidFill>
+                  <a:schemeClr val="tx1"/>
+                </a:solidFill>
+              </a:rPr>
+              <a:t>1. PGS.TS. Huỳnh Xuân Hiệp, Ths. Phan Phương Lan, giáo trình </a:t>
+            </a:r>
+            <a:r>
+              <a:rPr lang="vi-VN" altLang="en-US" sz="1400" i="1">
+                <a:solidFill>
+                  <a:schemeClr val="tx1"/>
+                </a:solidFill>
+              </a:rPr>
+              <a:t>Nhập môn công nghệ phần mềm</a:t>
+            </a:r>
+            <a:r>
+              <a:rPr lang="vi-VN" altLang="en-US" sz="1400">
+                <a:solidFill>
+                  <a:schemeClr val="tx1"/>
+                </a:solidFill>
+              </a:rPr>
+              <a:t>, NXB Đại Học Cần Thơ, 2011. </a:t>
+            </a:r>
+            <a:endParaRPr lang="en-US" altLang="en-US" sz="1400" smtClean="0">
+              <a:solidFill>
+                <a:schemeClr val="tx1"/>
+              </a:solidFill>
+            </a:endParaRPr>
+          </a:p>
+          <a:p>
+            <a:r>
+              <a:rPr lang="vi-VN" altLang="en-US" sz="1400" smtClean="0">
+                <a:solidFill>
+                  <a:schemeClr val="tx1"/>
+                </a:solidFill>
+              </a:rPr>
+              <a:t>2</a:t>
+            </a:r>
+            <a:r>
+              <a:rPr lang="vi-VN" altLang="en-US" sz="1400">
+                <a:solidFill>
+                  <a:schemeClr val="tx1"/>
+                </a:solidFill>
+              </a:rPr>
+              <a:t>. PGS.TS. Huỳnh Xuân Hiệp, Ths. Võ Huỳnh Trâm, Ths. Phan Phương Lan, giáo trình </a:t>
+            </a:r>
+            <a:r>
+              <a:rPr lang="vi-VN" altLang="en-US" sz="1400" i="1">
+                <a:solidFill>
+                  <a:schemeClr val="tx1"/>
+                </a:solidFill>
+              </a:rPr>
+              <a:t>Quản lý dự án phần mềm</a:t>
+            </a:r>
+            <a:r>
+              <a:rPr lang="vi-VN" altLang="en-US" sz="1400">
+                <a:solidFill>
+                  <a:schemeClr val="tx1"/>
+                </a:solidFill>
+              </a:rPr>
+              <a:t>, NXB Đại Học Cần Thơ, 2015. </a:t>
+            </a:r>
+            <a:endParaRPr lang="en-US" altLang="en-US" sz="1400" smtClean="0">
+              <a:solidFill>
+                <a:schemeClr val="tx1"/>
+              </a:solidFill>
+            </a:endParaRPr>
+          </a:p>
+          <a:p>
+            <a:r>
+              <a:rPr lang="vi-VN" altLang="en-US" sz="1400" smtClean="0">
+                <a:solidFill>
+                  <a:schemeClr val="tx1"/>
+                </a:solidFill>
+              </a:rPr>
+              <a:t>3</a:t>
+            </a:r>
+            <a:r>
+              <a:rPr lang="vi-VN" altLang="en-US" sz="1400">
+                <a:solidFill>
+                  <a:schemeClr val="tx1"/>
+                </a:solidFill>
+              </a:rPr>
+              <a:t>. Ths.GVC. Võ Huỳnh Trâm, bài giảng </a:t>
+            </a:r>
+            <a:r>
+              <a:rPr lang="vi-VN" altLang="en-US" sz="1400" i="1">
+                <a:solidFill>
+                  <a:schemeClr val="tx1"/>
+                </a:solidFill>
+              </a:rPr>
+              <a:t>Phân tích yêu cầu phần mềm</a:t>
+            </a:r>
+            <a:r>
+              <a:rPr lang="vi-VN" altLang="en-US" sz="1400">
+                <a:solidFill>
+                  <a:schemeClr val="tx1"/>
+                </a:solidFill>
+              </a:rPr>
+              <a:t>, Khoa Công Nghệ Thông Tin và Truyền Thông, Trường Đại Học Cần Thơ, 2009.  </a:t>
+            </a:r>
+            <a:endParaRPr lang="en-US" altLang="en-US" sz="1400" smtClean="0">
+              <a:solidFill>
+                <a:schemeClr val="tx1"/>
+              </a:solidFill>
+            </a:endParaRPr>
+          </a:p>
+          <a:p>
+            <a:r>
+              <a:rPr lang="vi-VN" altLang="en-US" sz="1400" smtClean="0">
+                <a:solidFill>
+                  <a:schemeClr val="tx1"/>
+                </a:solidFill>
+              </a:rPr>
+              <a:t>4</a:t>
+            </a:r>
+            <a:r>
+              <a:rPr lang="vi-VN" altLang="en-US" sz="1400">
+                <a:solidFill>
+                  <a:schemeClr val="tx1"/>
+                </a:solidFill>
+              </a:rPr>
+              <a:t>. PGS.TS. Huỳnh Xuân Hiệp, Ths. Võ Huỳnh Trâm, Ths. Phan Phương Lan, giáo trình </a:t>
+            </a:r>
+            <a:r>
+              <a:rPr lang="vi-VN" altLang="en-US" sz="1400" i="1">
+                <a:solidFill>
+                  <a:schemeClr val="tx1"/>
+                </a:solidFill>
+              </a:rPr>
+              <a:t>Kiến trúc và thiết kế phần mềm</a:t>
+            </a:r>
+            <a:r>
+              <a:rPr lang="vi-VN" altLang="en-US" sz="1400">
+                <a:solidFill>
+                  <a:schemeClr val="tx1"/>
+                </a:solidFill>
+              </a:rPr>
+              <a:t>, NXB Đại Học Cần Thơ, 2015. </a:t>
+            </a:r>
+            <a:endParaRPr lang="en-US" altLang="en-US" sz="1400" smtClean="0">
+              <a:solidFill>
+                <a:schemeClr val="tx1"/>
+              </a:solidFill>
+            </a:endParaRPr>
+          </a:p>
+          <a:p>
+            <a:r>
+              <a:rPr lang="vi-VN" altLang="en-US" sz="1400" smtClean="0">
+                <a:solidFill>
+                  <a:schemeClr val="tx1"/>
+                </a:solidFill>
+              </a:rPr>
+              <a:t>5</a:t>
+            </a:r>
+            <a:r>
+              <a:rPr lang="vi-VN" altLang="en-US" sz="1400">
+                <a:solidFill>
+                  <a:schemeClr val="tx1"/>
+                </a:solidFill>
+              </a:rPr>
+              <a:t>. PGS.TS. Trần Cao Đệ, TS. Đỗ Thanh Nghị, giáo trình </a:t>
+            </a:r>
+            <a:r>
+              <a:rPr lang="vi-VN" altLang="en-US" sz="1400" i="1">
+                <a:solidFill>
+                  <a:schemeClr val="tx1"/>
+                </a:solidFill>
+              </a:rPr>
+              <a:t>Kiểm thử phần mềm</a:t>
+            </a:r>
+            <a:r>
+              <a:rPr lang="vi-VN" altLang="en-US" sz="1400">
+                <a:solidFill>
+                  <a:schemeClr val="tx1"/>
+                </a:solidFill>
+              </a:rPr>
+              <a:t>, NXB Đại Học Cần Thơ, 2012. </a:t>
+            </a:r>
+            <a:endParaRPr lang="en-US" altLang="en-US" sz="1400" smtClean="0">
+              <a:solidFill>
+                <a:schemeClr val="tx1"/>
+              </a:solidFill>
+            </a:endParaRPr>
+          </a:p>
+          <a:p>
+            <a:r>
+              <a:rPr lang="vi-VN" altLang="en-US" sz="1400" smtClean="0">
+                <a:solidFill>
+                  <a:schemeClr val="tx1"/>
+                </a:solidFill>
+              </a:rPr>
+              <a:t>6</a:t>
+            </a:r>
+            <a:r>
+              <a:rPr lang="vi-VN" altLang="en-US" sz="1400">
+                <a:solidFill>
+                  <a:schemeClr val="tx1"/>
+                </a:solidFill>
+              </a:rPr>
+              <a:t>. PGS.TS. Trần Cao Đệ, Ths. Nguyễn Công Danh, giáo trình </a:t>
+            </a:r>
+            <a:r>
+              <a:rPr lang="vi-VN" altLang="en-US" sz="1400" i="1">
+                <a:solidFill>
+                  <a:schemeClr val="tx1"/>
+                </a:solidFill>
+              </a:rPr>
+              <a:t>Đảm bảo chất lượng phần mềm</a:t>
+            </a:r>
+            <a:r>
+              <a:rPr lang="vi-VN" altLang="en-US" sz="1400">
+                <a:solidFill>
+                  <a:schemeClr val="tx1"/>
+                </a:solidFill>
+              </a:rPr>
+              <a:t>, NXB Đại Học Cần Thơ, 2014. </a:t>
+            </a:r>
+            <a:endParaRPr lang="en-US" altLang="en-US" sz="1400" smtClean="0">
+              <a:solidFill>
+                <a:schemeClr val="tx1"/>
+              </a:solidFill>
+            </a:endParaRPr>
+          </a:p>
+          <a:p>
+            <a:r>
+              <a:rPr lang="vi-VN" altLang="en-US" sz="1400" smtClean="0">
+                <a:solidFill>
+                  <a:schemeClr val="tx1"/>
+                </a:solidFill>
+              </a:rPr>
+              <a:t>7</a:t>
+            </a:r>
+            <a:r>
+              <a:rPr lang="vi-VN" altLang="en-US" sz="1400">
+                <a:solidFill>
+                  <a:schemeClr val="tx1"/>
+                </a:solidFill>
+              </a:rPr>
+              <a:t>. PGS.TS. Huỳnh Xuân Hiệp, Ths. Phan Phương Lan, giáo trình </a:t>
+            </a:r>
+            <a:r>
+              <a:rPr lang="vi-VN" altLang="en-US" sz="1400" i="1">
+                <a:solidFill>
+                  <a:schemeClr val="tx1"/>
+                </a:solidFill>
+              </a:rPr>
+              <a:t>Bảo trì phần mềm</a:t>
+            </a:r>
+            <a:r>
+              <a:rPr lang="vi-VN" altLang="en-US" sz="1400">
+                <a:solidFill>
+                  <a:schemeClr val="tx1"/>
+                </a:solidFill>
+              </a:rPr>
+              <a:t>, NXB Đại Học Cần Thơ, 2014. </a:t>
+            </a:r>
+            <a:endParaRPr lang="en-US" altLang="en-US" sz="1400" smtClean="0">
+              <a:solidFill>
+                <a:schemeClr val="tx1"/>
+              </a:solidFill>
+            </a:endParaRPr>
+          </a:p>
+          <a:p>
+            <a:r>
+              <a:rPr lang="vi-VN" altLang="en-US" sz="1400" smtClean="0">
+                <a:solidFill>
+                  <a:schemeClr val="tx1"/>
+                </a:solidFill>
+              </a:rPr>
+              <a:t>8</a:t>
+            </a:r>
+            <a:r>
+              <a:rPr lang="vi-VN" altLang="en-US" sz="1400">
+                <a:solidFill>
+                  <a:schemeClr val="tx1"/>
+                </a:solidFill>
+              </a:rPr>
+              <a:t>. Ths.GVC. Nguyễn Văn Linh, giáo trình </a:t>
+            </a:r>
+            <a:r>
+              <a:rPr lang="vi-VN" altLang="en-US" sz="1400" i="1">
+                <a:solidFill>
+                  <a:schemeClr val="tx1"/>
+                </a:solidFill>
+              </a:rPr>
+              <a:t>Phân tích thiết kế thuật toán</a:t>
+            </a:r>
+            <a:r>
+              <a:rPr lang="vi-VN" altLang="en-US" sz="1400">
+                <a:solidFill>
+                  <a:schemeClr val="tx1"/>
+                </a:solidFill>
+              </a:rPr>
+              <a:t>, Khoa Công Nghệ Thông Tin và Truyền Thông, Đại Học Cần Thơ, 2010. </a:t>
+            </a:r>
+            <a:endParaRPr lang="en-US" altLang="en-US" sz="1400" smtClean="0">
+              <a:solidFill>
+                <a:schemeClr val="tx1"/>
+              </a:solidFill>
+            </a:endParaRPr>
+          </a:p>
+          <a:p>
+            <a:r>
+              <a:rPr lang="vi-VN" altLang="en-US" sz="1400" smtClean="0">
+                <a:solidFill>
+                  <a:schemeClr val="tx1"/>
+                </a:solidFill>
+              </a:rPr>
+              <a:t>9</a:t>
+            </a:r>
+            <a:r>
+              <a:rPr lang="vi-VN" altLang="en-US" sz="1400">
+                <a:solidFill>
+                  <a:schemeClr val="tx1"/>
+                </a:solidFill>
+              </a:rPr>
+              <a:t>. Tham khảo laravel framework trên trang : </a:t>
+            </a:r>
+            <a:r>
+              <a:rPr lang="vi-VN" altLang="en-US" sz="1400" i="1">
+                <a:solidFill>
+                  <a:schemeClr val="tx1"/>
+                </a:solidFill>
+              </a:rPr>
+              <a:t>https://laravel.com</a:t>
+            </a:r>
+            <a:r>
+              <a:rPr lang="vi-VN" altLang="en-US" sz="1400">
+                <a:solidFill>
+                  <a:schemeClr val="tx1"/>
+                </a:solidFill>
+              </a:rPr>
+              <a:t>. </a:t>
+            </a:r>
+            <a:endParaRPr lang="en-US" altLang="en-US" sz="1400" smtClean="0">
+              <a:solidFill>
+                <a:schemeClr val="tx1"/>
+              </a:solidFill>
+            </a:endParaRPr>
+          </a:p>
+          <a:p>
+            <a:r>
+              <a:rPr lang="vi-VN" altLang="en-US" sz="1400" smtClean="0">
+                <a:solidFill>
+                  <a:schemeClr val="tx1"/>
+                </a:solidFill>
+              </a:rPr>
+              <a:t>10</a:t>
+            </a:r>
+            <a:r>
+              <a:rPr lang="vi-VN" altLang="en-US" sz="1400">
+                <a:solidFill>
+                  <a:schemeClr val="tx1"/>
+                </a:solidFill>
+              </a:rPr>
+              <a:t>. Tham khảo bootstrap 4 trên : </a:t>
+            </a:r>
+            <a:r>
+              <a:rPr lang="vi-VN" altLang="en-US" sz="1400" i="1">
+                <a:solidFill>
+                  <a:schemeClr val="tx1"/>
+                </a:solidFill>
+              </a:rPr>
+              <a:t>https://getbootstrap.com/docs/4.0/gettingstarted/introduction/</a:t>
+            </a:r>
+            <a:r>
+              <a:rPr lang="vi-VN" altLang="en-US" sz="1400">
+                <a:solidFill>
+                  <a:schemeClr val="tx1"/>
+                </a:solidFill>
+              </a:rPr>
+              <a:t>. </a:t>
+            </a:r>
+            <a:endParaRPr lang="en-US" altLang="en-US" sz="1400" smtClean="0">
+              <a:solidFill>
+                <a:schemeClr val="tx1"/>
+              </a:solidFill>
+            </a:endParaRPr>
+          </a:p>
+        </p:txBody>
+      </p:sp>
+    </p:spTree>
+    <p:extLst>
+      <p:ext uri="{BB962C8B-B14F-4D97-AF65-F5344CB8AC3E}">
+        <p14:creationId xmlns:p14="http://schemas.microsoft.com/office/powerpoint/2010/main" val="3809306604"/>
+      </p:ext>
+    </p:extLst>
+  </p:cSld>
+  <p:clrMapOvr>
+    <a:masterClrMapping/>
+  </p:clrMapOvr>
+  <p:timing>
+    <p:tnLst>
+      <p:par>
+        <p:cTn id="1" dur="indefinite" restart="never" nodeType="tmRoot"/>
+      </p:par>
+    </p:tnLst>
+  </p:timing>
+</p:sld>
+</file>
+
+<file path=ppt/slides/slide31.xml><?xml version="1.0" encoding="utf-8"?>
+<p:sld xmlns:a="http://schemas.openxmlformats.org/drawingml/2006/main" xmlns:r="http://schemas.openxmlformats.org/officeDocument/2006/relationships" xmlns:p="http://schemas.openxmlformats.org/presentationml/2006/main" showMasterSp="0">
+  <p:cSld>
+    <p:bg>
+      <p:bgPr>
+        <a:blipFill dpi="0" rotWithShape="0">
+          <a:blip r:embed="rId2"/>
+          <a:srcRect/>
+          <a:stretch>
+            <a:fillRect/>
+          </a:stretch>
+        </a:blipFill>
+        <a:effectLst/>
+      </p:bgPr>
+    </p:bg>
+    <p:spTree>
+      <p:nvGrpSpPr>
+        <p:cNvPr id="1" name=""/>
+        <p:cNvGrpSpPr/>
+        <p:nvPr/>
+      </p:nvGrpSpPr>
+      <p:grpSpPr>
+        <a:xfrm>
+          <a:off x="0" y="0"/>
+          <a:ext cx="0" cy="0"/>
+          <a:chOff x="0" y="0"/>
+          <a:chExt cx="0" cy="0"/>
+        </a:xfrm>
+      </p:grpSpPr>
+      <p:sp>
+        <p:nvSpPr>
+          <p:cNvPr id="14339" name="Rectangle 3">
+            <a:extLst>
+              <a:ext uri="{FF2B5EF4-FFF2-40B4-BE49-F238E27FC236}">
+                <a16:creationId xmlns:a16="http://schemas.microsoft.com/office/drawing/2014/main" id="{56E01181-FA81-4C6D-9E62-C7D65FDA831E}"/>
+              </a:ext>
+            </a:extLst>
+          </p:cNvPr>
+          <p:cNvSpPr>
+            <a:spLocks noGrp="1" noChangeArrowheads="1"/>
+          </p:cNvSpPr>
+          <p:nvPr>
+            <p:ph type="body" idx="1"/>
+          </p:nvPr>
+        </p:nvSpPr>
+        <p:spPr>
+          <a:xfrm>
+            <a:off x="685800" y="2971801"/>
+            <a:ext cx="7924800" cy="609600"/>
+          </a:xfrm>
+        </p:spPr>
+        <p:txBody>
+          <a:bodyPr/>
+          <a:lstStyle/>
+          <a:p>
+            <a:pPr algn="ctr">
+              <a:buFontTx/>
+              <a:buNone/>
+            </a:pPr>
+            <a:r>
+              <a:rPr lang="en-US" altLang="en-US" err="1" smtClean="0"/>
+              <a:t>Cảm</a:t>
+            </a:r>
+            <a:r>
+              <a:rPr lang="en-US" altLang="en-US" smtClean="0"/>
+              <a:t> </a:t>
+            </a:r>
+            <a:r>
+              <a:rPr lang="en-US" altLang="en-US" err="1" smtClean="0"/>
+              <a:t>ơn</a:t>
+            </a:r>
+            <a:r>
+              <a:rPr lang="en-US" altLang="en-US" smtClean="0"/>
+              <a:t> </a:t>
+            </a:r>
+            <a:r>
+              <a:rPr lang="en-US" altLang="en-US" err="1" smtClean="0"/>
+              <a:t>các</a:t>
+            </a:r>
+            <a:r>
+              <a:rPr lang="en-US" altLang="en-US"/>
+              <a:t> </a:t>
+            </a:r>
+            <a:r>
+              <a:rPr lang="en-US" altLang="en-US" err="1" smtClean="0"/>
+              <a:t>thầy</a:t>
+            </a:r>
+            <a:r>
+              <a:rPr lang="en-US" altLang="en-US" smtClean="0"/>
+              <a:t> </a:t>
+            </a:r>
+            <a:r>
+              <a:rPr lang="en-US" altLang="en-US" err="1" smtClean="0"/>
+              <a:t>cô</a:t>
+            </a:r>
+            <a:r>
+              <a:rPr lang="en-US" altLang="en-US" smtClean="0"/>
+              <a:t> </a:t>
+            </a:r>
+            <a:r>
+              <a:rPr lang="en-US" altLang="en-US" err="1" smtClean="0"/>
+              <a:t>và</a:t>
+            </a:r>
+            <a:r>
+              <a:rPr lang="en-US" altLang="en-US" smtClean="0"/>
+              <a:t> </a:t>
+            </a:r>
+            <a:r>
+              <a:rPr lang="en-US" altLang="en-US" err="1" smtClean="0"/>
+              <a:t>các</a:t>
+            </a:r>
+            <a:r>
+              <a:rPr lang="en-US" altLang="en-US" smtClean="0"/>
+              <a:t> </a:t>
+            </a:r>
+            <a:r>
+              <a:rPr lang="en-US" altLang="en-US" err="1" smtClean="0"/>
+              <a:t>bạn</a:t>
+            </a:r>
+            <a:r>
+              <a:rPr lang="en-US" altLang="en-US" smtClean="0"/>
+              <a:t> </a:t>
+            </a:r>
+            <a:r>
+              <a:rPr lang="en-US" altLang="en-US" err="1" smtClean="0"/>
+              <a:t>đã</a:t>
+            </a:r>
+            <a:r>
+              <a:rPr lang="en-US" altLang="en-US" smtClean="0"/>
+              <a:t> </a:t>
+            </a:r>
+            <a:r>
+              <a:rPr lang="en-US" altLang="en-US" err="1" smtClean="0"/>
+              <a:t>lắng</a:t>
+            </a:r>
+            <a:r>
+              <a:rPr lang="en-US" altLang="en-US" smtClean="0"/>
+              <a:t> </a:t>
+            </a:r>
+            <a:r>
+              <a:rPr lang="en-US" altLang="en-US" err="1" smtClean="0"/>
+              <a:t>nghe</a:t>
+            </a:r>
+            <a:r>
+              <a:rPr lang="en-US" altLang="en-US" smtClean="0"/>
+              <a:t>!</a:t>
             </a:r>
             <a:endParaRPr lang="en-US" altLang="en-US"/>
           </a:p>
@@ -17792,11 +21481,7 @@
             </a:pPr>
             <a:r>
               <a:rPr lang="en-US" altLang="en-US" smtClean="0"/>
-              <a:t>Mô hình dữ liệu mức quan niệm </a:t>
-            </a:r>
-            <a:r>
-              <a:rPr lang="en-US" altLang="en-US" smtClean="0"/>
-              <a:t>CDM</a:t>
+              <a:t>Mô hình dữ liệu mức quan niệm CDM</a:t>
             </a:r>
           </a:p>
           <a:p>
@@ -17806,7 +21491,11 @@
             </a:pPr>
             <a:r>
               <a:rPr lang="en-US" altLang="en-US" smtClean="0"/>
-              <a:t>Sơ đồ thiết kế hệ thống</a:t>
+              <a:t>Sơ đồ thiết kế hệ </a:t>
+            </a:r>
+            <a:r>
+              <a:rPr lang="en-US" altLang="en-US" smtClean="0"/>
+              <a:t>thống</a:t>
             </a:r>
           </a:p>
           <a:p>
@@ -17816,7 +21505,32 @@
             </a:pPr>
             <a:r>
               <a:rPr lang="en-US" altLang="en-US" smtClean="0"/>
-              <a:t>Lưu đồ giải thuật</a:t>
+              <a:t>Sơ đồ luồng dữ liệu</a:t>
+            </a:r>
+            <a:endParaRPr lang="en-US" altLang="en-US" smtClean="0"/>
+          </a:p>
+          <a:p>
+            <a:pPr marL="514350" indent="-514350">
+              <a:buFont typeface="+mj-lt"/>
+              <a:buAutoNum type="arabicPeriod"/>
+            </a:pPr>
+            <a:r>
+              <a:rPr lang="en-US" altLang="en-US" smtClean="0"/>
+              <a:t>Lưu đồ giải </a:t>
+            </a:r>
+            <a:r>
+              <a:rPr lang="en-US" altLang="en-US" smtClean="0"/>
+              <a:t>thuật</a:t>
+            </a:r>
+          </a:p>
+          <a:p>
+            <a:pPr marL="514350" indent="-514350">
+              <a:buFont typeface="+mj-lt"/>
+              <a:buAutoNum type="arabicPeriod"/>
+            </a:pPr>
+            <a:r>
+              <a:rPr lang="en-US" altLang="en-US" smtClean="0"/>
+              <a:t>Các chức năng chính trong hệ thống.</a:t>
             </a:r>
             <a:endParaRPr lang="en-US" altLang="en-US" smtClean="0"/>
           </a:p>

--- a/SlideBaoCaoLVTN_NguyenQuocKhanh.pptx
+++ b/SlideBaoCaoLVTN_NguyenQuocKhanh.pptx
@@ -8410,15 +8410,7 @@
                   <a:schemeClr val="tx1"/>
                 </a:solidFill>
               </a:rPr>
-              <a:t> </a:t>
-            </a:r>
-            <a:r>
-              <a:rPr lang="en-US" altLang="en-US" smtClean="0">
-                <a:solidFill>
-                  <a:schemeClr val="tx1"/>
-                </a:solidFill>
-              </a:rPr>
-              <a:t>. Backend</a:t>
+              <a:t> . Backend</a:t>
             </a:r>
             <a:endParaRPr lang="en-US" altLang="en-US">
               <a:solidFill>
@@ -10156,13 +10148,8 @@
             </a:r>
             <a:r>
               <a:rPr lang="en-US" altLang="en-US" smtClean="0"/>
-              <a:t>. </a:t>
-            </a:r>
-            <a:r>
-              <a:rPr lang="en-US" altLang="en-US" smtClean="0"/>
-              <a:t>Sơ đồ luồng dữ liệu</a:t>
-            </a:r>
-            <a:endParaRPr lang="en-US" altLang="en-US" smtClean="0"/>
+              <a:t>. Sơ đồ luồng dữ liệu</a:t>
+            </a:r>
           </a:p>
         </p:txBody>
       </p:sp>
@@ -10977,13 +10964,8 @@
             </a:r>
             <a:r>
               <a:rPr lang="en-US" altLang="en-US" smtClean="0"/>
-              <a:t>. </a:t>
-            </a:r>
-            <a:r>
-              <a:rPr lang="en-US" altLang="en-US" smtClean="0"/>
-              <a:t>Sơ đồ luồng dữ liệu</a:t>
-            </a:r>
-            <a:endParaRPr lang="en-US" altLang="en-US" smtClean="0"/>
+              <a:t>. Sơ đồ luồng dữ liệu</a:t>
+            </a:r>
           </a:p>
         </p:txBody>
       </p:sp>
@@ -11524,13 +11506,8 @@
             </a:r>
             <a:r>
               <a:rPr lang="en-US" altLang="en-US" smtClean="0"/>
-              <a:t>. </a:t>
-            </a:r>
-            <a:r>
-              <a:rPr lang="en-US" altLang="en-US" smtClean="0"/>
-              <a:t>Sơ đồ luồng dữ liệu</a:t>
-            </a:r>
-            <a:endParaRPr lang="en-US" altLang="en-US" smtClean="0"/>
+              <a:t>. Sơ đồ luồng dữ liệu</a:t>
+            </a:r>
           </a:p>
         </p:txBody>
       </p:sp>
@@ -12856,11 +12833,7 @@
             </a:r>
             <a:r>
               <a:rPr lang="en-US" altLang="en-US" smtClean="0"/>
-              <a:t>. </a:t>
-            </a:r>
-            <a:r>
-              <a:rPr lang="en-US" altLang="en-US" smtClean="0"/>
-              <a:t>Lưu đồ giải thuật</a:t>
+              <a:t>. Lưu đồ giải thuật</a:t>
             </a:r>
           </a:p>
         </p:txBody>
@@ -13755,7 +13728,6 @@
               <a:rPr lang="en-US" altLang="en-US" smtClean="0"/>
               <a:t>. Các chức năng chính trong hệ thống</a:t>
             </a:r>
-            <a:endParaRPr lang="en-US" altLang="en-US" smtClean="0"/>
           </a:p>
         </p:txBody>
       </p:sp>
@@ -13853,7 +13825,7 @@
           <a:p>
             <a:pPr marL="342900" indent="-342900">
               <a:buFont typeface="+mj-lt"/>
-              <a:buAutoNum type="arabicPeriod"/>
+              <a:buAutoNum type="alphaLcParenR"/>
             </a:pPr>
             <a:r>
               <a:rPr lang="vi-VN" sz="1600" smtClean="0"/>
@@ -13867,7 +13839,7 @@
           <a:p>
             <a:pPr marL="342900" indent="-342900">
               <a:buFont typeface="+mj-lt"/>
-              <a:buAutoNum type="arabicPeriod"/>
+              <a:buAutoNum type="alphaLcParenR"/>
             </a:pPr>
             <a:r>
               <a:rPr lang="en-US" sz="1600" smtClean="0"/>
@@ -13933,7 +13905,7 @@
           <a:p>
             <a:pPr marL="342900" indent="-342900">
               <a:buFont typeface="+mj-lt"/>
-              <a:buAutoNum type="arabicPeriod"/>
+              <a:buAutoNum type="alphaLcParenR"/>
             </a:pPr>
             <a:r>
               <a:rPr lang="en-US" sz="1600" smtClean="0"/>
@@ -13943,7 +13915,7 @@
           <a:p>
             <a:pPr marL="342900" indent="-342900">
               <a:buFont typeface="+mj-lt"/>
-              <a:buAutoNum type="arabicPeriod"/>
+              <a:buAutoNum type="alphaLcParenR"/>
             </a:pPr>
             <a:r>
               <a:rPr lang="en-US" sz="1600" smtClean="0"/>
@@ -13953,7 +13925,7 @@
           <a:p>
             <a:pPr marL="342900" indent="-342900">
               <a:buFont typeface="+mj-lt"/>
-              <a:buAutoNum type="arabicPeriod"/>
+              <a:buAutoNum type="alphaLcParenR"/>
             </a:pPr>
             <a:r>
               <a:rPr lang="en-US" sz="1600" smtClean="0"/>
@@ -13963,7 +13935,7 @@
           <a:p>
             <a:pPr marL="342900" indent="-342900">
               <a:buFont typeface="+mj-lt"/>
-              <a:buAutoNum type="arabicPeriod"/>
+              <a:buAutoNum type="alphaLcParenR"/>
             </a:pPr>
             <a:r>
               <a:rPr lang="en-US" sz="1600" smtClean="0"/>
@@ -14087,7 +14059,6 @@
               <a:rPr lang="en-US" altLang="en-US" smtClean="0"/>
               <a:t>. Các chức năng chính trong hệ thống</a:t>
             </a:r>
-            <a:endParaRPr lang="en-US" altLang="en-US" smtClean="0"/>
           </a:p>
         </p:txBody>
       </p:sp>
@@ -14123,11 +14094,7 @@
             </a:r>
             <a:r>
               <a:rPr lang="en-US" sz="1400"/>
-              <a:t>( cho tài </a:t>
-            </a:r>
-            <a:r>
-              <a:rPr lang="en-US" sz="1400"/>
-              <a:t>khoản </a:t>
+              <a:t>( cho tài khoản </a:t>
             </a:r>
             <a:r>
               <a:rPr lang="en-US" sz="1400" smtClean="0"/>
@@ -14165,7 +14132,7 @@
           <a:p>
             <a:pPr marL="342900" indent="-342900">
               <a:buFont typeface="+mj-lt"/>
-              <a:buAutoNum type="arabicPeriod"/>
+              <a:buAutoNum type="alphaLcParenR"/>
             </a:pPr>
             <a:r>
               <a:rPr lang="en-US" sz="1600" smtClean="0"/>
@@ -14175,7 +14142,7 @@
           <a:p>
             <a:pPr marL="342900" indent="-342900">
               <a:buFont typeface="+mj-lt"/>
-              <a:buAutoNum type="arabicPeriod"/>
+              <a:buAutoNum type="alphaLcParenR"/>
             </a:pPr>
             <a:r>
               <a:rPr lang="en-US" sz="1600" smtClean="0"/>
@@ -14185,7 +14152,7 @@
           <a:p>
             <a:pPr marL="342900" indent="-342900">
               <a:buFont typeface="+mj-lt"/>
-              <a:buAutoNum type="arabicPeriod"/>
+              <a:buAutoNum type="alphaLcParenR"/>
             </a:pPr>
             <a:r>
               <a:rPr lang="en-US" sz="1600" smtClean="0"/>
@@ -14255,7 +14222,7 @@
           <a:p>
             <a:pPr marL="342900" indent="-342900">
               <a:buFont typeface="+mj-lt"/>
-              <a:buAutoNum type="arabicPeriod"/>
+              <a:buAutoNum type="alphaLcParenR"/>
             </a:pPr>
             <a:r>
               <a:rPr lang="en-US" sz="1600" smtClean="0"/>
@@ -14265,7 +14232,7 @@
           <a:p>
             <a:pPr marL="342900" indent="-342900">
               <a:buFont typeface="+mj-lt"/>
-              <a:buAutoNum type="arabicPeriod"/>
+              <a:buAutoNum type="alphaLcParenR"/>
             </a:pPr>
             <a:r>
               <a:rPr lang="en-US" sz="1600" smtClean="0"/>
@@ -14275,7 +14242,7 @@
           <a:p>
             <a:pPr marL="342900" indent="-342900">
               <a:buFont typeface="+mj-lt"/>
-              <a:buAutoNum type="arabicPeriod"/>
+              <a:buAutoNum type="alphaLcParenR"/>
             </a:pPr>
             <a:r>
               <a:rPr lang="en-US" sz="1600" smtClean="0"/>
@@ -14396,7 +14363,6 @@
               <a:rPr lang="en-US" altLang="en-US" smtClean="0"/>
               <a:t>. Các chức năng chính trong hệ thống</a:t>
             </a:r>
-            <a:endParaRPr lang="en-US" altLang="en-US" smtClean="0"/>
           </a:p>
         </p:txBody>
       </p:sp>
@@ -14428,11 +14394,7 @@
             </a:r>
             <a:r>
               <a:rPr lang="en-US" sz="1400"/>
-              <a:t>( cho tài </a:t>
-            </a:r>
-            <a:r>
-              <a:rPr lang="en-US" sz="1400"/>
-              <a:t>khoản </a:t>
+              <a:t>( cho tài khoản </a:t>
             </a:r>
             <a:r>
               <a:rPr lang="en-US" sz="1400" smtClean="0"/>
@@ -14470,7 +14432,7 @@
           <a:p>
             <a:pPr marL="342900" indent="-342900">
               <a:buFont typeface="+mj-lt"/>
-              <a:buAutoNum type="arabicPeriod"/>
+              <a:buAutoNum type="alphaLcParenR"/>
             </a:pPr>
             <a:r>
               <a:rPr lang="en-US" sz="1600" smtClean="0"/>
@@ -14480,7 +14442,7 @@
           <a:p>
             <a:pPr marL="342900" indent="-342900">
               <a:buFont typeface="+mj-lt"/>
-              <a:buAutoNum type="arabicPeriod"/>
+              <a:buAutoNum type="alphaLcParenR"/>
             </a:pPr>
             <a:r>
               <a:rPr lang="en-US" sz="1600" smtClean="0"/>
@@ -14546,7 +14508,7 @@
           <a:p>
             <a:pPr marL="342900" indent="-342900">
               <a:buFont typeface="+mj-lt"/>
-              <a:buAutoNum type="arabicPeriod"/>
+              <a:buAutoNum type="alphaLcParenR"/>
             </a:pPr>
             <a:r>
               <a:rPr lang="en-US" sz="1600" smtClean="0"/>
@@ -14556,7 +14518,7 @@
           <a:p>
             <a:pPr marL="342900" indent="-342900">
               <a:buFont typeface="+mj-lt"/>
-              <a:buAutoNum type="arabicPeriod"/>
+              <a:buAutoNum type="alphaLcParenR"/>
             </a:pPr>
             <a:r>
               <a:rPr lang="en-US" sz="1600" smtClean="0"/>
@@ -14566,7 +14528,7 @@
           <a:p>
             <a:pPr marL="342900" indent="-342900">
               <a:buFont typeface="+mj-lt"/>
-              <a:buAutoNum type="arabicPeriod"/>
+              <a:buAutoNum type="alphaLcParenR"/>
             </a:pPr>
             <a:r>
               <a:rPr lang="en-US" sz="1600" smtClean="0"/>
@@ -14637,7 +14599,7 @@
           <a:p>
             <a:pPr marL="342900" indent="-342900">
               <a:buFont typeface="+mj-lt"/>
-              <a:buAutoNum type="arabicPeriod"/>
+              <a:buAutoNum type="alphaLcParenR"/>
             </a:pPr>
             <a:r>
               <a:rPr lang="en-US" sz="1600" smtClean="0"/>
@@ -14647,7 +14609,7 @@
           <a:p>
             <a:pPr marL="342900" indent="-342900">
               <a:buFont typeface="+mj-lt"/>
-              <a:buAutoNum type="arabicPeriod"/>
+              <a:buAutoNum type="alphaLcParenR"/>
             </a:pPr>
             <a:r>
               <a:rPr lang="en-US" sz="1600" smtClean="0"/>
@@ -14768,7 +14730,6 @@
               <a:rPr lang="en-US" altLang="en-US" smtClean="0"/>
               <a:t>. Các chức năng chính trong hệ thống</a:t>
             </a:r>
-            <a:endParaRPr lang="en-US" altLang="en-US" smtClean="0"/>
           </a:p>
         </p:txBody>
       </p:sp>
@@ -14800,11 +14761,7 @@
             </a:r>
             <a:r>
               <a:rPr lang="en-US" sz="1400"/>
-              <a:t>( cho tài </a:t>
-            </a:r>
-            <a:r>
-              <a:rPr lang="en-US" sz="1400"/>
-              <a:t>khoản </a:t>
+              <a:t>( cho tài khoản </a:t>
             </a:r>
             <a:r>
               <a:rPr lang="en-US" sz="1400" smtClean="0"/>
@@ -14842,7 +14799,7 @@
           <a:p>
             <a:pPr marL="342900" indent="-342900">
               <a:buFont typeface="+mj-lt"/>
-              <a:buAutoNum type="arabicPeriod"/>
+              <a:buAutoNum type="alphaLcParenR"/>
             </a:pPr>
             <a:r>
               <a:rPr lang="en-US" sz="1600" smtClean="0"/>
@@ -14852,7 +14809,7 @@
           <a:p>
             <a:pPr marL="342900" indent="-342900">
               <a:buFont typeface="+mj-lt"/>
-              <a:buAutoNum type="arabicPeriod"/>
+              <a:buAutoNum type="alphaLcParenR"/>
             </a:pPr>
             <a:r>
               <a:rPr lang="en-US" sz="1600" smtClean="0"/>
@@ -14906,8 +14863,8 @@
         </p:nvSpPr>
         <p:spPr>
           <a:xfrm>
-            <a:off x="1219200" y="4539043"/>
-            <a:ext cx="7772400" cy="338554"/>
+            <a:off x="1600200" y="4539043"/>
+            <a:ext cx="7391400" cy="338554"/>
           </a:xfrm>
           <a:prstGeom prst="rect">
             <a:avLst/>
@@ -14920,10 +14877,6 @@
           </a:bodyPr>
           <a:lstStyle/>
           <a:p>
-            <a:pPr marL="342900" indent="-342900">
-              <a:buFont typeface="+mj-lt"/>
-              <a:buAutoNum type="arabicPeriod"/>
-            </a:pPr>
             <a:r>
               <a:rPr lang="en-US" sz="1600" smtClean="0"/>
               <a:t>Cập nhật lại thông tin</a:t>
@@ -21491,11 +21444,7 @@
             </a:pPr>
             <a:r>
               <a:rPr lang="en-US" altLang="en-US" smtClean="0"/>
-              <a:t>Sơ đồ thiết kế hệ </a:t>
-            </a:r>
-            <a:r>
-              <a:rPr lang="en-US" altLang="en-US" smtClean="0"/>
-              <a:t>thống</a:t>
+              <a:t>Sơ đồ thiết kế hệ thống</a:t>
             </a:r>
           </a:p>
           <a:p>
@@ -21507,7 +21456,6 @@
               <a:rPr lang="en-US" altLang="en-US" smtClean="0"/>
               <a:t>Sơ đồ luồng dữ liệu</a:t>
             </a:r>
-            <a:endParaRPr lang="en-US" altLang="en-US" smtClean="0"/>
           </a:p>
           <a:p>
             <a:pPr marL="514350" indent="-514350">
@@ -21516,11 +21464,7 @@
             </a:pPr>
             <a:r>
               <a:rPr lang="en-US" altLang="en-US" smtClean="0"/>
-              <a:t>Lưu đồ giải </a:t>
-            </a:r>
-            <a:r>
-              <a:rPr lang="en-US" altLang="en-US" smtClean="0"/>
-              <a:t>thuật</a:t>
+              <a:t>Lưu đồ giải thuật</a:t>
             </a:r>
           </a:p>
           <a:p>
@@ -21532,7 +21476,6 @@
               <a:rPr lang="en-US" altLang="en-US" smtClean="0"/>
               <a:t>Các chức năng chính trong hệ thống.</a:t>
             </a:r>
-            <a:endParaRPr lang="en-US" altLang="en-US" smtClean="0"/>
           </a:p>
         </p:txBody>
       </p:sp>

--- a/SlideBaoCaoLVTN_NguyenQuocKhanh.pptx
+++ b/SlideBaoCaoLVTN_NguyenQuocKhanh.pptx
@@ -280,7 +280,7 @@
           <a:p>
             <a:fld id="{5462B960-4A0E-41AE-A608-A9D45591FECC}" type="datetimeFigureOut">
               <a:rPr lang="en-US" smtClean="0"/>
-              <a:t>10-Dec-18</a:t>
+              <a:t>11-Dec-18</a:t>
             </a:fld>
             <a:endParaRPr lang="en-US"/>
           </a:p>
@@ -8502,7 +8502,7 @@
             <a:pPr algn="ctr"/>
             <a:r>
               <a:rPr lang="en-US" sz="1400" smtClean="0"/>
-              <a:t>Quản lý khách hàng</a:t>
+              <a:t>Quản lý gian hàng</a:t>
             </a:r>
             <a:endParaRPr lang="en-US" sz="1400"/>
           </a:p>
@@ -8670,7 +8670,7 @@
             <a:pPr algn="ctr"/>
             <a:r>
               <a:rPr lang="en-US" sz="1400" smtClean="0"/>
-              <a:t>Quản lý gian hàng</a:t>
+              <a:t>Quản lý khách hàng</a:t>
             </a:r>
             <a:endParaRPr lang="en-US" sz="1400"/>
           </a:p>
@@ -14512,7 +14512,7 @@
             </a:pPr>
             <a:r>
               <a:rPr lang="en-US" sz="1600" smtClean="0"/>
-              <a:t>Duyệt hóa đơn sản vận chuyển</a:t>
+              <a:t>Duyệt hóa đơn vận chuyển</a:t>
             </a:r>
           </a:p>
           <a:p>
@@ -14857,42 +14857,13 @@
       </p:sp>
       <p:sp>
         <p:nvSpPr>
-          <p:cNvPr id="8" name="TextBox 7"/>
-          <p:cNvSpPr txBox="1"/>
-          <p:nvPr/>
-        </p:nvSpPr>
-        <p:spPr>
-          <a:xfrm>
-            <a:off x="1600200" y="4539043"/>
-            <a:ext cx="7391400" cy="338554"/>
-          </a:xfrm>
-          <a:prstGeom prst="rect">
-            <a:avLst/>
-          </a:prstGeom>
-          <a:noFill/>
-        </p:spPr>
-        <p:txBody>
-          <a:bodyPr wrap="square" rtlCol="0">
-            <a:spAutoFit/>
-          </a:bodyPr>
-          <a:lstStyle/>
-          <a:p>
-            <a:r>
-              <a:rPr lang="en-US" sz="1600" smtClean="0"/>
-              <a:t>Cập nhật lại thông tin</a:t>
-            </a:r>
-          </a:p>
-        </p:txBody>
-      </p:sp>
-      <p:sp>
-        <p:nvSpPr>
           <p:cNvPr id="9" name="TextBox 8"/>
           <p:cNvSpPr txBox="1"/>
           <p:nvPr/>
         </p:nvSpPr>
         <p:spPr>
           <a:xfrm>
-            <a:off x="990600" y="5132485"/>
+            <a:off x="990600" y="4720183"/>
             <a:ext cx="7772400" cy="369332"/>
           </a:xfrm>
           <a:prstGeom prst="rect">
@@ -18155,26 +18126,35 @@
                                   </p:childTnLst>
                                 </p:cTn>
                               </p:par>
-                            </p:childTnLst>
-                          </p:cTn>
-                        </p:par>
-                      </p:childTnLst>
-                    </p:cTn>
-                  </p:par>
-                  <p:par>
-                    <p:cTn id="15" fill="hold">
-                      <p:stCondLst>
-                        <p:cond delay="indefinite"/>
-                      </p:stCondLst>
-                      <p:childTnLst>
-                        <p:par>
-                          <p:cTn id="16" fill="hold">
-                            <p:stCondLst>
-                              <p:cond delay="0"/>
-                            </p:stCondLst>
-                            <p:childTnLst>
                               <p:par>
-                                <p:cTn id="17" presetID="1" presetClass="entr" presetSubtype="0" fill="hold" grpId="0" nodeType="clickEffect">
+                                <p:cTn id="15" presetID="1" presetClass="entr" presetSubtype="0" fill="hold" grpId="0" nodeType="withEffect">
+                                  <p:stCondLst>
+                                    <p:cond delay="0"/>
+                                  </p:stCondLst>
+                                  <p:childTnLst>
+                                    <p:set>
+                                      <p:cBhvr>
+                                        <p:cTn id="16" dur="1" fill="hold">
+                                          <p:stCondLst>
+                                            <p:cond delay="0"/>
+                                          </p:stCondLst>
+                                        </p:cTn>
+                                        <p:tgtEl>
+                                          <p:spTgt spid="13"/>
+                                        </p:tgtEl>
+                                        <p:attrNameLst>
+                                          <p:attrName>style.visibility</p:attrName>
+                                        </p:attrNameLst>
+                                      </p:cBhvr>
+                                      <p:to>
+                                        <p:strVal val="visible"/>
+                                      </p:to>
+                                    </p:set>
+                                  </p:childTnLst>
+                                </p:cTn>
+                              </p:par>
+                              <p:par>
+                                <p:cTn id="17" presetID="1" presetClass="entr" presetSubtype="0" fill="hold" grpId="0" nodeType="withEffect">
                                   <p:stCondLst>
                                     <p:cond delay="0"/>
                                   </p:stCondLst>
@@ -18187,7 +18167,7 @@
                                           </p:stCondLst>
                                         </p:cTn>
                                         <p:tgtEl>
-                                          <p:spTgt spid="13"/>
+                                          <p:spTgt spid="12"/>
                                         </p:tgtEl>
                                         <p:attrNameLst>
                                           <p:attrName>style.visibility</p:attrName>
@@ -18214,51 +18194,6 @@
                                           </p:stCondLst>
                                         </p:cTn>
                                         <p:tgtEl>
-                                          <p:spTgt spid="12"/>
-                                        </p:tgtEl>
-                                        <p:attrNameLst>
-                                          <p:attrName>style.visibility</p:attrName>
-                                        </p:attrNameLst>
-                                      </p:cBhvr>
-                                      <p:to>
-                                        <p:strVal val="visible"/>
-                                      </p:to>
-                                    </p:set>
-                                  </p:childTnLst>
-                                </p:cTn>
-                              </p:par>
-                            </p:childTnLst>
-                          </p:cTn>
-                        </p:par>
-                      </p:childTnLst>
-                    </p:cTn>
-                  </p:par>
-                  <p:par>
-                    <p:cTn id="21" fill="hold">
-                      <p:stCondLst>
-                        <p:cond delay="indefinite"/>
-                      </p:stCondLst>
-                      <p:childTnLst>
-                        <p:par>
-                          <p:cTn id="22" fill="hold">
-                            <p:stCondLst>
-                              <p:cond delay="0"/>
-                            </p:stCondLst>
-                            <p:childTnLst>
-                              <p:par>
-                                <p:cTn id="23" presetID="1" presetClass="entr" presetSubtype="0" fill="hold" grpId="0" nodeType="clickEffect">
-                                  <p:stCondLst>
-                                    <p:cond delay="0"/>
-                                  </p:stCondLst>
-                                  <p:childTnLst>
-                                    <p:set>
-                                      <p:cBhvr>
-                                        <p:cTn id="24" dur="1" fill="hold">
-                                          <p:stCondLst>
-                                            <p:cond delay="0"/>
-                                          </p:stCondLst>
-                                        </p:cTn>
-                                        <p:tgtEl>
                                           <p:spTgt spid="22"/>
                                         </p:tgtEl>
                                         <p:attrNameLst>
@@ -18273,14 +18208,14 @@
                                 </p:cTn>
                               </p:par>
                               <p:par>
-                                <p:cTn id="25" presetID="1" presetClass="entr" presetSubtype="0" fill="hold" grpId="0" nodeType="withEffect">
+                                <p:cTn id="21" presetID="1" presetClass="entr" presetSubtype="0" fill="hold" grpId="0" nodeType="withEffect">
                                   <p:stCondLst>
                                     <p:cond delay="0"/>
                                   </p:stCondLst>
                                   <p:childTnLst>
                                     <p:set>
                                       <p:cBhvr>
-                                        <p:cTn id="26" dur="1" fill="hold">
+                                        <p:cTn id="22" dur="1" fill="hold">
                                           <p:stCondLst>
                                             <p:cond delay="0"/>
                                           </p:stCondLst>
@@ -18299,33 +18234,15 @@
                                   </p:childTnLst>
                                 </p:cTn>
                               </p:par>
-                            </p:childTnLst>
-                          </p:cTn>
-                        </p:par>
-                      </p:childTnLst>
-                    </p:cTn>
-                  </p:par>
-                  <p:par>
-                    <p:cTn id="27" fill="hold">
-                      <p:stCondLst>
-                        <p:cond delay="indefinite"/>
-                      </p:stCondLst>
-                      <p:childTnLst>
-                        <p:par>
-                          <p:cTn id="28" fill="hold">
-                            <p:stCondLst>
-                              <p:cond delay="0"/>
-                            </p:stCondLst>
-                            <p:childTnLst>
                               <p:par>
-                                <p:cTn id="29" presetID="42" presetClass="entr" presetSubtype="0" fill="hold" grpId="0" nodeType="clickEffect">
+                                <p:cTn id="23" presetID="1" presetClass="entr" presetSubtype="0" fill="hold" grpId="0" nodeType="withEffect">
                                   <p:stCondLst>
                                     <p:cond delay="0"/>
                                   </p:stCondLst>
                                   <p:childTnLst>
                                     <p:set>
                                       <p:cBhvr>
-                                        <p:cTn id="30" dur="1" fill="hold">
+                                        <p:cTn id="24" dur="1" fill="hold">
                                           <p:stCondLst>
                                             <p:cond delay="0"/>
                                           </p:stCondLst>
@@ -18341,72 +18258,18 @@
                                         <p:strVal val="visible"/>
                                       </p:to>
                                     </p:set>
-                                    <p:animEffect transition="in" filter="fade">
-                                      <p:cBhvr>
-                                        <p:cTn id="31" dur="1000"/>
-                                        <p:tgtEl>
-                                          <p:spTgt spid="3"/>
-                                        </p:tgtEl>
-                                      </p:cBhvr>
-                                    </p:animEffect>
-                                    <p:anim calcmode="lin" valueType="num">
-                                      <p:cBhvr>
-                                        <p:cTn id="32" dur="1000" fill="hold"/>
-                                        <p:tgtEl>
-                                          <p:spTgt spid="3"/>
-                                        </p:tgtEl>
-                                        <p:attrNameLst>
-                                          <p:attrName>ppt_x</p:attrName>
-                                        </p:attrNameLst>
-                                      </p:cBhvr>
-                                      <p:tavLst>
-                                        <p:tav tm="0">
-                                          <p:val>
-                                            <p:strVal val="#ppt_x"/>
-                                          </p:val>
-                                        </p:tav>
-                                        <p:tav tm="100000">
-                                          <p:val>
-                                            <p:strVal val="#ppt_x"/>
-                                          </p:val>
-                                        </p:tav>
-                                      </p:tavLst>
-                                    </p:anim>
-                                    <p:anim calcmode="lin" valueType="num">
-                                      <p:cBhvr>
-                                        <p:cTn id="33" dur="1000" fill="hold"/>
-                                        <p:tgtEl>
-                                          <p:spTgt spid="3"/>
-                                        </p:tgtEl>
-                                        <p:attrNameLst>
-                                          <p:attrName>ppt_y</p:attrName>
-                                        </p:attrNameLst>
-                                      </p:cBhvr>
-                                      <p:tavLst>
-                                        <p:tav tm="0">
-                                          <p:val>
-                                            <p:strVal val="#ppt_y+.1"/>
-                                          </p:val>
-                                        </p:tav>
-                                        <p:tav tm="100000">
-                                          <p:val>
-                                            <p:strVal val="#ppt_y"/>
-                                          </p:val>
-                                        </p:tav>
-                                      </p:tavLst>
-                                    </p:anim>
                                   </p:childTnLst>
                                 </p:cTn>
                               </p:par>
                               <p:par>
-                                <p:cTn id="34" presetID="42" presetClass="entr" presetSubtype="0" fill="hold" nodeType="withEffect">
+                                <p:cTn id="25" presetID="1" presetClass="entr" presetSubtype="0" fill="hold" nodeType="withEffect">
                                   <p:stCondLst>
                                     <p:cond delay="0"/>
                                   </p:stCondLst>
                                   <p:childTnLst>
                                     <p:set>
                                       <p:cBhvr>
-                                        <p:cTn id="35" dur="1" fill="hold">
+                                        <p:cTn id="26" dur="1" fill="hold">
                                           <p:stCondLst>
                                             <p:cond delay="0"/>
                                           </p:stCondLst>
@@ -18422,72 +18285,18 @@
                                         <p:strVal val="visible"/>
                                       </p:to>
                                     </p:set>
-                                    <p:animEffect transition="in" filter="fade">
-                                      <p:cBhvr>
-                                        <p:cTn id="36" dur="1000"/>
-                                        <p:tgtEl>
-                                          <p:spTgt spid="11"/>
-                                        </p:tgtEl>
-                                      </p:cBhvr>
-                                    </p:animEffect>
-                                    <p:anim calcmode="lin" valueType="num">
-                                      <p:cBhvr>
-                                        <p:cTn id="37" dur="1000" fill="hold"/>
-                                        <p:tgtEl>
-                                          <p:spTgt spid="11"/>
-                                        </p:tgtEl>
-                                        <p:attrNameLst>
-                                          <p:attrName>ppt_x</p:attrName>
-                                        </p:attrNameLst>
-                                      </p:cBhvr>
-                                      <p:tavLst>
-                                        <p:tav tm="0">
-                                          <p:val>
-                                            <p:strVal val="#ppt_x"/>
-                                          </p:val>
-                                        </p:tav>
-                                        <p:tav tm="100000">
-                                          <p:val>
-                                            <p:strVal val="#ppt_x"/>
-                                          </p:val>
-                                        </p:tav>
-                                      </p:tavLst>
-                                    </p:anim>
-                                    <p:anim calcmode="lin" valueType="num">
-                                      <p:cBhvr>
-                                        <p:cTn id="38" dur="1000" fill="hold"/>
-                                        <p:tgtEl>
-                                          <p:spTgt spid="11"/>
-                                        </p:tgtEl>
-                                        <p:attrNameLst>
-                                          <p:attrName>ppt_y</p:attrName>
-                                        </p:attrNameLst>
-                                      </p:cBhvr>
-                                      <p:tavLst>
-                                        <p:tav tm="0">
-                                          <p:val>
-                                            <p:strVal val="#ppt_y+.1"/>
-                                          </p:val>
-                                        </p:tav>
-                                        <p:tav tm="100000">
-                                          <p:val>
-                                            <p:strVal val="#ppt_y"/>
-                                          </p:val>
-                                        </p:tav>
-                                      </p:tavLst>
-                                    </p:anim>
                                   </p:childTnLst>
                                 </p:cTn>
                               </p:par>
                               <p:par>
-                                <p:cTn id="39" presetID="42" presetClass="entr" presetSubtype="0" fill="hold" grpId="0" nodeType="withEffect">
+                                <p:cTn id="27" presetID="1" presetClass="entr" presetSubtype="0" fill="hold" grpId="0" nodeType="withEffect">
                                   <p:stCondLst>
                                     <p:cond delay="0"/>
                                   </p:stCondLst>
                                   <p:childTnLst>
                                     <p:set>
                                       <p:cBhvr>
-                                        <p:cTn id="40" dur="1" fill="hold">
+                                        <p:cTn id="28" dur="1" fill="hold">
                                           <p:stCondLst>
                                             <p:cond delay="0"/>
                                           </p:stCondLst>
@@ -18503,72 +18312,18 @@
                                         <p:strVal val="visible"/>
                                       </p:to>
                                     </p:set>
-                                    <p:animEffect transition="in" filter="fade">
-                                      <p:cBhvr>
-                                        <p:cTn id="41" dur="1000"/>
-                                        <p:tgtEl>
-                                          <p:spTgt spid="6"/>
-                                        </p:tgtEl>
-                                      </p:cBhvr>
-                                    </p:animEffect>
-                                    <p:anim calcmode="lin" valueType="num">
-                                      <p:cBhvr>
-                                        <p:cTn id="42" dur="1000" fill="hold"/>
-                                        <p:tgtEl>
-                                          <p:spTgt spid="6"/>
-                                        </p:tgtEl>
-                                        <p:attrNameLst>
-                                          <p:attrName>ppt_x</p:attrName>
-                                        </p:attrNameLst>
-                                      </p:cBhvr>
-                                      <p:tavLst>
-                                        <p:tav tm="0">
-                                          <p:val>
-                                            <p:strVal val="#ppt_x"/>
-                                          </p:val>
-                                        </p:tav>
-                                        <p:tav tm="100000">
-                                          <p:val>
-                                            <p:strVal val="#ppt_x"/>
-                                          </p:val>
-                                        </p:tav>
-                                      </p:tavLst>
-                                    </p:anim>
-                                    <p:anim calcmode="lin" valueType="num">
-                                      <p:cBhvr>
-                                        <p:cTn id="43" dur="1000" fill="hold"/>
-                                        <p:tgtEl>
-                                          <p:spTgt spid="6"/>
-                                        </p:tgtEl>
-                                        <p:attrNameLst>
-                                          <p:attrName>ppt_y</p:attrName>
-                                        </p:attrNameLst>
-                                      </p:cBhvr>
-                                      <p:tavLst>
-                                        <p:tav tm="0">
-                                          <p:val>
-                                            <p:strVal val="#ppt_y+.1"/>
-                                          </p:val>
-                                        </p:tav>
-                                        <p:tav tm="100000">
-                                          <p:val>
-                                            <p:strVal val="#ppt_y"/>
-                                          </p:val>
-                                        </p:tav>
-                                      </p:tavLst>
-                                    </p:anim>
                                   </p:childTnLst>
                                 </p:cTn>
                               </p:par>
                               <p:par>
-                                <p:cTn id="44" presetID="42" presetClass="entr" presetSubtype="0" fill="hold" nodeType="withEffect">
+                                <p:cTn id="29" presetID="1" presetClass="entr" presetSubtype="0" fill="hold" nodeType="withEffect">
                                   <p:stCondLst>
                                     <p:cond delay="0"/>
                                   </p:stCondLst>
                                   <p:childTnLst>
                                     <p:set>
                                       <p:cBhvr>
-                                        <p:cTn id="45" dur="1" fill="hold">
+                                        <p:cTn id="30" dur="1" fill="hold">
                                           <p:stCondLst>
                                             <p:cond delay="0"/>
                                           </p:stCondLst>
@@ -18584,72 +18339,18 @@
                                         <p:strVal val="visible"/>
                                       </p:to>
                                     </p:set>
-                                    <p:animEffect transition="in" filter="fade">
-                                      <p:cBhvr>
-                                        <p:cTn id="46" dur="1000"/>
-                                        <p:tgtEl>
-                                          <p:spTgt spid="16"/>
-                                        </p:tgtEl>
-                                      </p:cBhvr>
-                                    </p:animEffect>
-                                    <p:anim calcmode="lin" valueType="num">
-                                      <p:cBhvr>
-                                        <p:cTn id="47" dur="1000" fill="hold"/>
-                                        <p:tgtEl>
-                                          <p:spTgt spid="16"/>
-                                        </p:tgtEl>
-                                        <p:attrNameLst>
-                                          <p:attrName>ppt_x</p:attrName>
-                                        </p:attrNameLst>
-                                      </p:cBhvr>
-                                      <p:tavLst>
-                                        <p:tav tm="0">
-                                          <p:val>
-                                            <p:strVal val="#ppt_x"/>
-                                          </p:val>
-                                        </p:tav>
-                                        <p:tav tm="100000">
-                                          <p:val>
-                                            <p:strVal val="#ppt_x"/>
-                                          </p:val>
-                                        </p:tav>
-                                      </p:tavLst>
-                                    </p:anim>
-                                    <p:anim calcmode="lin" valueType="num">
-                                      <p:cBhvr>
-                                        <p:cTn id="48" dur="1000" fill="hold"/>
-                                        <p:tgtEl>
-                                          <p:spTgt spid="16"/>
-                                        </p:tgtEl>
-                                        <p:attrNameLst>
-                                          <p:attrName>ppt_y</p:attrName>
-                                        </p:attrNameLst>
-                                      </p:cBhvr>
-                                      <p:tavLst>
-                                        <p:tav tm="0">
-                                          <p:val>
-                                            <p:strVal val="#ppt_y+.1"/>
-                                          </p:val>
-                                        </p:tav>
-                                        <p:tav tm="100000">
-                                          <p:val>
-                                            <p:strVal val="#ppt_y"/>
-                                          </p:val>
-                                        </p:tav>
-                                      </p:tavLst>
-                                    </p:anim>
                                   </p:childTnLst>
                                 </p:cTn>
                               </p:par>
                               <p:par>
-                                <p:cTn id="49" presetID="42" presetClass="entr" presetSubtype="0" fill="hold" grpId="0" nodeType="withEffect">
+                                <p:cTn id="31" presetID="1" presetClass="entr" presetSubtype="0" fill="hold" grpId="0" nodeType="withEffect">
                                   <p:stCondLst>
                                     <p:cond delay="0"/>
                                   </p:stCondLst>
                                   <p:childTnLst>
                                     <p:set>
                                       <p:cBhvr>
-                                        <p:cTn id="50" dur="1" fill="hold">
+                                        <p:cTn id="32" dur="1" fill="hold">
                                           <p:stCondLst>
                                             <p:cond delay="0"/>
                                           </p:stCondLst>
@@ -18665,72 +18366,18 @@
                                         <p:strVal val="visible"/>
                                       </p:to>
                                     </p:set>
-                                    <p:animEffect transition="in" filter="fade">
-                                      <p:cBhvr>
-                                        <p:cTn id="51" dur="1000"/>
-                                        <p:tgtEl>
-                                          <p:spTgt spid="8"/>
-                                        </p:tgtEl>
-                                      </p:cBhvr>
-                                    </p:animEffect>
-                                    <p:anim calcmode="lin" valueType="num">
-                                      <p:cBhvr>
-                                        <p:cTn id="52" dur="1000" fill="hold"/>
-                                        <p:tgtEl>
-                                          <p:spTgt spid="8"/>
-                                        </p:tgtEl>
-                                        <p:attrNameLst>
-                                          <p:attrName>ppt_x</p:attrName>
-                                        </p:attrNameLst>
-                                      </p:cBhvr>
-                                      <p:tavLst>
-                                        <p:tav tm="0">
-                                          <p:val>
-                                            <p:strVal val="#ppt_x"/>
-                                          </p:val>
-                                        </p:tav>
-                                        <p:tav tm="100000">
-                                          <p:val>
-                                            <p:strVal val="#ppt_x"/>
-                                          </p:val>
-                                        </p:tav>
-                                      </p:tavLst>
-                                    </p:anim>
-                                    <p:anim calcmode="lin" valueType="num">
-                                      <p:cBhvr>
-                                        <p:cTn id="53" dur="1000" fill="hold"/>
-                                        <p:tgtEl>
-                                          <p:spTgt spid="8"/>
-                                        </p:tgtEl>
-                                        <p:attrNameLst>
-                                          <p:attrName>ppt_y</p:attrName>
-                                        </p:attrNameLst>
-                                      </p:cBhvr>
-                                      <p:tavLst>
-                                        <p:tav tm="0">
-                                          <p:val>
-                                            <p:strVal val="#ppt_y+.1"/>
-                                          </p:val>
-                                        </p:tav>
-                                        <p:tav tm="100000">
-                                          <p:val>
-                                            <p:strVal val="#ppt_y"/>
-                                          </p:val>
-                                        </p:tav>
-                                      </p:tavLst>
-                                    </p:anim>
                                   </p:childTnLst>
                                 </p:cTn>
                               </p:par>
                               <p:par>
-                                <p:cTn id="54" presetID="42" presetClass="entr" presetSubtype="0" fill="hold" nodeType="withEffect">
+                                <p:cTn id="33" presetID="1" presetClass="entr" presetSubtype="0" fill="hold" nodeType="withEffect">
                                   <p:stCondLst>
                                     <p:cond delay="0"/>
                                   </p:stCondLst>
                                   <p:childTnLst>
                                     <p:set>
                                       <p:cBhvr>
-                                        <p:cTn id="55" dur="1" fill="hold">
+                                        <p:cTn id="34" dur="1" fill="hold">
                                           <p:stCondLst>
                                             <p:cond delay="0"/>
                                           </p:stCondLst>
@@ -18746,72 +18393,18 @@
                                         <p:strVal val="visible"/>
                                       </p:to>
                                     </p:set>
-                                    <p:animEffect transition="in" filter="fade">
-                                      <p:cBhvr>
-                                        <p:cTn id="56" dur="1000"/>
-                                        <p:tgtEl>
-                                          <p:spTgt spid="15"/>
-                                        </p:tgtEl>
-                                      </p:cBhvr>
-                                    </p:animEffect>
-                                    <p:anim calcmode="lin" valueType="num">
-                                      <p:cBhvr>
-                                        <p:cTn id="57" dur="1000" fill="hold"/>
-                                        <p:tgtEl>
-                                          <p:spTgt spid="15"/>
-                                        </p:tgtEl>
-                                        <p:attrNameLst>
-                                          <p:attrName>ppt_x</p:attrName>
-                                        </p:attrNameLst>
-                                      </p:cBhvr>
-                                      <p:tavLst>
-                                        <p:tav tm="0">
-                                          <p:val>
-                                            <p:strVal val="#ppt_x"/>
-                                          </p:val>
-                                        </p:tav>
-                                        <p:tav tm="100000">
-                                          <p:val>
-                                            <p:strVal val="#ppt_x"/>
-                                          </p:val>
-                                        </p:tav>
-                                      </p:tavLst>
-                                    </p:anim>
-                                    <p:anim calcmode="lin" valueType="num">
-                                      <p:cBhvr>
-                                        <p:cTn id="58" dur="1000" fill="hold"/>
-                                        <p:tgtEl>
-                                          <p:spTgt spid="15"/>
-                                        </p:tgtEl>
-                                        <p:attrNameLst>
-                                          <p:attrName>ppt_y</p:attrName>
-                                        </p:attrNameLst>
-                                      </p:cBhvr>
-                                      <p:tavLst>
-                                        <p:tav tm="0">
-                                          <p:val>
-                                            <p:strVal val="#ppt_y+.1"/>
-                                          </p:val>
-                                        </p:tav>
-                                        <p:tav tm="100000">
-                                          <p:val>
-                                            <p:strVal val="#ppt_y"/>
-                                          </p:val>
-                                        </p:tav>
-                                      </p:tavLst>
-                                    </p:anim>
                                   </p:childTnLst>
                                 </p:cTn>
                               </p:par>
                               <p:par>
-                                <p:cTn id="59" presetID="42" presetClass="entr" presetSubtype="0" fill="hold" grpId="0" nodeType="withEffect">
+                                <p:cTn id="35" presetID="1" presetClass="entr" presetSubtype="0" fill="hold" grpId="0" nodeType="withEffect">
                                   <p:stCondLst>
                                     <p:cond delay="0"/>
                                   </p:stCondLst>
                                   <p:childTnLst>
                                     <p:set>
                                       <p:cBhvr>
-                                        <p:cTn id="60" dur="1" fill="hold">
+                                        <p:cTn id="36" dur="1" fill="hold">
                                           <p:stCondLst>
                                             <p:cond delay="0"/>
                                           </p:stCondLst>
@@ -18827,90 +18420,18 @@
                                         <p:strVal val="visible"/>
                                       </p:to>
                                     </p:set>
-                                    <p:animEffect transition="in" filter="fade">
-                                      <p:cBhvr>
-                                        <p:cTn id="61" dur="1000"/>
-                                        <p:tgtEl>
-                                          <p:spTgt spid="7"/>
-                                        </p:tgtEl>
-                                      </p:cBhvr>
-                                    </p:animEffect>
-                                    <p:anim calcmode="lin" valueType="num">
-                                      <p:cBhvr>
-                                        <p:cTn id="62" dur="1000" fill="hold"/>
-                                        <p:tgtEl>
-                                          <p:spTgt spid="7"/>
-                                        </p:tgtEl>
-                                        <p:attrNameLst>
-                                          <p:attrName>ppt_x</p:attrName>
-                                        </p:attrNameLst>
-                                      </p:cBhvr>
-                                      <p:tavLst>
-                                        <p:tav tm="0">
-                                          <p:val>
-                                            <p:strVal val="#ppt_x"/>
-                                          </p:val>
-                                        </p:tav>
-                                        <p:tav tm="100000">
-                                          <p:val>
-                                            <p:strVal val="#ppt_x"/>
-                                          </p:val>
-                                        </p:tav>
-                                      </p:tavLst>
-                                    </p:anim>
-                                    <p:anim calcmode="lin" valueType="num">
-                                      <p:cBhvr>
-                                        <p:cTn id="63" dur="1000" fill="hold"/>
-                                        <p:tgtEl>
-                                          <p:spTgt spid="7"/>
-                                        </p:tgtEl>
-                                        <p:attrNameLst>
-                                          <p:attrName>ppt_y</p:attrName>
-                                        </p:attrNameLst>
-                                      </p:cBhvr>
-                                      <p:tavLst>
-                                        <p:tav tm="0">
-                                          <p:val>
-                                            <p:strVal val="#ppt_y+.1"/>
-                                          </p:val>
-                                        </p:tav>
-                                        <p:tav tm="100000">
-                                          <p:val>
-                                            <p:strVal val="#ppt_y"/>
-                                          </p:val>
-                                        </p:tav>
-                                      </p:tavLst>
-                                    </p:anim>
                                   </p:childTnLst>
                                 </p:cTn>
                               </p:par>
-                            </p:childTnLst>
-                          </p:cTn>
-                        </p:par>
-                      </p:childTnLst>
-                    </p:cTn>
-                  </p:par>
-                  <p:par>
-                    <p:cTn id="64" fill="hold">
-                      <p:stCondLst>
-                        <p:cond delay="indefinite"/>
-                      </p:stCondLst>
-                      <p:childTnLst>
-                        <p:par>
-                          <p:cTn id="65" fill="hold">
-                            <p:stCondLst>
-                              <p:cond delay="0"/>
-                            </p:stCondLst>
-                            <p:childTnLst>
                               <p:par>
-                                <p:cTn id="66" presetID="22" presetClass="entr" presetSubtype="4" fill="hold" grpId="0" nodeType="clickEffect">
+                                <p:cTn id="37" presetID="1" presetClass="entr" presetSubtype="0" fill="hold" grpId="0" nodeType="withEffect">
                                   <p:stCondLst>
                                     <p:cond delay="0"/>
                                   </p:stCondLst>
                                   <p:childTnLst>
                                     <p:set>
                                       <p:cBhvr>
-                                        <p:cTn id="67" dur="1" fill="hold">
+                                        <p:cTn id="38" dur="1" fill="hold">
                                           <p:stCondLst>
                                             <p:cond delay="0"/>
                                           </p:stCondLst>
@@ -18926,44 +18447,18 @@
                                         <p:strVal val="visible"/>
                                       </p:to>
                                     </p:set>
-                                    <p:animEffect transition="in" filter="wipe(down)">
-                                      <p:cBhvr>
-                                        <p:cTn id="68" dur="500"/>
-                                        <p:tgtEl>
-                                          <p:spTgt spid="25"/>
-                                        </p:tgtEl>
-                                      </p:cBhvr>
-                                    </p:animEffect>
                                   </p:childTnLst>
                                 </p:cTn>
                               </p:par>
-                            </p:childTnLst>
-                          </p:cTn>
-                        </p:par>
-                      </p:childTnLst>
-                    </p:cTn>
-                  </p:par>
-                  <p:par>
-                    <p:cTn id="69" fill="hold">
-                      <p:stCondLst>
-                        <p:cond delay="indefinite"/>
-                      </p:stCondLst>
-                      <p:childTnLst>
-                        <p:par>
-                          <p:cTn id="70" fill="hold">
-                            <p:stCondLst>
-                              <p:cond delay="0"/>
-                            </p:stCondLst>
-                            <p:childTnLst>
                               <p:par>
-                                <p:cTn id="71" presetID="6" presetClass="entr" presetSubtype="16" fill="hold" grpId="0" nodeType="clickEffect">
+                                <p:cTn id="39" presetID="1" presetClass="entr" presetSubtype="0" fill="hold" grpId="0" nodeType="withEffect">
                                   <p:stCondLst>
                                     <p:cond delay="0"/>
                                   </p:stCondLst>
                                   <p:childTnLst>
                                     <p:set>
                                       <p:cBhvr>
-                                        <p:cTn id="72" dur="1" fill="hold">
+                                        <p:cTn id="40" dur="1" fill="hold">
                                           <p:stCondLst>
                                             <p:cond delay="0"/>
                                           </p:stCondLst>
@@ -18979,44 +18474,18 @@
                                         <p:strVal val="visible"/>
                                       </p:to>
                                     </p:set>
-                                    <p:animEffect transition="in" filter="circle(in)">
-                                      <p:cBhvr>
-                                        <p:cTn id="73" dur="2000"/>
-                                        <p:tgtEl>
-                                          <p:spTgt spid="26"/>
-                                        </p:tgtEl>
-                                      </p:cBhvr>
-                                    </p:animEffect>
                                   </p:childTnLst>
                                 </p:cTn>
                               </p:par>
-                            </p:childTnLst>
-                          </p:cTn>
-                        </p:par>
-                      </p:childTnLst>
-                    </p:cTn>
-                  </p:par>
-                  <p:par>
-                    <p:cTn id="74" fill="hold">
-                      <p:stCondLst>
-                        <p:cond delay="indefinite"/>
-                      </p:stCondLst>
-                      <p:childTnLst>
-                        <p:par>
-                          <p:cTn id="75" fill="hold">
-                            <p:stCondLst>
-                              <p:cond delay="0"/>
-                            </p:stCondLst>
-                            <p:childTnLst>
                               <p:par>
-                                <p:cTn id="76" presetID="42" presetClass="entr" presetSubtype="0" fill="hold" grpId="0" nodeType="clickEffect">
+                                <p:cTn id="41" presetID="1" presetClass="entr" presetSubtype="0" fill="hold" grpId="0" nodeType="withEffect">
                                   <p:stCondLst>
                                     <p:cond delay="0"/>
                                   </p:stCondLst>
                                   <p:childTnLst>
                                     <p:set>
                                       <p:cBhvr>
-                                        <p:cTn id="77" dur="1" fill="hold">
+                                        <p:cTn id="42" dur="1" fill="hold">
                                           <p:stCondLst>
                                             <p:cond delay="0"/>
                                           </p:stCondLst>
@@ -19032,90 +18501,18 @@
                                         <p:strVal val="visible"/>
                                       </p:to>
                                     </p:set>
-                                    <p:animEffect transition="in" filter="fade">
-                                      <p:cBhvr>
-                                        <p:cTn id="78" dur="1000"/>
-                                        <p:tgtEl>
-                                          <p:spTgt spid="27"/>
-                                        </p:tgtEl>
-                                      </p:cBhvr>
-                                    </p:animEffect>
-                                    <p:anim calcmode="lin" valueType="num">
-                                      <p:cBhvr>
-                                        <p:cTn id="79" dur="1000" fill="hold"/>
-                                        <p:tgtEl>
-                                          <p:spTgt spid="27"/>
-                                        </p:tgtEl>
-                                        <p:attrNameLst>
-                                          <p:attrName>ppt_x</p:attrName>
-                                        </p:attrNameLst>
-                                      </p:cBhvr>
-                                      <p:tavLst>
-                                        <p:tav tm="0">
-                                          <p:val>
-                                            <p:strVal val="#ppt_x"/>
-                                          </p:val>
-                                        </p:tav>
-                                        <p:tav tm="100000">
-                                          <p:val>
-                                            <p:strVal val="#ppt_x"/>
-                                          </p:val>
-                                        </p:tav>
-                                      </p:tavLst>
-                                    </p:anim>
-                                    <p:anim calcmode="lin" valueType="num">
-                                      <p:cBhvr>
-                                        <p:cTn id="80" dur="1000" fill="hold"/>
-                                        <p:tgtEl>
-                                          <p:spTgt spid="27"/>
-                                        </p:tgtEl>
-                                        <p:attrNameLst>
-                                          <p:attrName>ppt_y</p:attrName>
-                                        </p:attrNameLst>
-                                      </p:cBhvr>
-                                      <p:tavLst>
-                                        <p:tav tm="0">
-                                          <p:val>
-                                            <p:strVal val="#ppt_y+.1"/>
-                                          </p:val>
-                                        </p:tav>
-                                        <p:tav tm="100000">
-                                          <p:val>
-                                            <p:strVal val="#ppt_y"/>
-                                          </p:val>
-                                        </p:tav>
-                                      </p:tavLst>
-                                    </p:anim>
                                   </p:childTnLst>
                                 </p:cTn>
                               </p:par>
-                            </p:childTnLst>
-                          </p:cTn>
-                        </p:par>
-                      </p:childTnLst>
-                    </p:cTn>
-                  </p:par>
-                  <p:par>
-                    <p:cTn id="81" fill="hold">
-                      <p:stCondLst>
-                        <p:cond delay="indefinite"/>
-                      </p:stCondLst>
-                      <p:childTnLst>
-                        <p:par>
-                          <p:cTn id="82" fill="hold">
-                            <p:stCondLst>
-                              <p:cond delay="0"/>
-                            </p:stCondLst>
-                            <p:childTnLst>
                               <p:par>
-                                <p:cTn id="83" presetID="42" presetClass="entr" presetSubtype="0" fill="hold" grpId="0" nodeType="clickEffect">
+                                <p:cTn id="43" presetID="1" presetClass="entr" presetSubtype="0" fill="hold" grpId="0" nodeType="withEffect">
                                   <p:stCondLst>
                                     <p:cond delay="0"/>
                                   </p:stCondLst>
                                   <p:childTnLst>
                                     <p:set>
                                       <p:cBhvr>
-                                        <p:cTn id="84" dur="1" fill="hold">
+                                        <p:cTn id="44" dur="1" fill="hold">
                                           <p:stCondLst>
                                             <p:cond delay="0"/>
                                           </p:stCondLst>
@@ -19131,60 +18528,64 @@
                                         <p:strVal val="visible"/>
                                       </p:to>
                                     </p:set>
-                                    <p:animEffect transition="in" filter="fade">
+                                  </p:childTnLst>
+                                </p:cTn>
+                              </p:par>
+                              <p:par>
+                                <p:cTn id="45" presetID="1" presetClass="entr" presetSubtype="0" fill="hold" grpId="0" nodeType="withEffect">
+                                  <p:stCondLst>
+                                    <p:cond delay="0"/>
+                                  </p:stCondLst>
+                                  <p:childTnLst>
+                                    <p:set>
                                       <p:cBhvr>
-                                        <p:cTn id="85" dur="1000"/>
+                                        <p:cTn id="46" dur="1" fill="hold">
+                                          <p:stCondLst>
+                                            <p:cond delay="0"/>
+                                          </p:stCondLst>
+                                        </p:cTn>
                                         <p:tgtEl>
-                                          <p:spTgt spid="20"/>
-                                        </p:tgtEl>
-                                      </p:cBhvr>
-                                    </p:animEffect>
-                                    <p:anim calcmode="lin" valueType="num">
-                                      <p:cBhvr>
-                                        <p:cTn id="86" dur="1000" fill="hold"/>
-                                        <p:tgtEl>
-                                          <p:spTgt spid="20"/>
+                                          <p:spTgt spid="25602"/>
                                         </p:tgtEl>
                                         <p:attrNameLst>
-                                          <p:attrName>ppt_x</p:attrName>
+                                          <p:attrName>style.visibility</p:attrName>
                                         </p:attrNameLst>
                                       </p:cBhvr>
-                                      <p:tavLst>
-                                        <p:tav tm="0">
-                                          <p:val>
-                                            <p:strVal val="#ppt_x"/>
-                                          </p:val>
-                                        </p:tav>
-                                        <p:tav tm="100000">
-                                          <p:val>
-                                            <p:strVal val="#ppt_x"/>
-                                          </p:val>
-                                        </p:tav>
-                                      </p:tavLst>
-                                    </p:anim>
-                                    <p:anim calcmode="lin" valueType="num">
+                                      <p:to>
+                                        <p:strVal val="visible"/>
+                                      </p:to>
+                                    </p:set>
+                                  </p:childTnLst>
+                                </p:cTn>
+                              </p:par>
+                              <p:par>
+                                <p:cTn id="47" presetID="1" presetClass="entr" presetSubtype="0" fill="hold" grpId="0" nodeType="withEffect">
+                                  <p:stCondLst>
+                                    <p:cond delay="0"/>
+                                  </p:stCondLst>
+                                  <p:childTnLst>
+                                    <p:set>
                                       <p:cBhvr>
-                                        <p:cTn id="87" dur="1000" fill="hold"/>
+                                        <p:cTn id="48" dur="1" fill="hold">
+                                          <p:stCondLst>
+                                            <p:cond delay="0"/>
+                                          </p:stCondLst>
+                                        </p:cTn>
                                         <p:tgtEl>
-                                          <p:spTgt spid="20"/>
+                                          <p:spTgt spid="25603">
+                                            <p:txEl>
+                                              <p:pRg st="0" end="0"/>
+                                            </p:txEl>
+                                          </p:spTgt>
                                         </p:tgtEl>
                                         <p:attrNameLst>
-                                          <p:attrName>ppt_y</p:attrName>
+                                          <p:attrName>style.visibility</p:attrName>
                                         </p:attrNameLst>
                                       </p:cBhvr>
-                                      <p:tavLst>
-                                        <p:tav tm="0">
-                                          <p:val>
-                                            <p:strVal val="#ppt_y+.1"/>
-                                          </p:val>
-                                        </p:tav>
-                                        <p:tav tm="100000">
-                                          <p:val>
-                                            <p:strVal val="#ppt_y"/>
-                                          </p:val>
-                                        </p:tav>
-                                      </p:tavLst>
-                                    </p:anim>
+                                      <p:to>
+                                        <p:strVal val="visible"/>
+                                      </p:to>
+                                    </p:set>
                                   </p:childTnLst>
                                 </p:cTn>
                               </p:par>
@@ -19216,6 +18617,8 @@
       </p:par>
     </p:tnLst>
     <p:bldLst>
+      <p:bldP spid="25602" grpId="0"/>
+      <p:bldP spid="25603" grpId="0" build="p"/>
       <p:bldP spid="3" grpId="0" animBg="1"/>
       <p:bldP spid="6" grpId="0" animBg="1"/>
       <p:bldP spid="7" grpId="0" animBg="1"/>
@@ -20245,26 +19648,35 @@
                                   </p:childTnLst>
                                 </p:cTn>
                               </p:par>
-                            </p:childTnLst>
-                          </p:cTn>
-                        </p:par>
-                      </p:childTnLst>
-                    </p:cTn>
-                  </p:par>
-                  <p:par>
-                    <p:cTn id="15" fill="hold">
-                      <p:stCondLst>
-                        <p:cond delay="indefinite"/>
-                      </p:stCondLst>
-                      <p:childTnLst>
-                        <p:par>
-                          <p:cTn id="16" fill="hold">
-                            <p:stCondLst>
-                              <p:cond delay="0"/>
-                            </p:stCondLst>
-                            <p:childTnLst>
                               <p:par>
-                                <p:cTn id="17" presetID="1" presetClass="entr" presetSubtype="0" fill="hold" grpId="0" nodeType="clickEffect">
+                                <p:cTn id="15" presetID="1" presetClass="entr" presetSubtype="0" fill="hold" grpId="0" nodeType="withEffect">
+                                  <p:stCondLst>
+                                    <p:cond delay="0"/>
+                                  </p:stCondLst>
+                                  <p:childTnLst>
+                                    <p:set>
+                                      <p:cBhvr>
+                                        <p:cTn id="16" dur="1" fill="hold">
+                                          <p:stCondLst>
+                                            <p:cond delay="0"/>
+                                          </p:stCondLst>
+                                        </p:cTn>
+                                        <p:tgtEl>
+                                          <p:spTgt spid="13"/>
+                                        </p:tgtEl>
+                                        <p:attrNameLst>
+                                          <p:attrName>style.visibility</p:attrName>
+                                        </p:attrNameLst>
+                                      </p:cBhvr>
+                                      <p:to>
+                                        <p:strVal val="visible"/>
+                                      </p:to>
+                                    </p:set>
+                                  </p:childTnLst>
+                                </p:cTn>
+                              </p:par>
+                              <p:par>
+                                <p:cTn id="17" presetID="1" presetClass="entr" presetSubtype="0" fill="hold" grpId="0" nodeType="withEffect">
                                   <p:stCondLst>
                                     <p:cond delay="0"/>
                                   </p:stCondLst>
@@ -20277,7 +19689,7 @@
                                           </p:stCondLst>
                                         </p:cTn>
                                         <p:tgtEl>
-                                          <p:spTgt spid="13"/>
+                                          <p:spTgt spid="12"/>
                                         </p:tgtEl>
                                         <p:attrNameLst>
                                           <p:attrName>style.visibility</p:attrName>
@@ -20304,51 +19716,6 @@
                                           </p:stCondLst>
                                         </p:cTn>
                                         <p:tgtEl>
-                                          <p:spTgt spid="12"/>
-                                        </p:tgtEl>
-                                        <p:attrNameLst>
-                                          <p:attrName>style.visibility</p:attrName>
-                                        </p:attrNameLst>
-                                      </p:cBhvr>
-                                      <p:to>
-                                        <p:strVal val="visible"/>
-                                      </p:to>
-                                    </p:set>
-                                  </p:childTnLst>
-                                </p:cTn>
-                              </p:par>
-                            </p:childTnLst>
-                          </p:cTn>
-                        </p:par>
-                      </p:childTnLst>
-                    </p:cTn>
-                  </p:par>
-                  <p:par>
-                    <p:cTn id="21" fill="hold">
-                      <p:stCondLst>
-                        <p:cond delay="indefinite"/>
-                      </p:stCondLst>
-                      <p:childTnLst>
-                        <p:par>
-                          <p:cTn id="22" fill="hold">
-                            <p:stCondLst>
-                              <p:cond delay="0"/>
-                            </p:stCondLst>
-                            <p:childTnLst>
-                              <p:par>
-                                <p:cTn id="23" presetID="1" presetClass="entr" presetSubtype="0" fill="hold" grpId="0" nodeType="clickEffect">
-                                  <p:stCondLst>
-                                    <p:cond delay="0"/>
-                                  </p:stCondLst>
-                                  <p:childTnLst>
-                                    <p:set>
-                                      <p:cBhvr>
-                                        <p:cTn id="24" dur="1" fill="hold">
-                                          <p:stCondLst>
-                                            <p:cond delay="0"/>
-                                          </p:stCondLst>
-                                        </p:cTn>
-                                        <p:tgtEl>
                                           <p:spTgt spid="22"/>
                                         </p:tgtEl>
                                         <p:attrNameLst>
@@ -20363,14 +19730,14 @@
                                 </p:cTn>
                               </p:par>
                               <p:par>
-                                <p:cTn id="25" presetID="1" presetClass="entr" presetSubtype="0" fill="hold" grpId="0" nodeType="withEffect">
+                                <p:cTn id="21" presetID="1" presetClass="entr" presetSubtype="0" fill="hold" grpId="0" nodeType="withEffect">
                                   <p:stCondLst>
                                     <p:cond delay="0"/>
                                   </p:stCondLst>
                                   <p:childTnLst>
                                     <p:set>
                                       <p:cBhvr>
-                                        <p:cTn id="26" dur="1" fill="hold">
+                                        <p:cTn id="22" dur="1" fill="hold">
                                           <p:stCondLst>
                                             <p:cond delay="0"/>
                                           </p:stCondLst>
@@ -20389,33 +19756,15 @@
                                   </p:childTnLst>
                                 </p:cTn>
                               </p:par>
-                            </p:childTnLst>
-                          </p:cTn>
-                        </p:par>
-                      </p:childTnLst>
-                    </p:cTn>
-                  </p:par>
-                  <p:par>
-                    <p:cTn id="27" fill="hold">
-                      <p:stCondLst>
-                        <p:cond delay="indefinite"/>
-                      </p:stCondLst>
-                      <p:childTnLst>
-                        <p:par>
-                          <p:cTn id="28" fill="hold">
-                            <p:stCondLst>
-                              <p:cond delay="0"/>
-                            </p:stCondLst>
-                            <p:childTnLst>
                               <p:par>
-                                <p:cTn id="29" presetID="42" presetClass="entr" presetSubtype="0" fill="hold" grpId="0" nodeType="clickEffect">
+                                <p:cTn id="23" presetID="1" presetClass="entr" presetSubtype="0" fill="hold" grpId="0" nodeType="withEffect">
                                   <p:stCondLst>
                                     <p:cond delay="0"/>
                                   </p:stCondLst>
                                   <p:childTnLst>
                                     <p:set>
                                       <p:cBhvr>
-                                        <p:cTn id="30" dur="1" fill="hold">
+                                        <p:cTn id="24" dur="1" fill="hold">
                                           <p:stCondLst>
                                             <p:cond delay="0"/>
                                           </p:stCondLst>
@@ -20431,72 +19780,18 @@
                                         <p:strVal val="visible"/>
                                       </p:to>
                                     </p:set>
-                                    <p:animEffect transition="in" filter="fade">
-                                      <p:cBhvr>
-                                        <p:cTn id="31" dur="1000"/>
-                                        <p:tgtEl>
-                                          <p:spTgt spid="3"/>
-                                        </p:tgtEl>
-                                      </p:cBhvr>
-                                    </p:animEffect>
-                                    <p:anim calcmode="lin" valueType="num">
-                                      <p:cBhvr>
-                                        <p:cTn id="32" dur="1000" fill="hold"/>
-                                        <p:tgtEl>
-                                          <p:spTgt spid="3"/>
-                                        </p:tgtEl>
-                                        <p:attrNameLst>
-                                          <p:attrName>ppt_x</p:attrName>
-                                        </p:attrNameLst>
-                                      </p:cBhvr>
-                                      <p:tavLst>
-                                        <p:tav tm="0">
-                                          <p:val>
-                                            <p:strVal val="#ppt_x"/>
-                                          </p:val>
-                                        </p:tav>
-                                        <p:tav tm="100000">
-                                          <p:val>
-                                            <p:strVal val="#ppt_x"/>
-                                          </p:val>
-                                        </p:tav>
-                                      </p:tavLst>
-                                    </p:anim>
-                                    <p:anim calcmode="lin" valueType="num">
-                                      <p:cBhvr>
-                                        <p:cTn id="33" dur="1000" fill="hold"/>
-                                        <p:tgtEl>
-                                          <p:spTgt spid="3"/>
-                                        </p:tgtEl>
-                                        <p:attrNameLst>
-                                          <p:attrName>ppt_y</p:attrName>
-                                        </p:attrNameLst>
-                                      </p:cBhvr>
-                                      <p:tavLst>
-                                        <p:tav tm="0">
-                                          <p:val>
-                                            <p:strVal val="#ppt_y+.1"/>
-                                          </p:val>
-                                        </p:tav>
-                                        <p:tav tm="100000">
-                                          <p:val>
-                                            <p:strVal val="#ppt_y"/>
-                                          </p:val>
-                                        </p:tav>
-                                      </p:tavLst>
-                                    </p:anim>
                                   </p:childTnLst>
                                 </p:cTn>
                               </p:par>
                               <p:par>
-                                <p:cTn id="34" presetID="42" presetClass="entr" presetSubtype="0" fill="hold" nodeType="withEffect">
+                                <p:cTn id="25" presetID="1" presetClass="entr" presetSubtype="0" fill="hold" nodeType="withEffect">
                                   <p:stCondLst>
                                     <p:cond delay="0"/>
                                   </p:stCondLst>
                                   <p:childTnLst>
                                     <p:set>
                                       <p:cBhvr>
-                                        <p:cTn id="35" dur="1" fill="hold">
+                                        <p:cTn id="26" dur="1" fill="hold">
                                           <p:stCondLst>
                                             <p:cond delay="0"/>
                                           </p:stCondLst>
@@ -20512,72 +19807,18 @@
                                         <p:strVal val="visible"/>
                                       </p:to>
                                     </p:set>
-                                    <p:animEffect transition="in" filter="fade">
-                                      <p:cBhvr>
-                                        <p:cTn id="36" dur="1000"/>
-                                        <p:tgtEl>
-                                          <p:spTgt spid="11"/>
-                                        </p:tgtEl>
-                                      </p:cBhvr>
-                                    </p:animEffect>
-                                    <p:anim calcmode="lin" valueType="num">
-                                      <p:cBhvr>
-                                        <p:cTn id="37" dur="1000" fill="hold"/>
-                                        <p:tgtEl>
-                                          <p:spTgt spid="11"/>
-                                        </p:tgtEl>
-                                        <p:attrNameLst>
-                                          <p:attrName>ppt_x</p:attrName>
-                                        </p:attrNameLst>
-                                      </p:cBhvr>
-                                      <p:tavLst>
-                                        <p:tav tm="0">
-                                          <p:val>
-                                            <p:strVal val="#ppt_x"/>
-                                          </p:val>
-                                        </p:tav>
-                                        <p:tav tm="100000">
-                                          <p:val>
-                                            <p:strVal val="#ppt_x"/>
-                                          </p:val>
-                                        </p:tav>
-                                      </p:tavLst>
-                                    </p:anim>
-                                    <p:anim calcmode="lin" valueType="num">
-                                      <p:cBhvr>
-                                        <p:cTn id="38" dur="1000" fill="hold"/>
-                                        <p:tgtEl>
-                                          <p:spTgt spid="11"/>
-                                        </p:tgtEl>
-                                        <p:attrNameLst>
-                                          <p:attrName>ppt_y</p:attrName>
-                                        </p:attrNameLst>
-                                      </p:cBhvr>
-                                      <p:tavLst>
-                                        <p:tav tm="0">
-                                          <p:val>
-                                            <p:strVal val="#ppt_y+.1"/>
-                                          </p:val>
-                                        </p:tav>
-                                        <p:tav tm="100000">
-                                          <p:val>
-                                            <p:strVal val="#ppt_y"/>
-                                          </p:val>
-                                        </p:tav>
-                                      </p:tavLst>
-                                    </p:anim>
                                   </p:childTnLst>
                                 </p:cTn>
                               </p:par>
                               <p:par>
-                                <p:cTn id="39" presetID="42" presetClass="entr" presetSubtype="0" fill="hold" grpId="0" nodeType="withEffect">
+                                <p:cTn id="27" presetID="1" presetClass="entr" presetSubtype="0" fill="hold" grpId="0" nodeType="withEffect">
                                   <p:stCondLst>
                                     <p:cond delay="0"/>
                                   </p:stCondLst>
                                   <p:childTnLst>
                                     <p:set>
                                       <p:cBhvr>
-                                        <p:cTn id="40" dur="1" fill="hold">
+                                        <p:cTn id="28" dur="1" fill="hold">
                                           <p:stCondLst>
                                             <p:cond delay="0"/>
                                           </p:stCondLst>
@@ -20593,72 +19834,18 @@
                                         <p:strVal val="visible"/>
                                       </p:to>
                                     </p:set>
-                                    <p:animEffect transition="in" filter="fade">
-                                      <p:cBhvr>
-                                        <p:cTn id="41" dur="1000"/>
-                                        <p:tgtEl>
-                                          <p:spTgt spid="6"/>
-                                        </p:tgtEl>
-                                      </p:cBhvr>
-                                    </p:animEffect>
-                                    <p:anim calcmode="lin" valueType="num">
-                                      <p:cBhvr>
-                                        <p:cTn id="42" dur="1000" fill="hold"/>
-                                        <p:tgtEl>
-                                          <p:spTgt spid="6"/>
-                                        </p:tgtEl>
-                                        <p:attrNameLst>
-                                          <p:attrName>ppt_x</p:attrName>
-                                        </p:attrNameLst>
-                                      </p:cBhvr>
-                                      <p:tavLst>
-                                        <p:tav tm="0">
-                                          <p:val>
-                                            <p:strVal val="#ppt_x"/>
-                                          </p:val>
-                                        </p:tav>
-                                        <p:tav tm="100000">
-                                          <p:val>
-                                            <p:strVal val="#ppt_x"/>
-                                          </p:val>
-                                        </p:tav>
-                                      </p:tavLst>
-                                    </p:anim>
-                                    <p:anim calcmode="lin" valueType="num">
-                                      <p:cBhvr>
-                                        <p:cTn id="43" dur="1000" fill="hold"/>
-                                        <p:tgtEl>
-                                          <p:spTgt spid="6"/>
-                                        </p:tgtEl>
-                                        <p:attrNameLst>
-                                          <p:attrName>ppt_y</p:attrName>
-                                        </p:attrNameLst>
-                                      </p:cBhvr>
-                                      <p:tavLst>
-                                        <p:tav tm="0">
-                                          <p:val>
-                                            <p:strVal val="#ppt_y+.1"/>
-                                          </p:val>
-                                        </p:tav>
-                                        <p:tav tm="100000">
-                                          <p:val>
-                                            <p:strVal val="#ppt_y"/>
-                                          </p:val>
-                                        </p:tav>
-                                      </p:tavLst>
-                                    </p:anim>
                                   </p:childTnLst>
                                 </p:cTn>
                               </p:par>
                               <p:par>
-                                <p:cTn id="44" presetID="42" presetClass="entr" presetSubtype="0" fill="hold" nodeType="withEffect">
+                                <p:cTn id="29" presetID="1" presetClass="entr" presetSubtype="0" fill="hold" nodeType="withEffect">
                                   <p:stCondLst>
                                     <p:cond delay="0"/>
                                   </p:stCondLst>
                                   <p:childTnLst>
                                     <p:set>
                                       <p:cBhvr>
-                                        <p:cTn id="45" dur="1" fill="hold">
+                                        <p:cTn id="30" dur="1" fill="hold">
                                           <p:stCondLst>
                                             <p:cond delay="0"/>
                                           </p:stCondLst>
@@ -20674,72 +19861,18 @@
                                         <p:strVal val="visible"/>
                                       </p:to>
                                     </p:set>
-                                    <p:animEffect transition="in" filter="fade">
-                                      <p:cBhvr>
-                                        <p:cTn id="46" dur="1000"/>
-                                        <p:tgtEl>
-                                          <p:spTgt spid="16"/>
-                                        </p:tgtEl>
-                                      </p:cBhvr>
-                                    </p:animEffect>
-                                    <p:anim calcmode="lin" valueType="num">
-                                      <p:cBhvr>
-                                        <p:cTn id="47" dur="1000" fill="hold"/>
-                                        <p:tgtEl>
-                                          <p:spTgt spid="16"/>
-                                        </p:tgtEl>
-                                        <p:attrNameLst>
-                                          <p:attrName>ppt_x</p:attrName>
-                                        </p:attrNameLst>
-                                      </p:cBhvr>
-                                      <p:tavLst>
-                                        <p:tav tm="0">
-                                          <p:val>
-                                            <p:strVal val="#ppt_x"/>
-                                          </p:val>
-                                        </p:tav>
-                                        <p:tav tm="100000">
-                                          <p:val>
-                                            <p:strVal val="#ppt_x"/>
-                                          </p:val>
-                                        </p:tav>
-                                      </p:tavLst>
-                                    </p:anim>
-                                    <p:anim calcmode="lin" valueType="num">
-                                      <p:cBhvr>
-                                        <p:cTn id="48" dur="1000" fill="hold"/>
-                                        <p:tgtEl>
-                                          <p:spTgt spid="16"/>
-                                        </p:tgtEl>
-                                        <p:attrNameLst>
-                                          <p:attrName>ppt_y</p:attrName>
-                                        </p:attrNameLst>
-                                      </p:cBhvr>
-                                      <p:tavLst>
-                                        <p:tav tm="0">
-                                          <p:val>
-                                            <p:strVal val="#ppt_y+.1"/>
-                                          </p:val>
-                                        </p:tav>
-                                        <p:tav tm="100000">
-                                          <p:val>
-                                            <p:strVal val="#ppt_y"/>
-                                          </p:val>
-                                        </p:tav>
-                                      </p:tavLst>
-                                    </p:anim>
                                   </p:childTnLst>
                                 </p:cTn>
                               </p:par>
                               <p:par>
-                                <p:cTn id="49" presetID="42" presetClass="entr" presetSubtype="0" fill="hold" grpId="0" nodeType="withEffect">
+                                <p:cTn id="31" presetID="1" presetClass="entr" presetSubtype="0" fill="hold" grpId="0" nodeType="withEffect">
                                   <p:stCondLst>
                                     <p:cond delay="0"/>
                                   </p:stCondLst>
                                   <p:childTnLst>
                                     <p:set>
                                       <p:cBhvr>
-                                        <p:cTn id="50" dur="1" fill="hold">
+                                        <p:cTn id="32" dur="1" fill="hold">
                                           <p:stCondLst>
                                             <p:cond delay="0"/>
                                           </p:stCondLst>
@@ -20755,72 +19888,18 @@
                                         <p:strVal val="visible"/>
                                       </p:to>
                                     </p:set>
-                                    <p:animEffect transition="in" filter="fade">
-                                      <p:cBhvr>
-                                        <p:cTn id="51" dur="1000"/>
-                                        <p:tgtEl>
-                                          <p:spTgt spid="8"/>
-                                        </p:tgtEl>
-                                      </p:cBhvr>
-                                    </p:animEffect>
-                                    <p:anim calcmode="lin" valueType="num">
-                                      <p:cBhvr>
-                                        <p:cTn id="52" dur="1000" fill="hold"/>
-                                        <p:tgtEl>
-                                          <p:spTgt spid="8"/>
-                                        </p:tgtEl>
-                                        <p:attrNameLst>
-                                          <p:attrName>ppt_x</p:attrName>
-                                        </p:attrNameLst>
-                                      </p:cBhvr>
-                                      <p:tavLst>
-                                        <p:tav tm="0">
-                                          <p:val>
-                                            <p:strVal val="#ppt_x"/>
-                                          </p:val>
-                                        </p:tav>
-                                        <p:tav tm="100000">
-                                          <p:val>
-                                            <p:strVal val="#ppt_x"/>
-                                          </p:val>
-                                        </p:tav>
-                                      </p:tavLst>
-                                    </p:anim>
-                                    <p:anim calcmode="lin" valueType="num">
-                                      <p:cBhvr>
-                                        <p:cTn id="53" dur="1000" fill="hold"/>
-                                        <p:tgtEl>
-                                          <p:spTgt spid="8"/>
-                                        </p:tgtEl>
-                                        <p:attrNameLst>
-                                          <p:attrName>ppt_y</p:attrName>
-                                        </p:attrNameLst>
-                                      </p:cBhvr>
-                                      <p:tavLst>
-                                        <p:tav tm="0">
-                                          <p:val>
-                                            <p:strVal val="#ppt_y+.1"/>
-                                          </p:val>
-                                        </p:tav>
-                                        <p:tav tm="100000">
-                                          <p:val>
-                                            <p:strVal val="#ppt_y"/>
-                                          </p:val>
-                                        </p:tav>
-                                      </p:tavLst>
-                                    </p:anim>
                                   </p:childTnLst>
                                 </p:cTn>
                               </p:par>
                               <p:par>
-                                <p:cTn id="54" presetID="42" presetClass="entr" presetSubtype="0" fill="hold" nodeType="withEffect">
+                                <p:cTn id="33" presetID="1" presetClass="entr" presetSubtype="0" fill="hold" nodeType="withEffect">
                                   <p:stCondLst>
                                     <p:cond delay="0"/>
                                   </p:stCondLst>
                                   <p:childTnLst>
                                     <p:set>
                                       <p:cBhvr>
-                                        <p:cTn id="55" dur="1" fill="hold">
+                                        <p:cTn id="34" dur="1" fill="hold">
                                           <p:stCondLst>
                                             <p:cond delay="0"/>
                                           </p:stCondLst>
@@ -20836,72 +19915,18 @@
                                         <p:strVal val="visible"/>
                                       </p:to>
                                     </p:set>
-                                    <p:animEffect transition="in" filter="fade">
-                                      <p:cBhvr>
-                                        <p:cTn id="56" dur="1000"/>
-                                        <p:tgtEl>
-                                          <p:spTgt spid="15"/>
-                                        </p:tgtEl>
-                                      </p:cBhvr>
-                                    </p:animEffect>
-                                    <p:anim calcmode="lin" valueType="num">
-                                      <p:cBhvr>
-                                        <p:cTn id="57" dur="1000" fill="hold"/>
-                                        <p:tgtEl>
-                                          <p:spTgt spid="15"/>
-                                        </p:tgtEl>
-                                        <p:attrNameLst>
-                                          <p:attrName>ppt_x</p:attrName>
-                                        </p:attrNameLst>
-                                      </p:cBhvr>
-                                      <p:tavLst>
-                                        <p:tav tm="0">
-                                          <p:val>
-                                            <p:strVal val="#ppt_x"/>
-                                          </p:val>
-                                        </p:tav>
-                                        <p:tav tm="100000">
-                                          <p:val>
-                                            <p:strVal val="#ppt_x"/>
-                                          </p:val>
-                                        </p:tav>
-                                      </p:tavLst>
-                                    </p:anim>
-                                    <p:anim calcmode="lin" valueType="num">
-                                      <p:cBhvr>
-                                        <p:cTn id="58" dur="1000" fill="hold"/>
-                                        <p:tgtEl>
-                                          <p:spTgt spid="15"/>
-                                        </p:tgtEl>
-                                        <p:attrNameLst>
-                                          <p:attrName>ppt_y</p:attrName>
-                                        </p:attrNameLst>
-                                      </p:cBhvr>
-                                      <p:tavLst>
-                                        <p:tav tm="0">
-                                          <p:val>
-                                            <p:strVal val="#ppt_y+.1"/>
-                                          </p:val>
-                                        </p:tav>
-                                        <p:tav tm="100000">
-                                          <p:val>
-                                            <p:strVal val="#ppt_y"/>
-                                          </p:val>
-                                        </p:tav>
-                                      </p:tavLst>
-                                    </p:anim>
                                   </p:childTnLst>
                                 </p:cTn>
                               </p:par>
                               <p:par>
-                                <p:cTn id="59" presetID="42" presetClass="entr" presetSubtype="0" fill="hold" grpId="0" nodeType="withEffect">
+                                <p:cTn id="35" presetID="1" presetClass="entr" presetSubtype="0" fill="hold" grpId="0" nodeType="withEffect">
                                   <p:stCondLst>
                                     <p:cond delay="0"/>
                                   </p:stCondLst>
                                   <p:childTnLst>
                                     <p:set>
                                       <p:cBhvr>
-                                        <p:cTn id="60" dur="1" fill="hold">
+                                        <p:cTn id="36" dur="1" fill="hold">
                                           <p:stCondLst>
                                             <p:cond delay="0"/>
                                           </p:stCondLst>
@@ -20917,90 +19942,18 @@
                                         <p:strVal val="visible"/>
                                       </p:to>
                                     </p:set>
-                                    <p:animEffect transition="in" filter="fade">
-                                      <p:cBhvr>
-                                        <p:cTn id="61" dur="1000"/>
-                                        <p:tgtEl>
-                                          <p:spTgt spid="7"/>
-                                        </p:tgtEl>
-                                      </p:cBhvr>
-                                    </p:animEffect>
-                                    <p:anim calcmode="lin" valueType="num">
-                                      <p:cBhvr>
-                                        <p:cTn id="62" dur="1000" fill="hold"/>
-                                        <p:tgtEl>
-                                          <p:spTgt spid="7"/>
-                                        </p:tgtEl>
-                                        <p:attrNameLst>
-                                          <p:attrName>ppt_x</p:attrName>
-                                        </p:attrNameLst>
-                                      </p:cBhvr>
-                                      <p:tavLst>
-                                        <p:tav tm="0">
-                                          <p:val>
-                                            <p:strVal val="#ppt_x"/>
-                                          </p:val>
-                                        </p:tav>
-                                        <p:tav tm="100000">
-                                          <p:val>
-                                            <p:strVal val="#ppt_x"/>
-                                          </p:val>
-                                        </p:tav>
-                                      </p:tavLst>
-                                    </p:anim>
-                                    <p:anim calcmode="lin" valueType="num">
-                                      <p:cBhvr>
-                                        <p:cTn id="63" dur="1000" fill="hold"/>
-                                        <p:tgtEl>
-                                          <p:spTgt spid="7"/>
-                                        </p:tgtEl>
-                                        <p:attrNameLst>
-                                          <p:attrName>ppt_y</p:attrName>
-                                        </p:attrNameLst>
-                                      </p:cBhvr>
-                                      <p:tavLst>
-                                        <p:tav tm="0">
-                                          <p:val>
-                                            <p:strVal val="#ppt_y+.1"/>
-                                          </p:val>
-                                        </p:tav>
-                                        <p:tav tm="100000">
-                                          <p:val>
-                                            <p:strVal val="#ppt_y"/>
-                                          </p:val>
-                                        </p:tav>
-                                      </p:tavLst>
-                                    </p:anim>
                                   </p:childTnLst>
                                 </p:cTn>
                               </p:par>
-                            </p:childTnLst>
-                          </p:cTn>
-                        </p:par>
-                      </p:childTnLst>
-                    </p:cTn>
-                  </p:par>
-                  <p:par>
-                    <p:cTn id="64" fill="hold">
-                      <p:stCondLst>
-                        <p:cond delay="indefinite"/>
-                      </p:stCondLst>
-                      <p:childTnLst>
-                        <p:par>
-                          <p:cTn id="65" fill="hold">
-                            <p:stCondLst>
-                              <p:cond delay="0"/>
-                            </p:stCondLst>
-                            <p:childTnLst>
                               <p:par>
-                                <p:cTn id="66" presetID="22" presetClass="entr" presetSubtype="4" fill="hold" grpId="0" nodeType="clickEffect">
+                                <p:cTn id="37" presetID="1" presetClass="entr" presetSubtype="0" fill="hold" grpId="0" nodeType="withEffect">
                                   <p:stCondLst>
                                     <p:cond delay="0"/>
                                   </p:stCondLst>
                                   <p:childTnLst>
                                     <p:set>
                                       <p:cBhvr>
-                                        <p:cTn id="67" dur="1" fill="hold">
+                                        <p:cTn id="38" dur="1" fill="hold">
                                           <p:stCondLst>
                                             <p:cond delay="0"/>
                                           </p:stCondLst>
@@ -21016,44 +19969,18 @@
                                         <p:strVal val="visible"/>
                                       </p:to>
                                     </p:set>
-                                    <p:animEffect transition="in" filter="wipe(down)">
-                                      <p:cBhvr>
-                                        <p:cTn id="68" dur="500"/>
-                                        <p:tgtEl>
-                                          <p:spTgt spid="25"/>
-                                        </p:tgtEl>
-                                      </p:cBhvr>
-                                    </p:animEffect>
                                   </p:childTnLst>
                                 </p:cTn>
                               </p:par>
-                            </p:childTnLst>
-                          </p:cTn>
-                        </p:par>
-                      </p:childTnLst>
-                    </p:cTn>
-                  </p:par>
-                  <p:par>
-                    <p:cTn id="69" fill="hold">
-                      <p:stCondLst>
-                        <p:cond delay="indefinite"/>
-                      </p:stCondLst>
-                      <p:childTnLst>
-                        <p:par>
-                          <p:cTn id="70" fill="hold">
-                            <p:stCondLst>
-                              <p:cond delay="0"/>
-                            </p:stCondLst>
-                            <p:childTnLst>
                               <p:par>
-                                <p:cTn id="71" presetID="6" presetClass="entr" presetSubtype="16" fill="hold" grpId="0" nodeType="clickEffect">
+                                <p:cTn id="39" presetID="1" presetClass="entr" presetSubtype="0" fill="hold" grpId="0" nodeType="withEffect">
                                   <p:stCondLst>
                                     <p:cond delay="0"/>
                                   </p:stCondLst>
                                   <p:childTnLst>
                                     <p:set>
                                       <p:cBhvr>
-                                        <p:cTn id="72" dur="1" fill="hold">
+                                        <p:cTn id="40" dur="1" fill="hold">
                                           <p:stCondLst>
                                             <p:cond delay="0"/>
                                           </p:stCondLst>
@@ -21069,44 +19996,18 @@
                                         <p:strVal val="visible"/>
                                       </p:to>
                                     </p:set>
-                                    <p:animEffect transition="in" filter="circle(in)">
-                                      <p:cBhvr>
-                                        <p:cTn id="73" dur="2000"/>
-                                        <p:tgtEl>
-                                          <p:spTgt spid="26"/>
-                                        </p:tgtEl>
-                                      </p:cBhvr>
-                                    </p:animEffect>
                                   </p:childTnLst>
                                 </p:cTn>
                               </p:par>
-                            </p:childTnLst>
-                          </p:cTn>
-                        </p:par>
-                      </p:childTnLst>
-                    </p:cTn>
-                  </p:par>
-                  <p:par>
-                    <p:cTn id="74" fill="hold">
-                      <p:stCondLst>
-                        <p:cond delay="indefinite"/>
-                      </p:stCondLst>
-                      <p:childTnLst>
-                        <p:par>
-                          <p:cTn id="75" fill="hold">
-                            <p:stCondLst>
-                              <p:cond delay="0"/>
-                            </p:stCondLst>
-                            <p:childTnLst>
                               <p:par>
-                                <p:cTn id="76" presetID="42" presetClass="entr" presetSubtype="0" fill="hold" grpId="0" nodeType="clickEffect">
+                                <p:cTn id="41" presetID="1" presetClass="entr" presetSubtype="0" fill="hold" grpId="0" nodeType="withEffect">
                                   <p:stCondLst>
                                     <p:cond delay="0"/>
                                   </p:stCondLst>
                                   <p:childTnLst>
                                     <p:set>
                                       <p:cBhvr>
-                                        <p:cTn id="77" dur="1" fill="hold">
+                                        <p:cTn id="42" dur="1" fill="hold">
                                           <p:stCondLst>
                                             <p:cond delay="0"/>
                                           </p:stCondLst>
@@ -21122,90 +20023,18 @@
                                         <p:strVal val="visible"/>
                                       </p:to>
                                     </p:set>
-                                    <p:animEffect transition="in" filter="fade">
-                                      <p:cBhvr>
-                                        <p:cTn id="78" dur="1000"/>
-                                        <p:tgtEl>
-                                          <p:spTgt spid="27"/>
-                                        </p:tgtEl>
-                                      </p:cBhvr>
-                                    </p:animEffect>
-                                    <p:anim calcmode="lin" valueType="num">
-                                      <p:cBhvr>
-                                        <p:cTn id="79" dur="1000" fill="hold"/>
-                                        <p:tgtEl>
-                                          <p:spTgt spid="27"/>
-                                        </p:tgtEl>
-                                        <p:attrNameLst>
-                                          <p:attrName>ppt_x</p:attrName>
-                                        </p:attrNameLst>
-                                      </p:cBhvr>
-                                      <p:tavLst>
-                                        <p:tav tm="0">
-                                          <p:val>
-                                            <p:strVal val="#ppt_x"/>
-                                          </p:val>
-                                        </p:tav>
-                                        <p:tav tm="100000">
-                                          <p:val>
-                                            <p:strVal val="#ppt_x"/>
-                                          </p:val>
-                                        </p:tav>
-                                      </p:tavLst>
-                                    </p:anim>
-                                    <p:anim calcmode="lin" valueType="num">
-                                      <p:cBhvr>
-                                        <p:cTn id="80" dur="1000" fill="hold"/>
-                                        <p:tgtEl>
-                                          <p:spTgt spid="27"/>
-                                        </p:tgtEl>
-                                        <p:attrNameLst>
-                                          <p:attrName>ppt_y</p:attrName>
-                                        </p:attrNameLst>
-                                      </p:cBhvr>
-                                      <p:tavLst>
-                                        <p:tav tm="0">
-                                          <p:val>
-                                            <p:strVal val="#ppt_y+.1"/>
-                                          </p:val>
-                                        </p:tav>
-                                        <p:tav tm="100000">
-                                          <p:val>
-                                            <p:strVal val="#ppt_y"/>
-                                          </p:val>
-                                        </p:tav>
-                                      </p:tavLst>
-                                    </p:anim>
                                   </p:childTnLst>
                                 </p:cTn>
                               </p:par>
-                            </p:childTnLst>
-                          </p:cTn>
-                        </p:par>
-                      </p:childTnLst>
-                    </p:cTn>
-                  </p:par>
-                  <p:par>
-                    <p:cTn id="81" fill="hold">
-                      <p:stCondLst>
-                        <p:cond delay="indefinite"/>
-                      </p:stCondLst>
-                      <p:childTnLst>
-                        <p:par>
-                          <p:cTn id="82" fill="hold">
-                            <p:stCondLst>
-                              <p:cond delay="0"/>
-                            </p:stCondLst>
-                            <p:childTnLst>
                               <p:par>
-                                <p:cTn id="83" presetID="42" presetClass="entr" presetSubtype="0" fill="hold" grpId="0" nodeType="clickEffect">
+                                <p:cTn id="43" presetID="1" presetClass="entr" presetSubtype="0" fill="hold" grpId="0" nodeType="withEffect">
                                   <p:stCondLst>
                                     <p:cond delay="0"/>
                                   </p:stCondLst>
                                   <p:childTnLst>
                                     <p:set>
                                       <p:cBhvr>
-                                        <p:cTn id="84" dur="1" fill="hold">
+                                        <p:cTn id="44" dur="1" fill="hold">
                                           <p:stCondLst>
                                             <p:cond delay="0"/>
                                           </p:stCondLst>
@@ -21221,60 +20050,64 @@
                                         <p:strVal val="visible"/>
                                       </p:to>
                                     </p:set>
-                                    <p:animEffect transition="in" filter="fade">
+                                  </p:childTnLst>
+                                </p:cTn>
+                              </p:par>
+                              <p:par>
+                                <p:cTn id="45" presetID="1" presetClass="entr" presetSubtype="0" fill="hold" grpId="0" nodeType="withEffect">
+                                  <p:stCondLst>
+                                    <p:cond delay="0"/>
+                                  </p:stCondLst>
+                                  <p:childTnLst>
+                                    <p:set>
                                       <p:cBhvr>
-                                        <p:cTn id="85" dur="1000"/>
+                                        <p:cTn id="46" dur="1" fill="hold">
+                                          <p:stCondLst>
+                                            <p:cond delay="0"/>
+                                          </p:stCondLst>
+                                        </p:cTn>
                                         <p:tgtEl>
-                                          <p:spTgt spid="20"/>
-                                        </p:tgtEl>
-                                      </p:cBhvr>
-                                    </p:animEffect>
-                                    <p:anim calcmode="lin" valueType="num">
-                                      <p:cBhvr>
-                                        <p:cTn id="86" dur="1000" fill="hold"/>
-                                        <p:tgtEl>
-                                          <p:spTgt spid="20"/>
+                                          <p:spTgt spid="25602"/>
                                         </p:tgtEl>
                                         <p:attrNameLst>
-                                          <p:attrName>ppt_x</p:attrName>
+                                          <p:attrName>style.visibility</p:attrName>
                                         </p:attrNameLst>
                                       </p:cBhvr>
-                                      <p:tavLst>
-                                        <p:tav tm="0">
-                                          <p:val>
-                                            <p:strVal val="#ppt_x"/>
-                                          </p:val>
-                                        </p:tav>
-                                        <p:tav tm="100000">
-                                          <p:val>
-                                            <p:strVal val="#ppt_x"/>
-                                          </p:val>
-                                        </p:tav>
-                                      </p:tavLst>
-                                    </p:anim>
-                                    <p:anim calcmode="lin" valueType="num">
+                                      <p:to>
+                                        <p:strVal val="visible"/>
+                                      </p:to>
+                                    </p:set>
+                                  </p:childTnLst>
+                                </p:cTn>
+                              </p:par>
+                              <p:par>
+                                <p:cTn id="47" presetID="1" presetClass="entr" presetSubtype="0" fill="hold" grpId="0" nodeType="withEffect">
+                                  <p:stCondLst>
+                                    <p:cond delay="0"/>
+                                  </p:stCondLst>
+                                  <p:childTnLst>
+                                    <p:set>
                                       <p:cBhvr>
-                                        <p:cTn id="87" dur="1000" fill="hold"/>
+                                        <p:cTn id="48" dur="1" fill="hold">
+                                          <p:stCondLst>
+                                            <p:cond delay="0"/>
+                                          </p:stCondLst>
+                                        </p:cTn>
                                         <p:tgtEl>
-                                          <p:spTgt spid="20"/>
+                                          <p:spTgt spid="25603">
+                                            <p:txEl>
+                                              <p:pRg st="0" end="0"/>
+                                            </p:txEl>
+                                          </p:spTgt>
                                         </p:tgtEl>
                                         <p:attrNameLst>
-                                          <p:attrName>ppt_y</p:attrName>
+                                          <p:attrName>style.visibility</p:attrName>
                                         </p:attrNameLst>
                                       </p:cBhvr>
-                                      <p:tavLst>
-                                        <p:tav tm="0">
-                                          <p:val>
-                                            <p:strVal val="#ppt_y+.1"/>
-                                          </p:val>
-                                        </p:tav>
-                                        <p:tav tm="100000">
-                                          <p:val>
-                                            <p:strVal val="#ppt_y"/>
-                                          </p:val>
-                                        </p:tav>
-                                      </p:tavLst>
-                                    </p:anim>
+                                      <p:to>
+                                        <p:strVal val="visible"/>
+                                      </p:to>
+                                    </p:set>
                                   </p:childTnLst>
                                 </p:cTn>
                               </p:par>
@@ -21306,6 +20139,8 @@
       </p:par>
     </p:tnLst>
     <p:bldLst>
+      <p:bldP spid="25602" grpId="0"/>
+      <p:bldP spid="25603" grpId="0" build="p"/>
       <p:bldP spid="3" grpId="0" animBg="1"/>
       <p:bldP spid="6" grpId="0" animBg="1"/>
       <p:bldP spid="7" grpId="0" animBg="1"/>
